--- a/交互模式.pptx
+++ b/交互模式.pptx
@@ -104,6 +104,11 @@
       </a:defRPr>
     </a:lvl9pPr>
   </p:defaultTextStyle>
+  <p:extLst>
+    <p:ext uri="{EFAFB233-063F-42B5-8137-9DF3F51BA10A}">
+      <p15:sldGuideLst xmlns:p15="http://schemas.microsoft.com/office/powerpoint/2012/main"/>
+    </p:ext>
+  </p:extLst>
 </p:presentation>
 </file>
 
@@ -254,7 +259,7 @@
           <a:p>
             <a:fld id="{67BA9A5B-5832-4A94-ACB7-D62ADF7647B9}" type="datetimeFigureOut">
               <a:rPr lang="zh-CN" altLang="en-US" smtClean="0"/>
-              <a:t>2021/11/21</a:t>
+              <a:t>2021/12/16</a:t>
             </a:fld>
             <a:endParaRPr lang="zh-CN" altLang="en-US"/>
           </a:p>
@@ -452,7 +457,7 @@
           <a:p>
             <a:fld id="{67BA9A5B-5832-4A94-ACB7-D62ADF7647B9}" type="datetimeFigureOut">
               <a:rPr lang="zh-CN" altLang="en-US" smtClean="0"/>
-              <a:t>2021/11/21</a:t>
+              <a:t>2021/12/16</a:t>
             </a:fld>
             <a:endParaRPr lang="zh-CN" altLang="en-US"/>
           </a:p>
@@ -660,7 +665,7 @@
           <a:p>
             <a:fld id="{67BA9A5B-5832-4A94-ACB7-D62ADF7647B9}" type="datetimeFigureOut">
               <a:rPr lang="zh-CN" altLang="en-US" smtClean="0"/>
-              <a:t>2021/11/21</a:t>
+              <a:t>2021/12/16</a:t>
             </a:fld>
             <a:endParaRPr lang="zh-CN" altLang="en-US"/>
           </a:p>
@@ -858,7 +863,7 @@
           <a:p>
             <a:fld id="{67BA9A5B-5832-4A94-ACB7-D62ADF7647B9}" type="datetimeFigureOut">
               <a:rPr lang="zh-CN" altLang="en-US" smtClean="0"/>
-              <a:t>2021/11/21</a:t>
+              <a:t>2021/12/16</a:t>
             </a:fld>
             <a:endParaRPr lang="zh-CN" altLang="en-US"/>
           </a:p>
@@ -1133,7 +1138,7 @@
           <a:p>
             <a:fld id="{67BA9A5B-5832-4A94-ACB7-D62ADF7647B9}" type="datetimeFigureOut">
               <a:rPr lang="zh-CN" altLang="en-US" smtClean="0"/>
-              <a:t>2021/11/21</a:t>
+              <a:t>2021/12/16</a:t>
             </a:fld>
             <a:endParaRPr lang="zh-CN" altLang="en-US"/>
           </a:p>
@@ -1398,7 +1403,7 @@
           <a:p>
             <a:fld id="{67BA9A5B-5832-4A94-ACB7-D62ADF7647B9}" type="datetimeFigureOut">
               <a:rPr lang="zh-CN" altLang="en-US" smtClean="0"/>
-              <a:t>2021/11/21</a:t>
+              <a:t>2021/12/16</a:t>
             </a:fld>
             <a:endParaRPr lang="zh-CN" altLang="en-US"/>
           </a:p>
@@ -1810,7 +1815,7 @@
           <a:p>
             <a:fld id="{67BA9A5B-5832-4A94-ACB7-D62ADF7647B9}" type="datetimeFigureOut">
               <a:rPr lang="zh-CN" altLang="en-US" smtClean="0"/>
-              <a:t>2021/11/21</a:t>
+              <a:t>2021/12/16</a:t>
             </a:fld>
             <a:endParaRPr lang="zh-CN" altLang="en-US"/>
           </a:p>
@@ -1951,7 +1956,7 @@
           <a:p>
             <a:fld id="{67BA9A5B-5832-4A94-ACB7-D62ADF7647B9}" type="datetimeFigureOut">
               <a:rPr lang="zh-CN" altLang="en-US" smtClean="0"/>
-              <a:t>2021/11/21</a:t>
+              <a:t>2021/12/16</a:t>
             </a:fld>
             <a:endParaRPr lang="zh-CN" altLang="en-US"/>
           </a:p>
@@ -2064,7 +2069,7 @@
           <a:p>
             <a:fld id="{67BA9A5B-5832-4A94-ACB7-D62ADF7647B9}" type="datetimeFigureOut">
               <a:rPr lang="zh-CN" altLang="en-US" smtClean="0"/>
-              <a:t>2021/11/21</a:t>
+              <a:t>2021/12/16</a:t>
             </a:fld>
             <a:endParaRPr lang="zh-CN" altLang="en-US"/>
           </a:p>
@@ -2375,7 +2380,7 @@
           <a:p>
             <a:fld id="{67BA9A5B-5832-4A94-ACB7-D62ADF7647B9}" type="datetimeFigureOut">
               <a:rPr lang="zh-CN" altLang="en-US" smtClean="0"/>
-              <a:t>2021/11/21</a:t>
+              <a:t>2021/12/16</a:t>
             </a:fld>
             <a:endParaRPr lang="zh-CN" altLang="en-US"/>
           </a:p>
@@ -2663,7 +2668,7 @@
           <a:p>
             <a:fld id="{67BA9A5B-5832-4A94-ACB7-D62ADF7647B9}" type="datetimeFigureOut">
               <a:rPr lang="zh-CN" altLang="en-US" smtClean="0"/>
-              <a:t>2021/11/21</a:t>
+              <a:t>2021/12/16</a:t>
             </a:fld>
             <a:endParaRPr lang="zh-CN" altLang="en-US"/>
           </a:p>
@@ -2904,7 +2909,7 @@
           <a:p>
             <a:fld id="{67BA9A5B-5832-4A94-ACB7-D62ADF7647B9}" type="datetimeFigureOut">
               <a:rPr lang="zh-CN" altLang="en-US" smtClean="0"/>
-              <a:t>2021/11/21</a:t>
+              <a:t>2021/12/16</a:t>
             </a:fld>
             <a:endParaRPr lang="zh-CN" altLang="en-US"/>
           </a:p>
@@ -3339,7 +3344,7 @@
         </p:nvSpPr>
         <p:spPr>
           <a:xfrm>
-            <a:off x="4412201" y="595620"/>
+            <a:off x="3497801" y="542354"/>
             <a:ext cx="2672178" cy="470516"/>
           </a:xfrm>
         </p:spPr>
@@ -3378,7 +3383,7 @@
         </p:nvSpPr>
         <p:spPr>
           <a:xfrm>
-            <a:off x="1670482" y="1863571"/>
+            <a:off x="756082" y="1810305"/>
             <a:ext cx="2672178" cy="470516"/>
           </a:xfrm>
           <a:prstGeom prst="rect">
@@ -3438,7 +3443,7 @@
         </p:nvSpPr>
         <p:spPr>
           <a:xfrm>
-            <a:off x="4429958" y="1871709"/>
+            <a:off x="3330606" y="1817743"/>
             <a:ext cx="2672178" cy="470516"/>
           </a:xfrm>
           <a:prstGeom prst="rect">
@@ -3498,7 +3503,7 @@
         </p:nvSpPr>
         <p:spPr>
           <a:xfrm>
-            <a:off x="7264893" y="1875408"/>
+            <a:off x="5669481" y="1744689"/>
             <a:ext cx="2672178" cy="470516"/>
           </a:xfrm>
           <a:prstGeom prst="rect">
@@ -3556,7 +3561,7 @@
         </p:nvCxnSpPr>
         <p:spPr>
           <a:xfrm flipH="1">
-            <a:off x="3231472" y="985421"/>
+            <a:off x="2317072" y="932155"/>
             <a:ext cx="1376039" cy="710214"/>
           </a:xfrm>
           <a:prstGeom prst="straightConnector1">
@@ -3595,7 +3600,7 @@
         </p:nvCxnSpPr>
         <p:spPr>
           <a:xfrm>
-            <a:off x="5877017" y="1066136"/>
+            <a:off x="4962617" y="1012870"/>
             <a:ext cx="0" cy="629499"/>
           </a:xfrm>
           <a:prstGeom prst="straightConnector1">
@@ -3634,7 +3639,7 @@
         </p:nvCxnSpPr>
         <p:spPr>
           <a:xfrm>
-            <a:off x="7084379" y="1066136"/>
+            <a:off x="5488967" y="935417"/>
             <a:ext cx="1516603" cy="629499"/>
           </a:xfrm>
           <a:prstGeom prst="straightConnector1">
@@ -3675,7 +3680,7 @@
         </p:nvSpPr>
         <p:spPr>
           <a:xfrm>
-            <a:off x="2038907" y="933047"/>
+            <a:off x="1124507" y="879781"/>
             <a:ext cx="2672178" cy="470516"/>
           </a:xfrm>
           <a:prstGeom prst="rect">
@@ -3735,7 +3740,7 @@
         </p:nvSpPr>
         <p:spPr>
           <a:xfrm>
-            <a:off x="4978895" y="1105270"/>
+            <a:off x="3253294" y="1061240"/>
             <a:ext cx="2672178" cy="470516"/>
           </a:xfrm>
           <a:prstGeom prst="rect">
@@ -3795,7 +3800,7 @@
         </p:nvSpPr>
         <p:spPr>
           <a:xfrm>
-            <a:off x="7017796" y="784641"/>
+            <a:off x="5422384" y="653922"/>
             <a:ext cx="2672178" cy="470516"/>
           </a:xfrm>
           <a:prstGeom prst="rect">
@@ -3875,7 +3880,7 @@
         </p:nvCxnSpPr>
         <p:spPr>
           <a:xfrm>
-            <a:off x="2787588" y="2334087"/>
+            <a:off x="1873188" y="2280821"/>
             <a:ext cx="0" cy="817486"/>
           </a:xfrm>
           <a:prstGeom prst="straightConnector1">
@@ -3916,7 +3921,7 @@
         </p:nvSpPr>
         <p:spPr>
           <a:xfrm>
-            <a:off x="1895383" y="2464446"/>
+            <a:off x="980983" y="2411180"/>
             <a:ext cx="2672178" cy="470516"/>
           </a:xfrm>
           <a:prstGeom prst="rect">
@@ -3976,7 +3981,7 @@
         </p:nvSpPr>
         <p:spPr>
           <a:xfrm>
-            <a:off x="1572828" y="3303158"/>
+            <a:off x="658428" y="3249892"/>
             <a:ext cx="2672178" cy="470516"/>
           </a:xfrm>
           <a:prstGeom prst="rect">
@@ -4033,7 +4038,7 @@
         </p:nvCxnSpPr>
         <p:spPr>
           <a:xfrm>
-            <a:off x="5818571" y="2464446"/>
+            <a:off x="4665582" y="2402041"/>
             <a:ext cx="0" cy="817486"/>
           </a:xfrm>
           <a:prstGeom prst="straightConnector1">
@@ -4074,7 +4079,7 @@
         </p:nvSpPr>
         <p:spPr>
           <a:xfrm>
-            <a:off x="4786913" y="2575113"/>
+            <a:off x="3633924" y="2512708"/>
             <a:ext cx="2672178" cy="470516"/>
           </a:xfrm>
           <a:prstGeom prst="rect">
@@ -4179,7 +4184,7 @@
         </p:nvSpPr>
         <p:spPr>
           <a:xfrm>
-            <a:off x="4985182" y="3539917"/>
+            <a:off x="3832193" y="3477512"/>
             <a:ext cx="2672178" cy="470516"/>
           </a:xfrm>
           <a:prstGeom prst="rect">
@@ -4239,7 +4244,7 @@
         </p:nvCxnSpPr>
         <p:spPr>
           <a:xfrm flipH="1">
-            <a:off x="5813391" y="3440136"/>
+            <a:off x="4660402" y="3377731"/>
             <a:ext cx="10360" cy="829541"/>
           </a:xfrm>
           <a:prstGeom prst="straightConnector1">
@@ -4280,7 +4285,7 @@
         </p:nvSpPr>
         <p:spPr>
           <a:xfrm>
-            <a:off x="4540928" y="4326933"/>
+            <a:off x="3387939" y="4264528"/>
             <a:ext cx="2672178" cy="470516"/>
           </a:xfrm>
           <a:prstGeom prst="rect">
@@ -4337,7 +4342,7 @@
         </p:nvSpPr>
         <p:spPr>
           <a:xfrm>
-            <a:off x="1572828" y="4232433"/>
+            <a:off x="658428" y="4179167"/>
             <a:ext cx="2672178" cy="470516"/>
           </a:xfrm>
           <a:prstGeom prst="rect">
@@ -4397,7 +4402,7 @@
         </p:nvSpPr>
         <p:spPr>
           <a:xfrm>
-            <a:off x="2605226" y="4211945"/>
+            <a:off x="1690826" y="4158679"/>
             <a:ext cx="2672178" cy="470516"/>
           </a:xfrm>
           <a:prstGeom prst="rect">
@@ -4457,7 +4462,7 @@
         </p:nvCxnSpPr>
         <p:spPr>
           <a:xfrm flipH="1">
-            <a:off x="1709323" y="3810684"/>
+            <a:off x="794923" y="3757418"/>
             <a:ext cx="659167" cy="332874"/>
           </a:xfrm>
           <a:prstGeom prst="straightConnector1">
@@ -4496,7 +4501,7 @@
         </p:nvCxnSpPr>
         <p:spPr>
           <a:xfrm>
-            <a:off x="3515926" y="3788221"/>
+            <a:off x="2601526" y="3734955"/>
             <a:ext cx="270768" cy="254428"/>
           </a:xfrm>
           <a:prstGeom prst="straightConnector1">
@@ -4537,9 +4542,9 @@
           <p:nvPr/>
         </p:nvCxnSpPr>
         <p:spPr>
-          <a:xfrm>
-            <a:off x="8600982" y="2345924"/>
-            <a:ext cx="1528439" cy="353780"/>
+          <a:xfrm flipH="1">
+            <a:off x="6306102" y="2215205"/>
+            <a:ext cx="699468" cy="791153"/>
           </a:xfrm>
           <a:prstGeom prst="straightConnector1">
             <a:avLst/>
@@ -4579,7 +4584,7 @@
         </p:nvSpPr>
         <p:spPr>
           <a:xfrm>
-            <a:off x="8697157" y="2162377"/>
+            <a:off x="4937447" y="2129312"/>
             <a:ext cx="2672178" cy="470516"/>
           </a:xfrm>
           <a:prstGeom prst="rect">
@@ -4636,7 +4641,7 @@
         </p:nvSpPr>
         <p:spPr>
           <a:xfrm>
-            <a:off x="7275989" y="3687781"/>
+            <a:off x="5502863" y="4544710"/>
             <a:ext cx="2672178" cy="470516"/>
           </a:xfrm>
           <a:prstGeom prst="rect">
@@ -4693,7 +4698,7 @@
         </p:nvSpPr>
         <p:spPr>
           <a:xfrm>
-            <a:off x="9220940" y="2684604"/>
+            <a:off x="4759911" y="2971019"/>
             <a:ext cx="2672178" cy="470516"/>
           </a:xfrm>
           <a:prstGeom prst="rect">
@@ -4743,13 +4748,15 @@
               </a:ext>
             </a:extLst>
           </p:cNvPr>
-          <p:cNvCxnSpPr/>
+          <p:cNvCxnSpPr>
+            <a:cxnSpLocks/>
+          </p:cNvCxnSpPr>
           <p:nvPr/>
         </p:nvCxnSpPr>
         <p:spPr>
           <a:xfrm>
-            <a:off x="8490749" y="2431041"/>
-            <a:ext cx="0" cy="1107375"/>
+            <a:off x="7130592" y="2270940"/>
+            <a:ext cx="0" cy="2228846"/>
           </a:xfrm>
           <a:prstGeom prst="straightConnector1">
             <a:avLst/>
@@ -4783,14 +4790,15 @@
             </a:extLst>
           </p:cNvPr>
           <p:cNvCxnSpPr>
+            <a:cxnSpLocks/>
             <a:endCxn id="36" idx="0"/>
           </p:cNvCxnSpPr>
           <p:nvPr/>
         </p:nvCxnSpPr>
         <p:spPr>
-          <a:xfrm flipH="1">
-            <a:off x="8612078" y="3303158"/>
-            <a:ext cx="1421168" cy="384623"/>
+          <a:xfrm>
+            <a:off x="5983738" y="3433605"/>
+            <a:ext cx="855214" cy="1111105"/>
           </a:xfrm>
           <a:prstGeom prst="straightConnector1">
             <a:avLst/>
@@ -4830,7 +4838,7 @@
         </p:nvSpPr>
         <p:spPr>
           <a:xfrm>
-            <a:off x="7574872" y="2944010"/>
+            <a:off x="6139806" y="3026754"/>
             <a:ext cx="2672178" cy="470516"/>
           </a:xfrm>
           <a:prstGeom prst="rect">
@@ -4890,7 +4898,7 @@
         </p:nvCxnSpPr>
         <p:spPr>
           <a:xfrm rot="5400000" flipH="1" flipV="1">
-            <a:off x="750461" y="3035647"/>
+            <a:off x="-163939" y="2982381"/>
             <a:ext cx="1480864" cy="808979"/>
           </a:xfrm>
           <a:prstGeom prst="curvedConnector2">
@@ -4931,7 +4939,7 @@
         </p:nvSpPr>
         <p:spPr>
           <a:xfrm>
-            <a:off x="236739" y="4232433"/>
+            <a:off x="-677661" y="4179167"/>
             <a:ext cx="2672178" cy="470516"/>
           </a:xfrm>
           <a:prstGeom prst="rect">
@@ -4991,7 +4999,7 @@
         </p:nvCxnSpPr>
         <p:spPr>
           <a:xfrm flipH="1">
-            <a:off x="2901888" y="3773674"/>
+            <a:off x="1987488" y="3720408"/>
             <a:ext cx="7029" cy="406895"/>
           </a:xfrm>
           <a:prstGeom prst="straightConnector1">
@@ -5032,12 +5040,12 @@
         </p:nvCxnSpPr>
         <p:spPr>
           <a:xfrm rot="16200000" flipV="1">
-            <a:off x="6124394" y="1754166"/>
-            <a:ext cx="3221664" cy="1923871"/>
+            <a:off x="3937345" y="2215085"/>
+            <a:ext cx="4174498" cy="1693429"/>
           </a:xfrm>
           <a:prstGeom prst="curvedConnector3">
             <a:avLst>
-              <a:gd name="adj1" fmla="val -18339"/>
+              <a:gd name="adj1" fmla="val -11247"/>
             </a:avLst>
           </a:prstGeom>
           <a:ln>
@@ -5075,7 +5083,7 @@
         </p:nvCxnSpPr>
         <p:spPr>
           <a:xfrm rot="5400000" flipH="1" flipV="1">
-            <a:off x="5717099" y="4215639"/>
+            <a:off x="4564110" y="4153234"/>
             <a:ext cx="920897" cy="578162"/>
           </a:xfrm>
           <a:prstGeom prst="curvedConnector3">
@@ -5111,13 +5119,15 @@
               </a:ext>
             </a:extLst>
           </p:cNvPr>
-          <p:cNvCxnSpPr/>
+          <p:cNvCxnSpPr>
+            <a:cxnSpLocks/>
+          </p:cNvCxnSpPr>
           <p:nvPr/>
         </p:nvCxnSpPr>
         <p:spPr>
           <a:xfrm>
-            <a:off x="2955427" y="5033639"/>
-            <a:ext cx="786879" cy="470516"/>
+            <a:off x="2041027" y="4980373"/>
+            <a:ext cx="1583662" cy="1112400"/>
           </a:xfrm>
           <a:prstGeom prst="straightConnector1">
             <a:avLst/>
@@ -5150,13 +5160,15 @@
               </a:ext>
             </a:extLst>
           </p:cNvPr>
-          <p:cNvCxnSpPr/>
+          <p:cNvCxnSpPr>
+            <a:cxnSpLocks/>
+          </p:cNvCxnSpPr>
           <p:nvPr/>
         </p:nvCxnSpPr>
         <p:spPr>
-          <a:xfrm flipH="1">
-            <a:off x="4607511" y="5117070"/>
-            <a:ext cx="1532550" cy="526324"/>
+          <a:xfrm>
+            <a:off x="4363005" y="4856883"/>
+            <a:ext cx="43998" cy="817459"/>
           </a:xfrm>
           <a:prstGeom prst="straightConnector1">
             <a:avLst/>
@@ -5196,7 +5208,7 @@
         </p:nvSpPr>
         <p:spPr>
           <a:xfrm>
-            <a:off x="2605226" y="5689695"/>
+            <a:off x="2844369" y="5857515"/>
             <a:ext cx="2672178" cy="470516"/>
           </a:xfrm>
           <a:prstGeom prst="rect">
@@ -5249,13 +5261,386 @@
               </a:ext>
             </a:extLst>
           </p:cNvPr>
-          <p:cNvCxnSpPr/>
+          <p:cNvCxnSpPr>
+            <a:cxnSpLocks/>
+          </p:cNvCxnSpPr>
           <p:nvPr/>
         </p:nvCxnSpPr>
         <p:spPr>
           <a:xfrm flipV="1">
-            <a:off x="4128117" y="1168305"/>
-            <a:ext cx="872956" cy="4335850"/>
+            <a:off x="3888717" y="1169196"/>
+            <a:ext cx="11169" cy="4627564"/>
+          </a:xfrm>
+          <a:prstGeom prst="straightConnector1">
+            <a:avLst/>
+          </a:prstGeom>
+          <a:ln>
+            <a:tailEnd type="triangle"/>
+          </a:ln>
+        </p:spPr>
+        <p:style>
+          <a:lnRef idx="1">
+            <a:schemeClr val="accent1"/>
+          </a:lnRef>
+          <a:fillRef idx="0">
+            <a:schemeClr val="accent1"/>
+          </a:fillRef>
+          <a:effectRef idx="0">
+            <a:schemeClr val="accent1"/>
+          </a:effectRef>
+          <a:fontRef idx="minor">
+            <a:schemeClr val="tx1"/>
+          </a:fontRef>
+        </p:style>
+      </p:cxnSp>
+      <p:sp>
+        <p:nvSpPr>
+          <p:cNvPr id="50" name="标题 1">
+            <a:extLst>
+              <a:ext uri="{FF2B5EF4-FFF2-40B4-BE49-F238E27FC236}">
+                <a16:creationId xmlns:a16="http://schemas.microsoft.com/office/drawing/2014/main" id="{9F5DF600-E8F1-4933-80E2-FC9D7F7DEB06}"/>
+              </a:ext>
+            </a:extLst>
+          </p:cNvPr>
+          <p:cNvSpPr txBox="1">
+            <a:spLocks/>
+          </p:cNvSpPr>
+          <p:nvPr/>
+        </p:nvSpPr>
+        <p:spPr>
+          <a:xfrm>
+            <a:off x="7824884" y="1737601"/>
+            <a:ext cx="2672178" cy="470516"/>
+          </a:xfrm>
+          <a:prstGeom prst="rect">
+            <a:avLst/>
+          </a:prstGeom>
+        </p:spPr>
+        <p:txBody>
+          <a:bodyPr vert="horz" lIns="91440" tIns="45720" rIns="91440" bIns="45720" rtlCol="0" anchor="b">
+            <a:normAutofit fontScale="82500" lnSpcReduction="20000"/>
+          </a:bodyPr>
+          <a:lstStyle>
+            <a:lvl1pPr algn="ctr" defTabSz="914400" rtl="0" eaLnBrk="1" latinLnBrk="0" hangingPunct="1">
+              <a:lnSpc>
+                <a:spcPct val="90000"/>
+              </a:lnSpc>
+              <a:spcBef>
+                <a:spcPct val="0"/>
+              </a:spcBef>
+              <a:buNone/>
+              <a:defRPr sz="6000" kern="1200">
+                <a:solidFill>
+                  <a:schemeClr val="tx1"/>
+                </a:solidFill>
+                <a:latin typeface="+mj-lt"/>
+                <a:ea typeface="+mj-ea"/>
+                <a:cs typeface="+mj-cs"/>
+              </a:defRPr>
+            </a:lvl1pPr>
+          </a:lstStyle>
+          <a:p>
+            <a:r>
+              <a:rPr lang="zh-CN" altLang="en-US" sz="4000" dirty="0">
+                <a:solidFill>
+                  <a:srgbClr val="0070C0"/>
+                </a:solidFill>
+                <a:latin typeface="宋体" panose="02010600030101010101" pitchFamily="2" charset="-122"/>
+                <a:ea typeface="宋体" panose="02010600030101010101" pitchFamily="2" charset="-122"/>
+              </a:rPr>
+              <a:t>文字识别</a:t>
+            </a:r>
+          </a:p>
+        </p:txBody>
+      </p:sp>
+      <p:sp>
+        <p:nvSpPr>
+          <p:cNvPr id="51" name="标题 1">
+            <a:extLst>
+              <a:ext uri="{FF2B5EF4-FFF2-40B4-BE49-F238E27FC236}">
+                <a16:creationId xmlns:a16="http://schemas.microsoft.com/office/drawing/2014/main" id="{E5253A34-14AD-41A6-AEFF-6E0E7164F839}"/>
+              </a:ext>
+            </a:extLst>
+          </p:cNvPr>
+          <p:cNvSpPr txBox="1">
+            <a:spLocks/>
+          </p:cNvSpPr>
+          <p:nvPr/>
+        </p:nvSpPr>
+        <p:spPr>
+          <a:xfrm>
+            <a:off x="7539336" y="590724"/>
+            <a:ext cx="2672178" cy="470516"/>
+          </a:xfrm>
+          <a:prstGeom prst="rect">
+            <a:avLst/>
+          </a:prstGeom>
+        </p:spPr>
+        <p:txBody>
+          <a:bodyPr vert="horz" lIns="91440" tIns="45720" rIns="91440" bIns="45720" rtlCol="0" anchor="b">
+            <a:normAutofit fontScale="97500"/>
+          </a:bodyPr>
+          <a:lstStyle>
+            <a:lvl1pPr algn="ctr" defTabSz="914400" rtl="0" eaLnBrk="1" latinLnBrk="0" hangingPunct="1">
+              <a:lnSpc>
+                <a:spcPct val="90000"/>
+              </a:lnSpc>
+              <a:spcBef>
+                <a:spcPct val="0"/>
+              </a:spcBef>
+              <a:buNone/>
+              <a:defRPr sz="6000" kern="1200">
+                <a:solidFill>
+                  <a:schemeClr val="tx1"/>
+                </a:solidFill>
+                <a:latin typeface="+mj-lt"/>
+                <a:ea typeface="+mj-ea"/>
+                <a:cs typeface="+mj-cs"/>
+              </a:defRPr>
+            </a:lvl1pPr>
+          </a:lstStyle>
+          <a:p>
+            <a:r>
+              <a:rPr lang="zh-CN" altLang="en-US" sz="2800" dirty="0">
+                <a:solidFill>
+                  <a:srgbClr val="FF0000"/>
+                </a:solidFill>
+                <a:latin typeface="宋体" panose="02010600030101010101" pitchFamily="2" charset="-122"/>
+                <a:ea typeface="宋体" panose="02010600030101010101" pitchFamily="2" charset="-122"/>
+              </a:rPr>
+              <a:t>文字识别</a:t>
+            </a:r>
+          </a:p>
+        </p:txBody>
+      </p:sp>
+      <p:cxnSp>
+        <p:nvCxnSpPr>
+          <p:cNvPr id="53" name="直接箭头连接符 52">
+            <a:extLst>
+              <a:ext uri="{FF2B5EF4-FFF2-40B4-BE49-F238E27FC236}">
+                <a16:creationId xmlns:a16="http://schemas.microsoft.com/office/drawing/2014/main" id="{71BC6A78-D1FD-47C6-A94C-B18FBB4FC29A}"/>
+              </a:ext>
+            </a:extLst>
+          </p:cNvPr>
+          <p:cNvCxnSpPr>
+            <a:cxnSpLocks/>
+          </p:cNvCxnSpPr>
+          <p:nvPr/>
+        </p:nvCxnSpPr>
+        <p:spPr>
+          <a:xfrm>
+            <a:off x="6379891" y="705871"/>
+            <a:ext cx="1959176" cy="968532"/>
+          </a:xfrm>
+          <a:prstGeom prst="straightConnector1">
+            <a:avLst/>
+          </a:prstGeom>
+          <a:ln>
+            <a:tailEnd type="triangle"/>
+          </a:ln>
+        </p:spPr>
+        <p:style>
+          <a:lnRef idx="1">
+            <a:schemeClr val="accent1"/>
+          </a:lnRef>
+          <a:fillRef idx="0">
+            <a:schemeClr val="accent1"/>
+          </a:fillRef>
+          <a:effectRef idx="0">
+            <a:schemeClr val="accent1"/>
+          </a:effectRef>
+          <a:fontRef idx="minor">
+            <a:schemeClr val="tx1"/>
+          </a:fontRef>
+        </p:style>
+      </p:cxnSp>
+      <p:cxnSp>
+        <p:nvCxnSpPr>
+          <p:cNvPr id="54" name="直接箭头连接符 53">
+            <a:extLst>
+              <a:ext uri="{FF2B5EF4-FFF2-40B4-BE49-F238E27FC236}">
+                <a16:creationId xmlns:a16="http://schemas.microsoft.com/office/drawing/2014/main" id="{2AFF1A5F-9FC7-4386-8541-87458BEF87D7}"/>
+              </a:ext>
+            </a:extLst>
+          </p:cNvPr>
+          <p:cNvCxnSpPr>
+            <a:cxnSpLocks/>
+          </p:cNvCxnSpPr>
+          <p:nvPr/>
+        </p:nvCxnSpPr>
+        <p:spPr>
+          <a:xfrm>
+            <a:off x="8887605" y="2327112"/>
+            <a:ext cx="0" cy="2228846"/>
+          </a:xfrm>
+          <a:prstGeom prst="straightConnector1">
+            <a:avLst/>
+          </a:prstGeom>
+          <a:ln>
+            <a:tailEnd type="triangle"/>
+          </a:ln>
+        </p:spPr>
+        <p:style>
+          <a:lnRef idx="1">
+            <a:schemeClr val="accent1"/>
+          </a:lnRef>
+          <a:fillRef idx="0">
+            <a:schemeClr val="accent1"/>
+          </a:fillRef>
+          <a:effectRef idx="0">
+            <a:schemeClr val="accent1"/>
+          </a:effectRef>
+          <a:fontRef idx="minor">
+            <a:schemeClr val="tx1"/>
+          </a:fontRef>
+        </p:style>
+      </p:cxnSp>
+      <p:sp>
+        <p:nvSpPr>
+          <p:cNvPr id="56" name="标题 1">
+            <a:extLst>
+              <a:ext uri="{FF2B5EF4-FFF2-40B4-BE49-F238E27FC236}">
+                <a16:creationId xmlns:a16="http://schemas.microsoft.com/office/drawing/2014/main" id="{1E53E6A0-9CD8-40AA-AEF7-1CA7248A4699}"/>
+              </a:ext>
+            </a:extLst>
+          </p:cNvPr>
+          <p:cNvSpPr txBox="1">
+            <a:spLocks/>
+          </p:cNvSpPr>
+          <p:nvPr/>
+        </p:nvSpPr>
+        <p:spPr>
+          <a:xfrm>
+            <a:off x="6955041" y="2461323"/>
+            <a:ext cx="2672178" cy="470516"/>
+          </a:xfrm>
+          <a:prstGeom prst="rect">
+            <a:avLst/>
+          </a:prstGeom>
+        </p:spPr>
+        <p:txBody>
+          <a:bodyPr vert="horz" lIns="91440" tIns="45720" rIns="91440" bIns="45720" rtlCol="0" anchor="b">
+            <a:normAutofit fontScale="97500"/>
+          </a:bodyPr>
+          <a:lstStyle>
+            <a:lvl1pPr algn="ctr" defTabSz="914400" rtl="0" eaLnBrk="1" latinLnBrk="0" hangingPunct="1">
+              <a:lnSpc>
+                <a:spcPct val="90000"/>
+              </a:lnSpc>
+              <a:spcBef>
+                <a:spcPct val="0"/>
+              </a:spcBef>
+              <a:buNone/>
+              <a:defRPr sz="6000" kern="1200">
+                <a:solidFill>
+                  <a:schemeClr val="tx1"/>
+                </a:solidFill>
+                <a:latin typeface="+mj-lt"/>
+                <a:ea typeface="+mj-ea"/>
+                <a:cs typeface="+mj-cs"/>
+              </a:defRPr>
+            </a:lvl1pPr>
+          </a:lstStyle>
+          <a:p>
+            <a:r>
+              <a:rPr lang="zh-CN" altLang="en-US" sz="2400" dirty="0">
+                <a:solidFill>
+                  <a:srgbClr val="FF0000"/>
+                </a:solidFill>
+                <a:latin typeface="宋体" panose="02010600030101010101" pitchFamily="2" charset="-122"/>
+                <a:ea typeface="宋体" panose="02010600030101010101" pitchFamily="2" charset="-122"/>
+              </a:rPr>
+              <a:t>这是什么</a:t>
+            </a:r>
+          </a:p>
+        </p:txBody>
+      </p:sp>
+      <p:sp>
+        <p:nvSpPr>
+          <p:cNvPr id="57" name="标题 1">
+            <a:extLst>
+              <a:ext uri="{FF2B5EF4-FFF2-40B4-BE49-F238E27FC236}">
+                <a16:creationId xmlns:a16="http://schemas.microsoft.com/office/drawing/2014/main" id="{09EB86B4-1C86-409D-B23C-DE9037AF839F}"/>
+              </a:ext>
+            </a:extLst>
+          </p:cNvPr>
+          <p:cNvSpPr txBox="1">
+            <a:spLocks/>
+          </p:cNvSpPr>
+          <p:nvPr/>
+        </p:nvSpPr>
+        <p:spPr>
+          <a:xfrm>
+            <a:off x="7605895" y="4609162"/>
+            <a:ext cx="2672178" cy="470516"/>
+          </a:xfrm>
+          <a:prstGeom prst="rect">
+            <a:avLst/>
+          </a:prstGeom>
+        </p:spPr>
+        <p:txBody>
+          <a:bodyPr vert="horz" lIns="91440" tIns="45720" rIns="91440" bIns="45720" rtlCol="0" anchor="b">
+            <a:normAutofit fontScale="52500" lnSpcReduction="20000"/>
+          </a:bodyPr>
+          <a:lstStyle>
+            <a:lvl1pPr algn="ctr" defTabSz="914400" rtl="0" eaLnBrk="1" latinLnBrk="0" hangingPunct="1">
+              <a:lnSpc>
+                <a:spcPct val="90000"/>
+              </a:lnSpc>
+              <a:spcBef>
+                <a:spcPct val="0"/>
+              </a:spcBef>
+              <a:buNone/>
+              <a:defRPr sz="6000" kern="1200">
+                <a:solidFill>
+                  <a:schemeClr val="tx1"/>
+                </a:solidFill>
+                <a:latin typeface="+mj-lt"/>
+                <a:ea typeface="+mj-ea"/>
+                <a:cs typeface="+mj-cs"/>
+              </a:defRPr>
+            </a:lvl1pPr>
+          </a:lstStyle>
+          <a:p>
+            <a:r>
+              <a:rPr lang="zh-CN" altLang="en-US" sz="4000" dirty="0">
+                <a:latin typeface="宋体" panose="02010600030101010101" pitchFamily="2" charset="-122"/>
+                <a:ea typeface="宋体" panose="02010600030101010101" pitchFamily="2" charset="-122"/>
+              </a:rPr>
+              <a:t>摄像头拍照进行</a:t>
+            </a:r>
+            <a:r>
+              <a:rPr lang="en-US" altLang="zh-CN" sz="4000" dirty="0">
+                <a:latin typeface="宋体" panose="02010600030101010101" pitchFamily="2" charset="-122"/>
+                <a:ea typeface="宋体" panose="02010600030101010101" pitchFamily="2" charset="-122"/>
+              </a:rPr>
+              <a:t>OCR</a:t>
+            </a:r>
+            <a:endParaRPr lang="zh-CN" altLang="en-US" sz="4000" dirty="0">
+              <a:latin typeface="宋体" panose="02010600030101010101" pitchFamily="2" charset="-122"/>
+              <a:ea typeface="宋体" panose="02010600030101010101" pitchFamily="2" charset="-122"/>
+            </a:endParaRPr>
+          </a:p>
+        </p:txBody>
+      </p:sp>
+      <p:cxnSp>
+        <p:nvCxnSpPr>
+          <p:cNvPr id="58" name="直接箭头连接符 57">
+            <a:extLst>
+              <a:ext uri="{FF2B5EF4-FFF2-40B4-BE49-F238E27FC236}">
+                <a16:creationId xmlns:a16="http://schemas.microsoft.com/office/drawing/2014/main" id="{E337C84F-2726-49A6-B21B-FFC81573F79B}"/>
+              </a:ext>
+            </a:extLst>
+          </p:cNvPr>
+          <p:cNvCxnSpPr>
+            <a:cxnSpLocks/>
+          </p:cNvCxnSpPr>
+          <p:nvPr/>
+        </p:nvCxnSpPr>
+        <p:spPr>
+          <a:xfrm flipH="1">
+            <a:off x="4870122" y="5164915"/>
+            <a:ext cx="3180442" cy="800879"/>
           </a:xfrm>
           <a:prstGeom prst="straightConnector1">
             <a:avLst/>

--- a/交互模式.pptx
+++ b/交互模式.pptx
@@ -6,6 +6,7 @@
   </p:sldMasterIdLst>
   <p:sldIdLst>
     <p:sldId id="256" r:id="rId2"/>
+    <p:sldId id="257" r:id="rId3"/>
   </p:sldIdLst>
   <p:sldSz cx="12192000" cy="6858000"/>
   <p:notesSz cx="6858000" cy="9144000"/>
@@ -259,7 +260,7 @@
           <a:p>
             <a:fld id="{67BA9A5B-5832-4A94-ACB7-D62ADF7647B9}" type="datetimeFigureOut">
               <a:rPr lang="zh-CN" altLang="en-US" smtClean="0"/>
-              <a:t>2021/12/16</a:t>
+              <a:t>2021/12/20</a:t>
             </a:fld>
             <a:endParaRPr lang="zh-CN" altLang="en-US"/>
           </a:p>
@@ -457,7 +458,7 @@
           <a:p>
             <a:fld id="{67BA9A5B-5832-4A94-ACB7-D62ADF7647B9}" type="datetimeFigureOut">
               <a:rPr lang="zh-CN" altLang="en-US" smtClean="0"/>
-              <a:t>2021/12/16</a:t>
+              <a:t>2021/12/20</a:t>
             </a:fld>
             <a:endParaRPr lang="zh-CN" altLang="en-US"/>
           </a:p>
@@ -665,7 +666,7 @@
           <a:p>
             <a:fld id="{67BA9A5B-5832-4A94-ACB7-D62ADF7647B9}" type="datetimeFigureOut">
               <a:rPr lang="zh-CN" altLang="en-US" smtClean="0"/>
-              <a:t>2021/12/16</a:t>
+              <a:t>2021/12/20</a:t>
             </a:fld>
             <a:endParaRPr lang="zh-CN" altLang="en-US"/>
           </a:p>
@@ -863,7 +864,7 @@
           <a:p>
             <a:fld id="{67BA9A5B-5832-4A94-ACB7-D62ADF7647B9}" type="datetimeFigureOut">
               <a:rPr lang="zh-CN" altLang="en-US" smtClean="0"/>
-              <a:t>2021/12/16</a:t>
+              <a:t>2021/12/20</a:t>
             </a:fld>
             <a:endParaRPr lang="zh-CN" altLang="en-US"/>
           </a:p>
@@ -1138,7 +1139,7 @@
           <a:p>
             <a:fld id="{67BA9A5B-5832-4A94-ACB7-D62ADF7647B9}" type="datetimeFigureOut">
               <a:rPr lang="zh-CN" altLang="en-US" smtClean="0"/>
-              <a:t>2021/12/16</a:t>
+              <a:t>2021/12/20</a:t>
             </a:fld>
             <a:endParaRPr lang="zh-CN" altLang="en-US"/>
           </a:p>
@@ -1403,7 +1404,7 @@
           <a:p>
             <a:fld id="{67BA9A5B-5832-4A94-ACB7-D62ADF7647B9}" type="datetimeFigureOut">
               <a:rPr lang="zh-CN" altLang="en-US" smtClean="0"/>
-              <a:t>2021/12/16</a:t>
+              <a:t>2021/12/20</a:t>
             </a:fld>
             <a:endParaRPr lang="zh-CN" altLang="en-US"/>
           </a:p>
@@ -1815,7 +1816,7 @@
           <a:p>
             <a:fld id="{67BA9A5B-5832-4A94-ACB7-D62ADF7647B9}" type="datetimeFigureOut">
               <a:rPr lang="zh-CN" altLang="en-US" smtClean="0"/>
-              <a:t>2021/12/16</a:t>
+              <a:t>2021/12/20</a:t>
             </a:fld>
             <a:endParaRPr lang="zh-CN" altLang="en-US"/>
           </a:p>
@@ -1956,7 +1957,7 @@
           <a:p>
             <a:fld id="{67BA9A5B-5832-4A94-ACB7-D62ADF7647B9}" type="datetimeFigureOut">
               <a:rPr lang="zh-CN" altLang="en-US" smtClean="0"/>
-              <a:t>2021/12/16</a:t>
+              <a:t>2021/12/20</a:t>
             </a:fld>
             <a:endParaRPr lang="zh-CN" altLang="en-US"/>
           </a:p>
@@ -2069,7 +2070,7 @@
           <a:p>
             <a:fld id="{67BA9A5B-5832-4A94-ACB7-D62ADF7647B9}" type="datetimeFigureOut">
               <a:rPr lang="zh-CN" altLang="en-US" smtClean="0"/>
-              <a:t>2021/12/16</a:t>
+              <a:t>2021/12/20</a:t>
             </a:fld>
             <a:endParaRPr lang="zh-CN" altLang="en-US"/>
           </a:p>
@@ -2380,7 +2381,7 @@
           <a:p>
             <a:fld id="{67BA9A5B-5832-4A94-ACB7-D62ADF7647B9}" type="datetimeFigureOut">
               <a:rPr lang="zh-CN" altLang="en-US" smtClean="0"/>
-              <a:t>2021/12/16</a:t>
+              <a:t>2021/12/20</a:t>
             </a:fld>
             <a:endParaRPr lang="zh-CN" altLang="en-US"/>
           </a:p>
@@ -2668,7 +2669,7 @@
           <a:p>
             <a:fld id="{67BA9A5B-5832-4A94-ACB7-D62ADF7647B9}" type="datetimeFigureOut">
               <a:rPr lang="zh-CN" altLang="en-US" smtClean="0"/>
-              <a:t>2021/12/16</a:t>
+              <a:t>2021/12/20</a:t>
             </a:fld>
             <a:endParaRPr lang="zh-CN" altLang="en-US"/>
           </a:p>
@@ -2909,7 +2910,7 @@
           <a:p>
             <a:fld id="{67BA9A5B-5832-4A94-ACB7-D62ADF7647B9}" type="datetimeFigureOut">
               <a:rPr lang="zh-CN" altLang="en-US" smtClean="0"/>
-              <a:t>2021/12/16</a:t>
+              <a:t>2021/12/20</a:t>
             </a:fld>
             <a:endParaRPr lang="zh-CN" altLang="en-US"/>
           </a:p>
@@ -3344,7 +3345,7 @@
         </p:nvSpPr>
         <p:spPr>
           <a:xfrm>
-            <a:off x="3497801" y="542354"/>
+            <a:off x="2844369" y="311761"/>
             <a:ext cx="2672178" cy="470516"/>
           </a:xfrm>
         </p:spPr>
@@ -3383,7 +3384,7 @@
         </p:nvSpPr>
         <p:spPr>
           <a:xfrm>
-            <a:off x="756082" y="1810305"/>
+            <a:off x="93204" y="1988598"/>
             <a:ext cx="2672178" cy="470516"/>
           </a:xfrm>
           <a:prstGeom prst="rect">
@@ -3443,7 +3444,7 @@
         </p:nvSpPr>
         <p:spPr>
           <a:xfrm>
-            <a:off x="3330606" y="1817743"/>
+            <a:off x="3119273" y="1818825"/>
             <a:ext cx="2672178" cy="470516"/>
           </a:xfrm>
           <a:prstGeom prst="rect">
@@ -3503,7 +3504,7 @@
         </p:nvSpPr>
         <p:spPr>
           <a:xfrm>
-            <a:off x="5669481" y="1744689"/>
+            <a:off x="5177879" y="1753467"/>
             <a:ext cx="2672178" cy="470516"/>
           </a:xfrm>
           <a:prstGeom prst="rect">
@@ -3561,7 +3562,7 @@
         </p:nvCxnSpPr>
         <p:spPr>
           <a:xfrm flipH="1">
-            <a:off x="2317072" y="932155"/>
+            <a:off x="1748249" y="1012870"/>
             <a:ext cx="1376039" cy="710214"/>
           </a:xfrm>
           <a:prstGeom prst="straightConnector1">
@@ -3600,7 +3601,7 @@
         </p:nvCxnSpPr>
         <p:spPr>
           <a:xfrm>
-            <a:off x="4962617" y="1012870"/>
+            <a:off x="4660402" y="1011285"/>
             <a:ext cx="0" cy="629499"/>
           </a:xfrm>
           <a:prstGeom prst="straightConnector1">
@@ -3680,7 +3681,7 @@
         </p:nvSpPr>
         <p:spPr>
           <a:xfrm>
-            <a:off x="1124507" y="879781"/>
+            <a:off x="368407" y="866606"/>
             <a:ext cx="2672178" cy="470516"/>
           </a:xfrm>
           <a:prstGeom prst="rect">
@@ -3740,7 +3741,7 @@
         </p:nvSpPr>
         <p:spPr>
           <a:xfrm>
-            <a:off x="3253294" y="1061240"/>
+            <a:off x="2863871" y="900249"/>
             <a:ext cx="2672178" cy="470516"/>
           </a:xfrm>
           <a:prstGeom prst="rect">
@@ -3800,7 +3801,7 @@
         </p:nvSpPr>
         <p:spPr>
           <a:xfrm>
-            <a:off x="5422384" y="653922"/>
+            <a:off x="4933717" y="911554"/>
             <a:ext cx="2672178" cy="470516"/>
           </a:xfrm>
           <a:prstGeom prst="rect">
@@ -3880,7 +3881,7 @@
         </p:nvCxnSpPr>
         <p:spPr>
           <a:xfrm>
-            <a:off x="1873188" y="2280821"/>
+            <a:off x="1322773" y="2432406"/>
             <a:ext cx="0" cy="817486"/>
           </a:xfrm>
           <a:prstGeom prst="straightConnector1">
@@ -3981,7 +3982,7 @@
         </p:nvSpPr>
         <p:spPr>
           <a:xfrm>
-            <a:off x="658428" y="3249892"/>
+            <a:off x="237778" y="3258434"/>
             <a:ext cx="2672178" cy="470516"/>
           </a:xfrm>
           <a:prstGeom prst="rect">
@@ -4038,7 +4039,7 @@
         </p:nvCxnSpPr>
         <p:spPr>
           <a:xfrm>
-            <a:off x="4665582" y="2402041"/>
+            <a:off x="4418853" y="2428620"/>
             <a:ext cx="0" cy="817486"/>
           </a:xfrm>
           <a:prstGeom prst="straightConnector1">
@@ -4079,7 +4080,7 @@
         </p:nvSpPr>
         <p:spPr>
           <a:xfrm>
-            <a:off x="3633924" y="2512708"/>
+            <a:off x="3386012" y="2556238"/>
             <a:ext cx="2672178" cy="470516"/>
           </a:xfrm>
           <a:prstGeom prst="rect">
@@ -4244,7 +4245,7 @@
         </p:nvCxnSpPr>
         <p:spPr>
           <a:xfrm flipH="1">
-            <a:off x="4660402" y="3377731"/>
+            <a:off x="4413673" y="3404310"/>
             <a:ext cx="10360" cy="829541"/>
           </a:xfrm>
           <a:prstGeom prst="straightConnector1">
@@ -4285,7 +4286,7 @@
         </p:nvSpPr>
         <p:spPr>
           <a:xfrm>
-            <a:off x="3387939" y="4264528"/>
+            <a:off x="2800376" y="4343749"/>
             <a:ext cx="2672178" cy="470516"/>
           </a:xfrm>
           <a:prstGeom prst="rect">
@@ -4342,7 +4343,7 @@
         </p:nvSpPr>
         <p:spPr>
           <a:xfrm>
-            <a:off x="658428" y="4179167"/>
+            <a:off x="494593" y="4204643"/>
             <a:ext cx="2672178" cy="470516"/>
           </a:xfrm>
           <a:prstGeom prst="rect">
@@ -4402,7 +4403,7 @@
         </p:nvSpPr>
         <p:spPr>
           <a:xfrm>
-            <a:off x="1690826" y="4158679"/>
+            <a:off x="1481107" y="4141540"/>
             <a:ext cx="2672178" cy="470516"/>
           </a:xfrm>
           <a:prstGeom prst="rect">
@@ -4501,7 +4502,7 @@
         </p:nvCxnSpPr>
         <p:spPr>
           <a:xfrm>
-            <a:off x="2601526" y="3734955"/>
+            <a:off x="2362177" y="3735017"/>
             <a:ext cx="270768" cy="254428"/>
           </a:xfrm>
           <a:prstGeom prst="straightConnector1">
@@ -4543,7 +4544,7 @@
         </p:nvCxnSpPr>
         <p:spPr>
           <a:xfrm flipH="1">
-            <a:off x="6306102" y="2215205"/>
+            <a:off x="5814500" y="2223983"/>
             <a:ext cx="699468" cy="791153"/>
           </a:xfrm>
           <a:prstGeom prst="straightConnector1">
@@ -4999,7 +5000,7 @@
         </p:nvCxnSpPr>
         <p:spPr>
           <a:xfrm flipH="1">
-            <a:off x="1987488" y="3720408"/>
+            <a:off x="1566838" y="3728950"/>
             <a:ext cx="7029" cy="406895"/>
           </a:xfrm>
           <a:prstGeom prst="straightConnector1">
@@ -5083,7 +5084,7 @@
         </p:nvCxnSpPr>
         <p:spPr>
           <a:xfrm rot="5400000" flipH="1" flipV="1">
-            <a:off x="4564110" y="4153234"/>
+            <a:off x="4180274" y="4141141"/>
             <a:ext cx="920897" cy="578162"/>
           </a:xfrm>
           <a:prstGeom prst="curvedConnector3">
@@ -5167,8 +5168,8 @@
         </p:nvCxnSpPr>
         <p:spPr>
           <a:xfrm>
-            <a:off x="4363005" y="4856883"/>
-            <a:ext cx="43998" cy="817459"/>
+            <a:off x="4029072" y="4854219"/>
+            <a:ext cx="377931" cy="820123"/>
           </a:xfrm>
           <a:prstGeom prst="straightConnector1">
             <a:avLst/>
@@ -5268,7 +5269,7 @@
         </p:nvCxnSpPr>
         <p:spPr>
           <a:xfrm flipV="1">
-            <a:off x="3888717" y="1169196"/>
+            <a:off x="3417186" y="1071581"/>
             <a:ext cx="11169" cy="4627564"/>
           </a:xfrm>
           <a:prstGeom prst="straightConnector1">
@@ -5309,7 +5310,7 @@
         </p:nvSpPr>
         <p:spPr>
           <a:xfrm>
-            <a:off x="7824884" y="1737601"/>
+            <a:off x="7292788" y="1727607"/>
             <a:ext cx="2672178" cy="470516"/>
           </a:xfrm>
           <a:prstGeom prst="rect">
@@ -5369,7 +5370,7 @@
         </p:nvSpPr>
         <p:spPr>
           <a:xfrm>
-            <a:off x="7539336" y="590724"/>
+            <a:off x="6532825" y="626527"/>
             <a:ext cx="2672178" cy="470516"/>
           </a:xfrm>
           <a:prstGeom prst="rect">
@@ -5664,10 +5665,528 @@
           </a:fontRef>
         </p:style>
       </p:cxnSp>
+      <p:sp>
+        <p:nvSpPr>
+          <p:cNvPr id="47" name="标题 1">
+            <a:extLst>
+              <a:ext uri="{FF2B5EF4-FFF2-40B4-BE49-F238E27FC236}">
+                <a16:creationId xmlns:a16="http://schemas.microsoft.com/office/drawing/2014/main" id="{F0061A2D-8AFB-4D7B-86B7-67B0799E58D3}"/>
+              </a:ext>
+            </a:extLst>
+          </p:cNvPr>
+          <p:cNvSpPr txBox="1">
+            <a:spLocks/>
+          </p:cNvSpPr>
+          <p:nvPr/>
+        </p:nvSpPr>
+        <p:spPr>
+          <a:xfrm>
+            <a:off x="9412896" y="1770226"/>
+            <a:ext cx="2672178" cy="470516"/>
+          </a:xfrm>
+          <a:prstGeom prst="rect">
+            <a:avLst/>
+          </a:prstGeom>
+        </p:spPr>
+        <p:txBody>
+          <a:bodyPr vert="horz" lIns="91440" tIns="45720" rIns="91440" bIns="45720" rtlCol="0" anchor="b">
+            <a:normAutofit fontScale="82500" lnSpcReduction="20000"/>
+          </a:bodyPr>
+          <a:lstStyle>
+            <a:lvl1pPr algn="ctr" defTabSz="914400" rtl="0" eaLnBrk="1" latinLnBrk="0" hangingPunct="1">
+              <a:lnSpc>
+                <a:spcPct val="90000"/>
+              </a:lnSpc>
+              <a:spcBef>
+                <a:spcPct val="0"/>
+              </a:spcBef>
+              <a:buNone/>
+              <a:defRPr sz="6000" kern="1200">
+                <a:solidFill>
+                  <a:schemeClr val="tx1"/>
+                </a:solidFill>
+                <a:latin typeface="+mj-lt"/>
+                <a:ea typeface="+mj-ea"/>
+                <a:cs typeface="+mj-cs"/>
+              </a:defRPr>
+            </a:lvl1pPr>
+          </a:lstStyle>
+          <a:p>
+            <a:r>
+              <a:rPr lang="zh-CN" altLang="en-US" sz="4000" dirty="0">
+                <a:solidFill>
+                  <a:srgbClr val="0070C0"/>
+                </a:solidFill>
+                <a:latin typeface="宋体" panose="02010600030101010101" pitchFamily="2" charset="-122"/>
+                <a:ea typeface="宋体" panose="02010600030101010101" pitchFamily="2" charset="-122"/>
+              </a:rPr>
+              <a:t>物体识别</a:t>
+            </a:r>
+          </a:p>
+        </p:txBody>
+      </p:sp>
+      <p:sp>
+        <p:nvSpPr>
+          <p:cNvPr id="59" name="标题 1">
+            <a:extLst>
+              <a:ext uri="{FF2B5EF4-FFF2-40B4-BE49-F238E27FC236}">
+                <a16:creationId xmlns:a16="http://schemas.microsoft.com/office/drawing/2014/main" id="{1366A329-4872-4F53-A490-5F1AF9215807}"/>
+              </a:ext>
+            </a:extLst>
+          </p:cNvPr>
+          <p:cNvSpPr txBox="1">
+            <a:spLocks/>
+          </p:cNvSpPr>
+          <p:nvPr/>
+        </p:nvSpPr>
+        <p:spPr>
+          <a:xfrm>
+            <a:off x="8536805" y="553975"/>
+            <a:ext cx="2672178" cy="470516"/>
+          </a:xfrm>
+          <a:prstGeom prst="rect">
+            <a:avLst/>
+          </a:prstGeom>
+        </p:spPr>
+        <p:txBody>
+          <a:bodyPr vert="horz" lIns="91440" tIns="45720" rIns="91440" bIns="45720" rtlCol="0" anchor="b">
+            <a:normAutofit fontScale="97500"/>
+          </a:bodyPr>
+          <a:lstStyle>
+            <a:lvl1pPr algn="ctr" defTabSz="914400" rtl="0" eaLnBrk="1" latinLnBrk="0" hangingPunct="1">
+              <a:lnSpc>
+                <a:spcPct val="90000"/>
+              </a:lnSpc>
+              <a:spcBef>
+                <a:spcPct val="0"/>
+              </a:spcBef>
+              <a:buNone/>
+              <a:defRPr sz="6000" kern="1200">
+                <a:solidFill>
+                  <a:schemeClr val="tx1"/>
+                </a:solidFill>
+                <a:latin typeface="+mj-lt"/>
+                <a:ea typeface="+mj-ea"/>
+                <a:cs typeface="+mj-cs"/>
+              </a:defRPr>
+            </a:lvl1pPr>
+          </a:lstStyle>
+          <a:p>
+            <a:r>
+              <a:rPr lang="zh-CN" altLang="en-US" sz="2800" dirty="0">
+                <a:solidFill>
+                  <a:srgbClr val="FF0000"/>
+                </a:solidFill>
+                <a:latin typeface="宋体" panose="02010600030101010101" pitchFamily="2" charset="-122"/>
+                <a:ea typeface="宋体" panose="02010600030101010101" pitchFamily="2" charset="-122"/>
+              </a:rPr>
+              <a:t>物体识别</a:t>
+            </a:r>
+          </a:p>
+        </p:txBody>
+      </p:sp>
+      <p:cxnSp>
+        <p:nvCxnSpPr>
+          <p:cNvPr id="60" name="直接箭头连接符 59">
+            <a:extLst>
+              <a:ext uri="{FF2B5EF4-FFF2-40B4-BE49-F238E27FC236}">
+                <a16:creationId xmlns:a16="http://schemas.microsoft.com/office/drawing/2014/main" id="{9CAD7EFE-1070-405B-9688-F1A25F8BD1FE}"/>
+              </a:ext>
+            </a:extLst>
+          </p:cNvPr>
+          <p:cNvCxnSpPr>
+            <a:cxnSpLocks/>
+          </p:cNvCxnSpPr>
+          <p:nvPr/>
+        </p:nvCxnSpPr>
+        <p:spPr>
+          <a:xfrm>
+            <a:off x="8383871" y="633319"/>
+            <a:ext cx="1959176" cy="968532"/>
+          </a:xfrm>
+          <a:prstGeom prst="straightConnector1">
+            <a:avLst/>
+          </a:prstGeom>
+          <a:ln>
+            <a:tailEnd type="triangle"/>
+          </a:ln>
+        </p:spPr>
+        <p:style>
+          <a:lnRef idx="1">
+            <a:schemeClr val="accent1"/>
+          </a:lnRef>
+          <a:fillRef idx="0">
+            <a:schemeClr val="accent1"/>
+          </a:fillRef>
+          <a:effectRef idx="0">
+            <a:schemeClr val="accent1"/>
+          </a:effectRef>
+          <a:fontRef idx="minor">
+            <a:schemeClr val="tx1"/>
+          </a:fontRef>
+        </p:style>
+      </p:cxnSp>
+      <p:cxnSp>
+        <p:nvCxnSpPr>
+          <p:cNvPr id="62" name="直接箭头连接符 61">
+            <a:extLst>
+              <a:ext uri="{FF2B5EF4-FFF2-40B4-BE49-F238E27FC236}">
+                <a16:creationId xmlns:a16="http://schemas.microsoft.com/office/drawing/2014/main" id="{DFCBA879-131E-4191-BA39-7AB499EE941E}"/>
+              </a:ext>
+            </a:extLst>
+          </p:cNvPr>
+          <p:cNvCxnSpPr>
+            <a:cxnSpLocks/>
+          </p:cNvCxnSpPr>
+          <p:nvPr/>
+        </p:nvCxnSpPr>
+        <p:spPr>
+          <a:xfrm>
+            <a:off x="10800506" y="2613755"/>
+            <a:ext cx="0" cy="2228846"/>
+          </a:xfrm>
+          <a:prstGeom prst="straightConnector1">
+            <a:avLst/>
+          </a:prstGeom>
+          <a:ln>
+            <a:tailEnd type="triangle"/>
+          </a:ln>
+        </p:spPr>
+        <p:style>
+          <a:lnRef idx="1">
+            <a:schemeClr val="accent1"/>
+          </a:lnRef>
+          <a:fillRef idx="0">
+            <a:schemeClr val="accent1"/>
+          </a:fillRef>
+          <a:effectRef idx="0">
+            <a:schemeClr val="accent1"/>
+          </a:effectRef>
+          <a:fontRef idx="minor">
+            <a:schemeClr val="tx1"/>
+          </a:fontRef>
+        </p:style>
+      </p:cxnSp>
+      <p:sp>
+        <p:nvSpPr>
+          <p:cNvPr id="63" name="标题 1">
+            <a:extLst>
+              <a:ext uri="{FF2B5EF4-FFF2-40B4-BE49-F238E27FC236}">
+                <a16:creationId xmlns:a16="http://schemas.microsoft.com/office/drawing/2014/main" id="{3E3AF43C-8321-4D80-8AEE-853D03E2ABA8}"/>
+              </a:ext>
+            </a:extLst>
+          </p:cNvPr>
+          <p:cNvSpPr txBox="1">
+            <a:spLocks/>
+          </p:cNvSpPr>
+          <p:nvPr/>
+        </p:nvSpPr>
+        <p:spPr>
+          <a:xfrm>
+            <a:off x="8867942" y="2747966"/>
+            <a:ext cx="2672178" cy="470516"/>
+          </a:xfrm>
+          <a:prstGeom prst="rect">
+            <a:avLst/>
+          </a:prstGeom>
+        </p:spPr>
+        <p:txBody>
+          <a:bodyPr vert="horz" lIns="91440" tIns="45720" rIns="91440" bIns="45720" rtlCol="0" anchor="b">
+            <a:normAutofit fontScale="97500"/>
+          </a:bodyPr>
+          <a:lstStyle>
+            <a:lvl1pPr algn="ctr" defTabSz="914400" rtl="0" eaLnBrk="1" latinLnBrk="0" hangingPunct="1">
+              <a:lnSpc>
+                <a:spcPct val="90000"/>
+              </a:lnSpc>
+              <a:spcBef>
+                <a:spcPct val="0"/>
+              </a:spcBef>
+              <a:buNone/>
+              <a:defRPr sz="6000" kern="1200">
+                <a:solidFill>
+                  <a:schemeClr val="tx1"/>
+                </a:solidFill>
+                <a:latin typeface="+mj-lt"/>
+                <a:ea typeface="+mj-ea"/>
+                <a:cs typeface="+mj-cs"/>
+              </a:defRPr>
+            </a:lvl1pPr>
+          </a:lstStyle>
+          <a:p>
+            <a:r>
+              <a:rPr lang="zh-CN" altLang="en-US" sz="2400" dirty="0">
+                <a:solidFill>
+                  <a:srgbClr val="FF0000"/>
+                </a:solidFill>
+                <a:latin typeface="宋体" panose="02010600030101010101" pitchFamily="2" charset="-122"/>
+                <a:ea typeface="宋体" panose="02010600030101010101" pitchFamily="2" charset="-122"/>
+              </a:rPr>
+              <a:t>这是什么</a:t>
+            </a:r>
+          </a:p>
+        </p:txBody>
+      </p:sp>
+      <p:sp>
+        <p:nvSpPr>
+          <p:cNvPr id="64" name="标题 1">
+            <a:extLst>
+              <a:ext uri="{FF2B5EF4-FFF2-40B4-BE49-F238E27FC236}">
+                <a16:creationId xmlns:a16="http://schemas.microsoft.com/office/drawing/2014/main" id="{12F35267-0135-4993-B923-2220E6178207}"/>
+              </a:ext>
+            </a:extLst>
+          </p:cNvPr>
+          <p:cNvSpPr txBox="1">
+            <a:spLocks/>
+          </p:cNvSpPr>
+          <p:nvPr/>
+        </p:nvSpPr>
+        <p:spPr>
+          <a:xfrm>
+            <a:off x="8294475" y="4854219"/>
+            <a:ext cx="4097144" cy="691162"/>
+          </a:xfrm>
+          <a:prstGeom prst="rect">
+            <a:avLst/>
+          </a:prstGeom>
+        </p:spPr>
+        <p:txBody>
+          <a:bodyPr vert="horz" lIns="91440" tIns="45720" rIns="91440" bIns="45720" rtlCol="0" anchor="b">
+            <a:normAutofit fontScale="67500" lnSpcReduction="20000"/>
+          </a:bodyPr>
+          <a:lstStyle>
+            <a:lvl1pPr algn="ctr" defTabSz="914400" rtl="0" eaLnBrk="1" latinLnBrk="0" hangingPunct="1">
+              <a:lnSpc>
+                <a:spcPct val="90000"/>
+              </a:lnSpc>
+              <a:spcBef>
+                <a:spcPct val="0"/>
+              </a:spcBef>
+              <a:buNone/>
+              <a:defRPr sz="6000" kern="1200">
+                <a:solidFill>
+                  <a:schemeClr val="tx1"/>
+                </a:solidFill>
+                <a:latin typeface="+mj-lt"/>
+                <a:ea typeface="+mj-ea"/>
+                <a:cs typeface="+mj-cs"/>
+              </a:defRPr>
+            </a:lvl1pPr>
+          </a:lstStyle>
+          <a:p>
+            <a:r>
+              <a:rPr lang="zh-CN" altLang="en-US" sz="4000" dirty="0">
+                <a:latin typeface="宋体" panose="02010600030101010101" pitchFamily="2" charset="-122"/>
+                <a:ea typeface="宋体" panose="02010600030101010101" pitchFamily="2" charset="-122"/>
+              </a:rPr>
+              <a:t>摄像头拍照进行物体识别</a:t>
+            </a:r>
+          </a:p>
+        </p:txBody>
+      </p:sp>
+      <p:cxnSp>
+        <p:nvCxnSpPr>
+          <p:cNvPr id="66" name="直接箭头连接符 65">
+            <a:extLst>
+              <a:ext uri="{FF2B5EF4-FFF2-40B4-BE49-F238E27FC236}">
+                <a16:creationId xmlns:a16="http://schemas.microsoft.com/office/drawing/2014/main" id="{6869DD69-BA3B-46B8-94D3-B29E6971C478}"/>
+              </a:ext>
+            </a:extLst>
+          </p:cNvPr>
+          <p:cNvCxnSpPr>
+            <a:cxnSpLocks/>
+          </p:cNvCxnSpPr>
+          <p:nvPr/>
+        </p:nvCxnSpPr>
+        <p:spPr>
+          <a:xfrm flipH="1">
+            <a:off x="5022522" y="5607360"/>
+            <a:ext cx="4273475" cy="510834"/>
+          </a:xfrm>
+          <a:prstGeom prst="straightConnector1">
+            <a:avLst/>
+          </a:prstGeom>
+          <a:ln>
+            <a:tailEnd type="triangle"/>
+          </a:ln>
+        </p:spPr>
+        <p:style>
+          <a:lnRef idx="1">
+            <a:schemeClr val="accent1"/>
+          </a:lnRef>
+          <a:fillRef idx="0">
+            <a:schemeClr val="accent1"/>
+          </a:fillRef>
+          <a:effectRef idx="0">
+            <a:schemeClr val="accent1"/>
+          </a:effectRef>
+          <a:fontRef idx="minor">
+            <a:schemeClr val="tx1"/>
+          </a:fontRef>
+        </p:style>
+      </p:cxnSp>
     </p:spTree>
     <p:extLst>
       <p:ext uri="{BB962C8B-B14F-4D97-AF65-F5344CB8AC3E}">
         <p14:creationId xmlns:p14="http://schemas.microsoft.com/office/powerpoint/2010/main" val="3320735569"/>
+      </p:ext>
+    </p:extLst>
+  </p:cSld>
+  <p:clrMapOvr>
+    <a:masterClrMapping/>
+  </p:clrMapOvr>
+</p:sld>
+</file>
+
+<file path=ppt/slides/slide2.xml><?xml version="1.0" encoding="utf-8"?>
+<p:sld xmlns:a="http://schemas.openxmlformats.org/drawingml/2006/main" xmlns:r="http://schemas.openxmlformats.org/officeDocument/2006/relationships" xmlns:p="http://schemas.openxmlformats.org/presentationml/2006/main">
+  <p:cSld>
+    <p:spTree>
+      <p:nvGrpSpPr>
+        <p:cNvPr id="1" name=""/>
+        <p:cNvGrpSpPr/>
+        <p:nvPr/>
+      </p:nvGrpSpPr>
+      <p:grpSpPr>
+        <a:xfrm>
+          <a:off x="0" y="0"/>
+          <a:ext cx="0" cy="0"/>
+          <a:chOff x="0" y="0"/>
+          <a:chExt cx="0" cy="0"/>
+        </a:xfrm>
+      </p:grpSpPr>
+      <p:sp>
+        <p:nvSpPr>
+          <p:cNvPr id="2" name="标题 1">
+            <a:extLst>
+              <a:ext uri="{FF2B5EF4-FFF2-40B4-BE49-F238E27FC236}">
+                <a16:creationId xmlns:a16="http://schemas.microsoft.com/office/drawing/2014/main" id="{D24EDEC0-C03E-422D-8B1E-533390A2B0A8}"/>
+              </a:ext>
+            </a:extLst>
+          </p:cNvPr>
+          <p:cNvSpPr>
+            <a:spLocks noGrp="1"/>
+          </p:cNvSpPr>
+          <p:nvPr>
+            <p:ph type="title"/>
+          </p:nvPr>
+        </p:nvSpPr>
+        <p:spPr/>
+        <p:txBody>
+          <a:bodyPr/>
+          <a:lstStyle/>
+          <a:p>
+            <a:r>
+              <a:rPr lang="zh-CN" altLang="en-US" dirty="0"/>
+              <a:t>幼儿早教机器人</a:t>
+            </a:r>
+          </a:p>
+        </p:txBody>
+      </p:sp>
+      <p:sp>
+        <p:nvSpPr>
+          <p:cNvPr id="3" name="内容占位符 2">
+            <a:extLst>
+              <a:ext uri="{FF2B5EF4-FFF2-40B4-BE49-F238E27FC236}">
+                <a16:creationId xmlns:a16="http://schemas.microsoft.com/office/drawing/2014/main" id="{FCA3E3AA-A5F9-448F-9C5D-ED6E53C5F4D4}"/>
+              </a:ext>
+            </a:extLst>
+          </p:cNvPr>
+          <p:cNvSpPr>
+            <a:spLocks noGrp="1"/>
+          </p:cNvSpPr>
+          <p:nvPr>
+            <p:ph idx="1"/>
+          </p:nvPr>
+        </p:nvSpPr>
+        <p:spPr/>
+        <p:txBody>
+          <a:bodyPr/>
+          <a:lstStyle/>
+          <a:p>
+            <a:pPr>
+              <a:buFontTx/>
+              <a:buChar char="-"/>
+            </a:pPr>
+            <a:r>
+              <a:rPr lang="zh-CN" altLang="en-US" dirty="0"/>
+              <a:t>文字识别：识字认字、读儿歌、故事</a:t>
+            </a:r>
+            <a:endParaRPr lang="en-US" altLang="zh-CN" dirty="0"/>
+          </a:p>
+          <a:p>
+            <a:pPr>
+              <a:buFontTx/>
+              <a:buChar char="-"/>
+            </a:pPr>
+            <a:r>
+              <a:rPr lang="zh-CN" altLang="en-US" dirty="0"/>
+              <a:t>物体识别：认识动物或其他常见物体</a:t>
+            </a:r>
+            <a:endParaRPr lang="en-US" altLang="zh-CN" dirty="0"/>
+          </a:p>
+          <a:p>
+            <a:pPr>
+              <a:buFontTx/>
+              <a:buChar char="-"/>
+            </a:pPr>
+            <a:r>
+              <a:rPr lang="zh-CN" altLang="en-US" dirty="0"/>
+              <a:t>翻译：中译英、英译中，学习英语</a:t>
+            </a:r>
+            <a:r>
+              <a:rPr lang="en-US" altLang="zh-CN" dirty="0"/>
+              <a:t>/</a:t>
+            </a:r>
+            <a:r>
+              <a:rPr lang="zh-CN" altLang="en-US" dirty="0"/>
+              <a:t>联系口语</a:t>
+            </a:r>
+            <a:endParaRPr lang="en-US" altLang="zh-CN" dirty="0"/>
+          </a:p>
+          <a:p>
+            <a:pPr>
+              <a:buFontTx/>
+              <a:buChar char="-"/>
+            </a:pPr>
+            <a:r>
+              <a:rPr lang="zh-CN" altLang="en-US" dirty="0"/>
+              <a:t>点歌：学累了可以听歌</a:t>
+            </a:r>
+            <a:endParaRPr lang="en-US" altLang="zh-CN" dirty="0"/>
+          </a:p>
+          <a:p>
+            <a:pPr>
+              <a:buFontTx/>
+              <a:buChar char="-"/>
+            </a:pPr>
+            <a:r>
+              <a:rPr lang="zh-CN" altLang="en-US" dirty="0"/>
+              <a:t>发微信消息：联系父母，不需要智能手机</a:t>
+            </a:r>
+            <a:r>
+              <a:rPr lang="en-US" altLang="zh-CN" dirty="0"/>
+              <a:t>/</a:t>
+            </a:r>
+            <a:r>
+              <a:rPr lang="zh-CN" altLang="en-US" dirty="0"/>
+              <a:t>手表</a:t>
+            </a:r>
+            <a:endParaRPr lang="en-US" altLang="zh-CN" dirty="0"/>
+          </a:p>
+          <a:p>
+            <a:pPr>
+              <a:buFontTx/>
+              <a:buChar char="-"/>
+            </a:pPr>
+            <a:endParaRPr lang="zh-CN" altLang="en-US" dirty="0"/>
+          </a:p>
+        </p:txBody>
+      </p:sp>
+    </p:spTree>
+    <p:extLst>
+      <p:ext uri="{BB962C8B-B14F-4D97-AF65-F5344CB8AC3E}">
+        <p14:creationId xmlns:p14="http://schemas.microsoft.com/office/powerpoint/2010/main" val="1834388034"/>
       </p:ext>
     </p:extLst>
   </p:cSld>

--- a/交互模式.pptx
+++ b/交互模式.pptx
@@ -5,8 +5,8 @@
     <p:sldMasterId id="2147483648" r:id="rId1"/>
   </p:sldMasterIdLst>
   <p:sldIdLst>
-    <p:sldId id="256" r:id="rId2"/>
-    <p:sldId id="257" r:id="rId3"/>
+    <p:sldId id="257" r:id="rId2"/>
+    <p:sldId id="256" r:id="rId3"/>
   </p:sldIdLst>
   <p:sldSz cx="12192000" cy="6858000"/>
   <p:notesSz cx="6858000" cy="9144000"/>
@@ -3332,7 +3332,7 @@
           <p:cNvPr id="2" name="标题 1">
             <a:extLst>
               <a:ext uri="{FF2B5EF4-FFF2-40B4-BE49-F238E27FC236}">
-                <a16:creationId xmlns:a16="http://schemas.microsoft.com/office/drawing/2014/main" id="{6B4C7D27-1223-4AD0-B30D-E35A22F92FBD}"/>
+                <a16:creationId xmlns:a16="http://schemas.microsoft.com/office/drawing/2014/main" id="{D24EDEC0-C03E-422D-8B1E-533390A2B0A8}"/>
               </a:ext>
             </a:extLst>
           </p:cNvPr>
@@ -3340,2695 +3340,141 @@
             <a:spLocks noGrp="1"/>
           </p:cNvSpPr>
           <p:nvPr>
-            <p:ph type="ctrTitle"/>
+            <p:ph type="title"/>
           </p:nvPr>
         </p:nvSpPr>
+        <p:spPr/>
+        <p:txBody>
+          <a:bodyPr/>
+          <a:lstStyle/>
+          <a:p>
+            <a:r>
+              <a:rPr lang="zh-CN" altLang="en-US" dirty="0"/>
+              <a:t>儿童早教机器人</a:t>
+            </a:r>
+          </a:p>
+        </p:txBody>
+      </p:sp>
+      <p:sp>
+        <p:nvSpPr>
+          <p:cNvPr id="3" name="内容占位符 2">
+            <a:extLst>
+              <a:ext uri="{FF2B5EF4-FFF2-40B4-BE49-F238E27FC236}">
+                <a16:creationId xmlns:a16="http://schemas.microsoft.com/office/drawing/2014/main" id="{FCA3E3AA-A5F9-448F-9C5D-ED6E53C5F4D4}"/>
+              </a:ext>
+            </a:extLst>
+          </p:cNvPr>
+          <p:cNvSpPr>
+            <a:spLocks noGrp="1"/>
+          </p:cNvSpPr>
+          <p:nvPr>
+            <p:ph idx="1"/>
+          </p:nvPr>
+        </p:nvSpPr>
         <p:spPr>
           <a:xfrm>
-            <a:off x="2844369" y="311761"/>
-            <a:ext cx="2672178" cy="470516"/>
-          </a:xfrm>
-        </p:spPr>
-        <p:txBody>
-          <a:bodyPr>
-            <a:normAutofit fontScale="90000"/>
-          </a:bodyPr>
+            <a:off x="838200" y="1825625"/>
+            <a:ext cx="9113668" cy="3252402"/>
+          </a:xfrm>
+        </p:spPr>
+        <p:txBody>
+          <a:bodyPr/>
           <a:lstStyle/>
           <a:p>
-            <a:r>
-              <a:rPr lang="zh-CN" altLang="en-US" sz="4000" dirty="0">
-                <a:solidFill>
-                  <a:srgbClr val="0070C0"/>
-                </a:solidFill>
-                <a:latin typeface="宋体" panose="02010600030101010101" pitchFamily="2" charset="-122"/>
-                <a:ea typeface="宋体" panose="02010600030101010101" pitchFamily="2" charset="-122"/>
-              </a:rPr>
-              <a:t>交互模式</a:t>
-            </a:r>
-          </a:p>
-        </p:txBody>
-      </p:sp>
-      <p:sp>
-        <p:nvSpPr>
-          <p:cNvPr id="4" name="标题 1">
-            <a:extLst>
-              <a:ext uri="{FF2B5EF4-FFF2-40B4-BE49-F238E27FC236}">
-                <a16:creationId xmlns:a16="http://schemas.microsoft.com/office/drawing/2014/main" id="{4D68A7E0-3A12-4BF6-B270-8E07FC8145C8}"/>
-              </a:ext>
-            </a:extLst>
-          </p:cNvPr>
-          <p:cNvSpPr txBox="1">
-            <a:spLocks/>
-          </p:cNvSpPr>
-          <p:nvPr/>
-        </p:nvSpPr>
-        <p:spPr>
-          <a:xfrm>
-            <a:off x="93204" y="1988598"/>
-            <a:ext cx="2672178" cy="470516"/>
-          </a:xfrm>
-          <a:prstGeom prst="rect">
-            <a:avLst/>
-          </a:prstGeom>
-        </p:spPr>
-        <p:txBody>
-          <a:bodyPr vert="horz" lIns="91440" tIns="45720" rIns="91440" bIns="45720" rtlCol="0" anchor="b">
-            <a:normAutofit fontScale="82500" lnSpcReduction="20000"/>
-          </a:bodyPr>
-          <a:lstStyle>
-            <a:lvl1pPr algn="ctr" defTabSz="914400" rtl="0" eaLnBrk="1" latinLnBrk="0" hangingPunct="1">
-              <a:lnSpc>
-                <a:spcPct val="90000"/>
-              </a:lnSpc>
-              <a:spcBef>
-                <a:spcPct val="0"/>
-              </a:spcBef>
-              <a:buNone/>
-              <a:defRPr sz="6000" kern="1200">
-                <a:solidFill>
-                  <a:schemeClr val="tx1"/>
-                </a:solidFill>
-                <a:latin typeface="+mj-lt"/>
-                <a:ea typeface="+mj-ea"/>
-                <a:cs typeface="+mj-cs"/>
-              </a:defRPr>
-            </a:lvl1pPr>
-          </a:lstStyle>
-          <a:p>
-            <a:r>
-              <a:rPr lang="zh-CN" altLang="en-US" sz="4000" dirty="0">
-                <a:solidFill>
-                  <a:srgbClr val="0070C0"/>
-                </a:solidFill>
-                <a:latin typeface="宋体" panose="02010600030101010101" pitchFamily="2" charset="-122"/>
-                <a:ea typeface="宋体" panose="02010600030101010101" pitchFamily="2" charset="-122"/>
-              </a:rPr>
-              <a:t>音乐模式</a:t>
-            </a:r>
-          </a:p>
-        </p:txBody>
-      </p:sp>
-      <p:sp>
-        <p:nvSpPr>
-          <p:cNvPr id="5" name="标题 1">
-            <a:extLst>
-              <a:ext uri="{FF2B5EF4-FFF2-40B4-BE49-F238E27FC236}">
-                <a16:creationId xmlns:a16="http://schemas.microsoft.com/office/drawing/2014/main" id="{0758AFC0-B593-4A9E-AC57-3BFC4C745103}"/>
-              </a:ext>
-            </a:extLst>
-          </p:cNvPr>
-          <p:cNvSpPr txBox="1">
-            <a:spLocks/>
-          </p:cNvSpPr>
-          <p:nvPr/>
-        </p:nvSpPr>
-        <p:spPr>
-          <a:xfrm>
-            <a:off x="3119273" y="1818825"/>
-            <a:ext cx="2672178" cy="470516"/>
-          </a:xfrm>
-          <a:prstGeom prst="rect">
-            <a:avLst/>
-          </a:prstGeom>
-        </p:spPr>
-        <p:txBody>
-          <a:bodyPr vert="horz" lIns="91440" tIns="45720" rIns="91440" bIns="45720" rtlCol="0" anchor="b">
-            <a:normAutofit fontScale="82500" lnSpcReduction="20000"/>
-          </a:bodyPr>
-          <a:lstStyle>
-            <a:lvl1pPr algn="ctr" defTabSz="914400" rtl="0" eaLnBrk="1" latinLnBrk="0" hangingPunct="1">
-              <a:lnSpc>
-                <a:spcPct val="90000"/>
-              </a:lnSpc>
-              <a:spcBef>
-                <a:spcPct val="0"/>
-              </a:spcBef>
-              <a:buNone/>
-              <a:defRPr sz="6000" kern="1200">
-                <a:solidFill>
-                  <a:schemeClr val="tx1"/>
-                </a:solidFill>
-                <a:latin typeface="+mj-lt"/>
-                <a:ea typeface="+mj-ea"/>
-                <a:cs typeface="+mj-cs"/>
-              </a:defRPr>
-            </a:lvl1pPr>
-          </a:lstStyle>
-          <a:p>
-            <a:r>
-              <a:rPr lang="zh-CN" altLang="en-US" sz="4000" dirty="0">
-                <a:solidFill>
-                  <a:srgbClr val="0070C0"/>
-                </a:solidFill>
-                <a:latin typeface="宋体" panose="02010600030101010101" pitchFamily="2" charset="-122"/>
-                <a:ea typeface="宋体" panose="02010600030101010101" pitchFamily="2" charset="-122"/>
-              </a:rPr>
-              <a:t>翻译模式</a:t>
-            </a:r>
-          </a:p>
-        </p:txBody>
-      </p:sp>
-      <p:sp>
-        <p:nvSpPr>
-          <p:cNvPr id="6" name="标题 1">
-            <a:extLst>
-              <a:ext uri="{FF2B5EF4-FFF2-40B4-BE49-F238E27FC236}">
-                <a16:creationId xmlns:a16="http://schemas.microsoft.com/office/drawing/2014/main" id="{95F1AAAC-8614-41F7-A6A8-BA5B319353E5}"/>
-              </a:ext>
-            </a:extLst>
-          </p:cNvPr>
-          <p:cNvSpPr txBox="1">
-            <a:spLocks/>
-          </p:cNvSpPr>
-          <p:nvPr/>
-        </p:nvSpPr>
-        <p:spPr>
-          <a:xfrm>
-            <a:off x="5177879" y="1753467"/>
-            <a:ext cx="2672178" cy="470516"/>
-          </a:xfrm>
-          <a:prstGeom prst="rect">
-            <a:avLst/>
-          </a:prstGeom>
-        </p:spPr>
-        <p:txBody>
-          <a:bodyPr vert="horz" lIns="91440" tIns="45720" rIns="91440" bIns="45720" rtlCol="0" anchor="b">
-            <a:normAutofit fontScale="82500" lnSpcReduction="20000"/>
-          </a:bodyPr>
-          <a:lstStyle>
-            <a:lvl1pPr algn="ctr" defTabSz="914400" rtl="0" eaLnBrk="1" latinLnBrk="0" hangingPunct="1">
-              <a:lnSpc>
-                <a:spcPct val="90000"/>
-              </a:lnSpc>
-              <a:spcBef>
-                <a:spcPct val="0"/>
-              </a:spcBef>
-              <a:buNone/>
-              <a:defRPr sz="6000" kern="1200">
-                <a:solidFill>
-                  <a:schemeClr val="tx1"/>
-                </a:solidFill>
-                <a:latin typeface="+mj-lt"/>
-                <a:ea typeface="+mj-ea"/>
-                <a:cs typeface="+mj-cs"/>
-              </a:defRPr>
-            </a:lvl1pPr>
-          </a:lstStyle>
-          <a:p>
-            <a:r>
-              <a:rPr lang="zh-CN" altLang="en-US" sz="4000" dirty="0">
-                <a:solidFill>
-                  <a:srgbClr val="0070C0"/>
-                </a:solidFill>
-                <a:latin typeface="宋体" panose="02010600030101010101" pitchFamily="2" charset="-122"/>
-                <a:ea typeface="宋体" panose="02010600030101010101" pitchFamily="2" charset="-122"/>
-              </a:rPr>
-              <a:t>微信模式</a:t>
-            </a:r>
-          </a:p>
-        </p:txBody>
-      </p:sp>
-      <p:cxnSp>
-        <p:nvCxnSpPr>
-          <p:cNvPr id="8" name="直接箭头连接符 7">
-            <a:extLst>
-              <a:ext uri="{FF2B5EF4-FFF2-40B4-BE49-F238E27FC236}">
-                <a16:creationId xmlns:a16="http://schemas.microsoft.com/office/drawing/2014/main" id="{B686EFC0-D993-4C5B-A201-1246C40F94D1}"/>
-              </a:ext>
-            </a:extLst>
-          </p:cNvPr>
-          <p:cNvCxnSpPr/>
-          <p:nvPr/>
-        </p:nvCxnSpPr>
-        <p:spPr>
-          <a:xfrm flipH="1">
-            <a:off x="1748249" y="1012870"/>
-            <a:ext cx="1376039" cy="710214"/>
-          </a:xfrm>
-          <a:prstGeom prst="straightConnector1">
-            <a:avLst/>
-          </a:prstGeom>
-          <a:ln>
-            <a:tailEnd type="triangle"/>
-          </a:ln>
-        </p:spPr>
-        <p:style>
-          <a:lnRef idx="1">
-            <a:schemeClr val="accent1"/>
-          </a:lnRef>
-          <a:fillRef idx="0">
-            <a:schemeClr val="accent1"/>
-          </a:fillRef>
-          <a:effectRef idx="0">
-            <a:schemeClr val="accent1"/>
-          </a:effectRef>
-          <a:fontRef idx="minor">
-            <a:schemeClr val="tx1"/>
-          </a:fontRef>
-        </p:style>
-      </p:cxnSp>
-      <p:cxnSp>
-        <p:nvCxnSpPr>
-          <p:cNvPr id="10" name="直接箭头连接符 9">
-            <a:extLst>
-              <a:ext uri="{FF2B5EF4-FFF2-40B4-BE49-F238E27FC236}">
-                <a16:creationId xmlns:a16="http://schemas.microsoft.com/office/drawing/2014/main" id="{52A8BA96-046C-46EE-BC5F-7E2DAB4611FD}"/>
-              </a:ext>
-            </a:extLst>
-          </p:cNvPr>
-          <p:cNvCxnSpPr/>
-          <p:nvPr/>
-        </p:nvCxnSpPr>
-        <p:spPr>
-          <a:xfrm>
-            <a:off x="4660402" y="1011285"/>
-            <a:ext cx="0" cy="629499"/>
-          </a:xfrm>
-          <a:prstGeom prst="straightConnector1">
-            <a:avLst/>
-          </a:prstGeom>
-          <a:ln>
-            <a:tailEnd type="triangle"/>
-          </a:ln>
-        </p:spPr>
-        <p:style>
-          <a:lnRef idx="1">
-            <a:schemeClr val="accent1"/>
-          </a:lnRef>
-          <a:fillRef idx="0">
-            <a:schemeClr val="accent1"/>
-          </a:fillRef>
-          <a:effectRef idx="0">
-            <a:schemeClr val="accent1"/>
-          </a:effectRef>
-          <a:fontRef idx="minor">
-            <a:schemeClr val="tx1"/>
-          </a:fontRef>
-        </p:style>
-      </p:cxnSp>
-      <p:cxnSp>
-        <p:nvCxnSpPr>
-          <p:cNvPr id="12" name="直接箭头连接符 11">
-            <a:extLst>
-              <a:ext uri="{FF2B5EF4-FFF2-40B4-BE49-F238E27FC236}">
-                <a16:creationId xmlns:a16="http://schemas.microsoft.com/office/drawing/2014/main" id="{A531B911-30DB-4CE1-A68A-CAF4CC65BA08}"/>
-              </a:ext>
-            </a:extLst>
-          </p:cNvPr>
-          <p:cNvCxnSpPr/>
-          <p:nvPr/>
-        </p:nvCxnSpPr>
-        <p:spPr>
-          <a:xfrm>
-            <a:off x="5488967" y="935417"/>
-            <a:ext cx="1516603" cy="629499"/>
-          </a:xfrm>
-          <a:prstGeom prst="straightConnector1">
-            <a:avLst/>
-          </a:prstGeom>
-          <a:ln>
-            <a:tailEnd type="triangle"/>
-          </a:ln>
-        </p:spPr>
-        <p:style>
-          <a:lnRef idx="1">
-            <a:schemeClr val="accent1"/>
-          </a:lnRef>
-          <a:fillRef idx="0">
-            <a:schemeClr val="accent1"/>
-          </a:fillRef>
-          <a:effectRef idx="0">
-            <a:schemeClr val="accent1"/>
-          </a:effectRef>
-          <a:fontRef idx="minor">
-            <a:schemeClr val="tx1"/>
-          </a:fontRef>
-        </p:style>
-      </p:cxnSp>
-      <p:sp>
-        <p:nvSpPr>
-          <p:cNvPr id="13" name="标题 1">
-            <a:extLst>
-              <a:ext uri="{FF2B5EF4-FFF2-40B4-BE49-F238E27FC236}">
-                <a16:creationId xmlns:a16="http://schemas.microsoft.com/office/drawing/2014/main" id="{48EB8F6F-5D4E-4498-80A2-B972D92B953E}"/>
-              </a:ext>
-            </a:extLst>
-          </p:cNvPr>
-          <p:cNvSpPr txBox="1">
-            <a:spLocks/>
-          </p:cNvSpPr>
-          <p:nvPr/>
-        </p:nvSpPr>
-        <p:spPr>
-          <a:xfrm>
-            <a:off x="368407" y="866606"/>
-            <a:ext cx="2672178" cy="470516"/>
-          </a:xfrm>
-          <a:prstGeom prst="rect">
-            <a:avLst/>
-          </a:prstGeom>
-        </p:spPr>
-        <p:txBody>
-          <a:bodyPr vert="horz" lIns="91440" tIns="45720" rIns="91440" bIns="45720" rtlCol="0" anchor="b">
-            <a:normAutofit fontScale="97500"/>
-          </a:bodyPr>
-          <a:lstStyle>
-            <a:lvl1pPr algn="ctr" defTabSz="914400" rtl="0" eaLnBrk="1" latinLnBrk="0" hangingPunct="1">
-              <a:lnSpc>
-                <a:spcPct val="90000"/>
-              </a:lnSpc>
-              <a:spcBef>
-                <a:spcPct val="0"/>
-              </a:spcBef>
-              <a:buNone/>
-              <a:defRPr sz="6000" kern="1200">
-                <a:solidFill>
-                  <a:schemeClr val="tx1"/>
-                </a:solidFill>
-                <a:latin typeface="+mj-lt"/>
-                <a:ea typeface="+mj-ea"/>
-                <a:cs typeface="+mj-cs"/>
-              </a:defRPr>
-            </a:lvl1pPr>
-          </a:lstStyle>
-          <a:p>
-            <a:r>
-              <a:rPr lang="zh-CN" altLang="en-US" sz="2800" dirty="0">
-                <a:solidFill>
-                  <a:srgbClr val="FF0000"/>
-                </a:solidFill>
-                <a:latin typeface="宋体" panose="02010600030101010101" pitchFamily="2" charset="-122"/>
-                <a:ea typeface="宋体" panose="02010600030101010101" pitchFamily="2" charset="-122"/>
-              </a:rPr>
-              <a:t>点歌</a:t>
-            </a:r>
-          </a:p>
-        </p:txBody>
-      </p:sp>
-      <p:sp>
-        <p:nvSpPr>
-          <p:cNvPr id="14" name="标题 1">
-            <a:extLst>
-              <a:ext uri="{FF2B5EF4-FFF2-40B4-BE49-F238E27FC236}">
-                <a16:creationId xmlns:a16="http://schemas.microsoft.com/office/drawing/2014/main" id="{34E0DC3B-600C-4D7A-AC6B-94E6451AD189}"/>
-              </a:ext>
-            </a:extLst>
-          </p:cNvPr>
-          <p:cNvSpPr txBox="1">
-            <a:spLocks/>
-          </p:cNvSpPr>
-          <p:nvPr/>
-        </p:nvSpPr>
-        <p:spPr>
-          <a:xfrm>
-            <a:off x="2863871" y="900249"/>
-            <a:ext cx="2672178" cy="470516"/>
-          </a:xfrm>
-          <a:prstGeom prst="rect">
-            <a:avLst/>
-          </a:prstGeom>
-        </p:spPr>
-        <p:txBody>
-          <a:bodyPr vert="horz" lIns="91440" tIns="45720" rIns="91440" bIns="45720" rtlCol="0" anchor="b">
-            <a:normAutofit fontScale="97500"/>
-          </a:bodyPr>
-          <a:lstStyle>
-            <a:lvl1pPr algn="ctr" defTabSz="914400" rtl="0" eaLnBrk="1" latinLnBrk="0" hangingPunct="1">
-              <a:lnSpc>
-                <a:spcPct val="90000"/>
-              </a:lnSpc>
-              <a:spcBef>
-                <a:spcPct val="0"/>
-              </a:spcBef>
-              <a:buNone/>
-              <a:defRPr sz="6000" kern="1200">
-                <a:solidFill>
-                  <a:schemeClr val="tx1"/>
-                </a:solidFill>
-                <a:latin typeface="+mj-lt"/>
-                <a:ea typeface="+mj-ea"/>
-                <a:cs typeface="+mj-cs"/>
-              </a:defRPr>
-            </a:lvl1pPr>
-          </a:lstStyle>
-          <a:p>
-            <a:r>
-              <a:rPr lang="zh-CN" altLang="en-US" sz="2800" dirty="0">
-                <a:solidFill>
-                  <a:srgbClr val="FF0000"/>
-                </a:solidFill>
-                <a:latin typeface="宋体" panose="02010600030101010101" pitchFamily="2" charset="-122"/>
-                <a:ea typeface="宋体" panose="02010600030101010101" pitchFamily="2" charset="-122"/>
-              </a:rPr>
-              <a:t>翻译</a:t>
-            </a:r>
-          </a:p>
-        </p:txBody>
-      </p:sp>
-      <p:sp>
-        <p:nvSpPr>
-          <p:cNvPr id="15" name="标题 1">
-            <a:extLst>
-              <a:ext uri="{FF2B5EF4-FFF2-40B4-BE49-F238E27FC236}">
-                <a16:creationId xmlns:a16="http://schemas.microsoft.com/office/drawing/2014/main" id="{4E9E398E-A2A6-43E5-82C8-76D0C144F74B}"/>
-              </a:ext>
-            </a:extLst>
-          </p:cNvPr>
-          <p:cNvSpPr txBox="1">
-            <a:spLocks/>
-          </p:cNvSpPr>
-          <p:nvPr/>
-        </p:nvSpPr>
-        <p:spPr>
-          <a:xfrm>
-            <a:off x="4933717" y="911554"/>
-            <a:ext cx="2672178" cy="470516"/>
-          </a:xfrm>
-          <a:prstGeom prst="rect">
-            <a:avLst/>
-          </a:prstGeom>
-        </p:spPr>
-        <p:txBody>
-          <a:bodyPr vert="horz" lIns="91440" tIns="45720" rIns="91440" bIns="45720" rtlCol="0" anchor="b">
-            <a:normAutofit fontScale="97500"/>
-          </a:bodyPr>
-          <a:lstStyle>
-            <a:lvl1pPr algn="ctr" defTabSz="914400" rtl="0" eaLnBrk="1" latinLnBrk="0" hangingPunct="1">
-              <a:lnSpc>
-                <a:spcPct val="90000"/>
-              </a:lnSpc>
-              <a:spcBef>
-                <a:spcPct val="0"/>
-              </a:spcBef>
-              <a:buNone/>
-              <a:defRPr sz="6000" kern="1200">
-                <a:solidFill>
-                  <a:schemeClr val="tx1"/>
-                </a:solidFill>
-                <a:latin typeface="+mj-lt"/>
-                <a:ea typeface="+mj-ea"/>
-                <a:cs typeface="+mj-cs"/>
-              </a:defRPr>
-            </a:lvl1pPr>
-          </a:lstStyle>
-          <a:p>
-            <a:r>
-              <a:rPr lang="zh-CN" altLang="en-US" sz="2800" dirty="0">
-                <a:solidFill>
-                  <a:srgbClr val="FF0000"/>
-                </a:solidFill>
-                <a:latin typeface="宋体" panose="02010600030101010101" pitchFamily="2" charset="-122"/>
-                <a:ea typeface="宋体" panose="02010600030101010101" pitchFamily="2" charset="-122"/>
-              </a:rPr>
-              <a:t>给</a:t>
-            </a:r>
-            <a:r>
-              <a:rPr lang="en-US" altLang="zh-CN" sz="2800" dirty="0">
-                <a:solidFill>
-                  <a:srgbClr val="FF0000"/>
-                </a:solidFill>
-                <a:latin typeface="宋体" panose="02010600030101010101" pitchFamily="2" charset="-122"/>
-                <a:ea typeface="宋体" panose="02010600030101010101" pitchFamily="2" charset="-122"/>
-              </a:rPr>
-              <a:t>XX</a:t>
-            </a:r>
-            <a:r>
-              <a:rPr lang="zh-CN" altLang="en-US" sz="2800" dirty="0">
-                <a:solidFill>
-                  <a:srgbClr val="FF0000"/>
-                </a:solidFill>
-                <a:latin typeface="宋体" panose="02010600030101010101" pitchFamily="2" charset="-122"/>
-                <a:ea typeface="宋体" panose="02010600030101010101" pitchFamily="2" charset="-122"/>
-              </a:rPr>
-              <a:t>发消息</a:t>
-            </a:r>
-          </a:p>
-        </p:txBody>
-      </p:sp>
-      <p:cxnSp>
-        <p:nvCxnSpPr>
-          <p:cNvPr id="17" name="直接箭头连接符 16">
-            <a:extLst>
-              <a:ext uri="{FF2B5EF4-FFF2-40B4-BE49-F238E27FC236}">
-                <a16:creationId xmlns:a16="http://schemas.microsoft.com/office/drawing/2014/main" id="{D17B943E-C4C2-4F38-B04E-35C1A415D6C5}"/>
-              </a:ext>
-            </a:extLst>
-          </p:cNvPr>
-          <p:cNvCxnSpPr>
-            <a:cxnSpLocks/>
-          </p:cNvCxnSpPr>
-          <p:nvPr/>
-        </p:nvCxnSpPr>
-        <p:spPr>
-          <a:xfrm>
-            <a:off x="1322773" y="2432406"/>
-            <a:ext cx="0" cy="817486"/>
-          </a:xfrm>
-          <a:prstGeom prst="straightConnector1">
-            <a:avLst/>
-          </a:prstGeom>
-          <a:ln>
-            <a:tailEnd type="triangle"/>
-          </a:ln>
-        </p:spPr>
-        <p:style>
-          <a:lnRef idx="1">
-            <a:schemeClr val="accent1"/>
-          </a:lnRef>
-          <a:fillRef idx="0">
-            <a:schemeClr val="accent1"/>
-          </a:fillRef>
-          <a:effectRef idx="0">
-            <a:schemeClr val="accent1"/>
-          </a:effectRef>
-          <a:fontRef idx="minor">
-            <a:schemeClr val="tx1"/>
-          </a:fontRef>
-        </p:style>
-      </p:cxnSp>
-      <p:sp>
-        <p:nvSpPr>
-          <p:cNvPr id="19" name="标题 1">
-            <a:extLst>
-              <a:ext uri="{FF2B5EF4-FFF2-40B4-BE49-F238E27FC236}">
-                <a16:creationId xmlns:a16="http://schemas.microsoft.com/office/drawing/2014/main" id="{79B97110-3F13-4D75-8A90-C57776B582BD}"/>
-              </a:ext>
-            </a:extLst>
-          </p:cNvPr>
-          <p:cNvSpPr txBox="1">
-            <a:spLocks/>
-          </p:cNvSpPr>
-          <p:nvPr/>
-        </p:nvSpPr>
-        <p:spPr>
-          <a:xfrm>
-            <a:off x="980983" y="2411180"/>
-            <a:ext cx="2672178" cy="470516"/>
-          </a:xfrm>
-          <a:prstGeom prst="rect">
-            <a:avLst/>
-          </a:prstGeom>
-        </p:spPr>
-        <p:txBody>
-          <a:bodyPr vert="horz" lIns="91440" tIns="45720" rIns="91440" bIns="45720" rtlCol="0" anchor="b">
-            <a:normAutofit fontScale="97500"/>
-          </a:bodyPr>
-          <a:lstStyle>
-            <a:lvl1pPr algn="ctr" defTabSz="914400" rtl="0" eaLnBrk="1" latinLnBrk="0" hangingPunct="1">
-              <a:lnSpc>
-                <a:spcPct val="90000"/>
-              </a:lnSpc>
-              <a:spcBef>
-                <a:spcPct val="0"/>
-              </a:spcBef>
-              <a:buNone/>
-              <a:defRPr sz="6000" kern="1200">
-                <a:solidFill>
-                  <a:schemeClr val="tx1"/>
-                </a:solidFill>
-                <a:latin typeface="+mj-lt"/>
-                <a:ea typeface="+mj-ea"/>
-                <a:cs typeface="+mj-cs"/>
-              </a:defRPr>
-            </a:lvl1pPr>
-          </a:lstStyle>
-          <a:p>
-            <a:r>
-              <a:rPr lang="zh-CN" altLang="en-US" sz="2800" dirty="0">
-                <a:solidFill>
-                  <a:srgbClr val="FF0000"/>
-                </a:solidFill>
-                <a:latin typeface="宋体" panose="02010600030101010101" pitchFamily="2" charset="-122"/>
-                <a:ea typeface="宋体" panose="02010600030101010101" pitchFamily="2" charset="-122"/>
-              </a:rPr>
-              <a:t>歌名</a:t>
-            </a:r>
-          </a:p>
-        </p:txBody>
-      </p:sp>
-      <p:sp>
-        <p:nvSpPr>
-          <p:cNvPr id="21" name="标题 1">
-            <a:extLst>
-              <a:ext uri="{FF2B5EF4-FFF2-40B4-BE49-F238E27FC236}">
-                <a16:creationId xmlns:a16="http://schemas.microsoft.com/office/drawing/2014/main" id="{6CE2CD9E-9A2E-4280-B9F4-A81EB54240E9}"/>
-              </a:ext>
-            </a:extLst>
-          </p:cNvPr>
-          <p:cNvSpPr txBox="1">
-            <a:spLocks/>
-          </p:cNvSpPr>
-          <p:nvPr/>
-        </p:nvSpPr>
-        <p:spPr>
-          <a:xfrm>
-            <a:off x="237778" y="3258434"/>
-            <a:ext cx="2672178" cy="470516"/>
-          </a:xfrm>
-          <a:prstGeom prst="rect">
-            <a:avLst/>
-          </a:prstGeom>
-        </p:spPr>
-        <p:txBody>
-          <a:bodyPr vert="horz" lIns="91440" tIns="45720" rIns="91440" bIns="45720" rtlCol="0" anchor="b">
-            <a:normAutofit fontScale="82500" lnSpcReduction="20000"/>
-          </a:bodyPr>
-          <a:lstStyle>
-            <a:lvl1pPr algn="ctr" defTabSz="914400" rtl="0" eaLnBrk="1" latinLnBrk="0" hangingPunct="1">
-              <a:lnSpc>
-                <a:spcPct val="90000"/>
-              </a:lnSpc>
-              <a:spcBef>
-                <a:spcPct val="0"/>
-              </a:spcBef>
-              <a:buNone/>
-              <a:defRPr sz="6000" kern="1200">
-                <a:solidFill>
-                  <a:schemeClr val="tx1"/>
-                </a:solidFill>
-                <a:latin typeface="+mj-lt"/>
-                <a:ea typeface="+mj-ea"/>
-                <a:cs typeface="+mj-cs"/>
-              </a:defRPr>
-            </a:lvl1pPr>
-          </a:lstStyle>
-          <a:p>
-            <a:r>
-              <a:rPr lang="zh-CN" altLang="en-US" sz="4000" dirty="0">
-                <a:latin typeface="宋体" panose="02010600030101010101" pitchFamily="2" charset="-122"/>
-                <a:ea typeface="宋体" panose="02010600030101010101" pitchFamily="2" charset="-122"/>
-              </a:rPr>
-              <a:t>播放音乐</a:t>
-            </a:r>
-          </a:p>
-        </p:txBody>
-      </p:sp>
-      <p:cxnSp>
-        <p:nvCxnSpPr>
-          <p:cNvPr id="22" name="直接箭头连接符 21">
-            <a:extLst>
-              <a:ext uri="{FF2B5EF4-FFF2-40B4-BE49-F238E27FC236}">
-                <a16:creationId xmlns:a16="http://schemas.microsoft.com/office/drawing/2014/main" id="{DFE6A6DD-3A91-4DC7-A4CF-A321CAC4CF5A}"/>
-              </a:ext>
-            </a:extLst>
-          </p:cNvPr>
-          <p:cNvCxnSpPr>
-            <a:cxnSpLocks/>
-          </p:cNvCxnSpPr>
-          <p:nvPr/>
-        </p:nvCxnSpPr>
-        <p:spPr>
-          <a:xfrm>
-            <a:off x="4418853" y="2428620"/>
-            <a:ext cx="0" cy="817486"/>
-          </a:xfrm>
-          <a:prstGeom prst="straightConnector1">
-            <a:avLst/>
-          </a:prstGeom>
-          <a:ln>
-            <a:tailEnd type="triangle"/>
-          </a:ln>
-        </p:spPr>
-        <p:style>
-          <a:lnRef idx="1">
-            <a:schemeClr val="accent1"/>
-          </a:lnRef>
-          <a:fillRef idx="0">
-            <a:schemeClr val="accent1"/>
-          </a:fillRef>
-          <a:effectRef idx="0">
-            <a:schemeClr val="accent1"/>
-          </a:effectRef>
-          <a:fontRef idx="minor">
-            <a:schemeClr val="tx1"/>
-          </a:fontRef>
-        </p:style>
-      </p:cxnSp>
-      <p:sp>
-        <p:nvSpPr>
-          <p:cNvPr id="23" name="标题 1">
-            <a:extLst>
-              <a:ext uri="{FF2B5EF4-FFF2-40B4-BE49-F238E27FC236}">
-                <a16:creationId xmlns:a16="http://schemas.microsoft.com/office/drawing/2014/main" id="{AA9602A7-FCCD-4B69-8645-7554EBFFDEBF}"/>
-              </a:ext>
-            </a:extLst>
-          </p:cNvPr>
-          <p:cNvSpPr txBox="1">
-            <a:spLocks/>
-          </p:cNvSpPr>
-          <p:nvPr/>
-        </p:nvSpPr>
-        <p:spPr>
-          <a:xfrm>
-            <a:off x="3386012" y="2556238"/>
-            <a:ext cx="2672178" cy="470516"/>
-          </a:xfrm>
-          <a:prstGeom prst="rect">
-            <a:avLst/>
-          </a:prstGeom>
-        </p:spPr>
-        <p:txBody>
-          <a:bodyPr vert="horz" lIns="91440" tIns="45720" rIns="91440" bIns="45720" rtlCol="0" anchor="b">
-            <a:normAutofit fontScale="52500" lnSpcReduction="20000"/>
-          </a:bodyPr>
-          <a:lstStyle>
-            <a:lvl1pPr algn="ctr" defTabSz="914400" rtl="0" eaLnBrk="1" latinLnBrk="0" hangingPunct="1">
-              <a:lnSpc>
-                <a:spcPct val="90000"/>
-              </a:lnSpc>
-              <a:spcBef>
-                <a:spcPct val="0"/>
-              </a:spcBef>
-              <a:buNone/>
-              <a:defRPr sz="6000" kern="1200">
-                <a:solidFill>
-                  <a:schemeClr val="tx1"/>
-                </a:solidFill>
-                <a:latin typeface="+mj-lt"/>
-                <a:ea typeface="+mj-ea"/>
-                <a:cs typeface="+mj-cs"/>
-              </a:defRPr>
-            </a:lvl1pPr>
-          </a:lstStyle>
-          <a:p>
-            <a:r>
-              <a:rPr lang="zh-CN" altLang="en-US" sz="4000" dirty="0">
-                <a:latin typeface="宋体" panose="02010600030101010101" pitchFamily="2" charset="-122"/>
-                <a:ea typeface="宋体" panose="02010600030101010101" pitchFamily="2" charset="-122"/>
-              </a:rPr>
-              <a:t>源语言  </a:t>
-            </a:r>
-            <a:r>
-              <a:rPr lang="en-US" altLang="zh-CN" sz="4000" dirty="0">
-                <a:latin typeface="宋体" panose="02010600030101010101" pitchFamily="2" charset="-122"/>
-                <a:ea typeface="宋体" panose="02010600030101010101" pitchFamily="2" charset="-122"/>
-              </a:rPr>
-              <a:t>(</a:t>
-            </a:r>
-            <a:r>
-              <a:rPr lang="zh-CN" altLang="en-US" sz="4000" dirty="0">
-                <a:solidFill>
-                  <a:srgbClr val="FF0000"/>
-                </a:solidFill>
-                <a:latin typeface="宋体" panose="02010600030101010101" pitchFamily="2" charset="-122"/>
-                <a:ea typeface="宋体" panose="02010600030101010101" pitchFamily="2" charset="-122"/>
-              </a:rPr>
-              <a:t>中文</a:t>
-            </a:r>
-            <a:r>
-              <a:rPr lang="en-US" altLang="zh-CN" sz="4000" dirty="0">
-                <a:solidFill>
-                  <a:srgbClr val="FF0000"/>
-                </a:solidFill>
-                <a:latin typeface="宋体" panose="02010600030101010101" pitchFamily="2" charset="-122"/>
-                <a:ea typeface="宋体" panose="02010600030101010101" pitchFamily="2" charset="-122"/>
-              </a:rPr>
+            <a:pPr>
+              <a:buFontTx/>
+              <a:buChar char="-"/>
+            </a:pPr>
+            <a:r>
+              <a:rPr lang="zh-CN" altLang="en-US" dirty="0"/>
+              <a:t>文字识别：识字认字，读儿歌、故事</a:t>
+            </a:r>
+            <a:endParaRPr lang="en-US" altLang="zh-CN" dirty="0"/>
+          </a:p>
+          <a:p>
+            <a:pPr>
+              <a:buFontTx/>
+              <a:buChar char="-"/>
+            </a:pPr>
+            <a:r>
+              <a:rPr lang="zh-CN" altLang="en-US" dirty="0"/>
+              <a:t>物体识别：认识动物或其他常见物体</a:t>
+            </a:r>
+            <a:endParaRPr lang="en-US" altLang="zh-CN" dirty="0"/>
+          </a:p>
+          <a:p>
+            <a:pPr>
+              <a:buFontTx/>
+              <a:buChar char="-"/>
+            </a:pPr>
+            <a:r>
+              <a:rPr lang="zh-CN" altLang="en-US" dirty="0"/>
+              <a:t>翻译：中译英、英译中，学习英语</a:t>
+            </a:r>
+            <a:r>
+              <a:rPr lang="en-US" altLang="zh-CN" dirty="0"/>
               <a:t>/</a:t>
             </a:r>
             <a:r>
-              <a:rPr lang="zh-CN" altLang="en-US" sz="4000" dirty="0">
-                <a:solidFill>
-                  <a:srgbClr val="FF0000"/>
-                </a:solidFill>
-                <a:latin typeface="宋体" panose="02010600030101010101" pitchFamily="2" charset="-122"/>
-                <a:ea typeface="宋体" panose="02010600030101010101" pitchFamily="2" charset="-122"/>
-              </a:rPr>
-              <a:t>英文</a:t>
-            </a:r>
-            <a:r>
-              <a:rPr lang="en-US" altLang="zh-CN" sz="4000" dirty="0">
-                <a:latin typeface="宋体" panose="02010600030101010101" pitchFamily="2" charset="-122"/>
-                <a:ea typeface="宋体" panose="02010600030101010101" pitchFamily="2" charset="-122"/>
-              </a:rPr>
-              <a:t>)</a:t>
-            </a:r>
-            <a:endParaRPr lang="zh-CN" altLang="en-US" sz="4000" dirty="0">
-              <a:latin typeface="宋体" panose="02010600030101010101" pitchFamily="2" charset="-122"/>
-              <a:ea typeface="宋体" panose="02010600030101010101" pitchFamily="2" charset="-122"/>
-            </a:endParaRPr>
-          </a:p>
-        </p:txBody>
-      </p:sp>
-      <p:sp>
-        <p:nvSpPr>
-          <p:cNvPr id="24" name="标题 1">
-            <a:extLst>
-              <a:ext uri="{FF2B5EF4-FFF2-40B4-BE49-F238E27FC236}">
-                <a16:creationId xmlns:a16="http://schemas.microsoft.com/office/drawing/2014/main" id="{D709605D-097A-4F13-A39D-07768D7B348C}"/>
-              </a:ext>
-            </a:extLst>
-          </p:cNvPr>
-          <p:cNvSpPr txBox="1">
-            <a:spLocks/>
-          </p:cNvSpPr>
-          <p:nvPr/>
-        </p:nvSpPr>
-        <p:spPr>
-          <a:xfrm>
-            <a:off x="3832193" y="3477512"/>
-            <a:ext cx="2672178" cy="470516"/>
-          </a:xfrm>
-          <a:prstGeom prst="rect">
-            <a:avLst/>
-          </a:prstGeom>
-        </p:spPr>
-        <p:txBody>
-          <a:bodyPr vert="horz" lIns="91440" tIns="45720" rIns="91440" bIns="45720" rtlCol="0" anchor="b">
-            <a:normAutofit fontScale="97500"/>
-          </a:bodyPr>
-          <a:lstStyle>
-            <a:lvl1pPr algn="ctr" defTabSz="914400" rtl="0" eaLnBrk="1" latinLnBrk="0" hangingPunct="1">
-              <a:lnSpc>
-                <a:spcPct val="90000"/>
-              </a:lnSpc>
-              <a:spcBef>
-                <a:spcPct val="0"/>
-              </a:spcBef>
-              <a:buNone/>
-              <a:defRPr sz="6000" kern="1200">
-                <a:solidFill>
-                  <a:schemeClr val="tx1"/>
-                </a:solidFill>
-                <a:latin typeface="+mj-lt"/>
-                <a:ea typeface="+mj-ea"/>
-                <a:cs typeface="+mj-cs"/>
-              </a:defRPr>
-            </a:lvl1pPr>
-          </a:lstStyle>
-          <a:p>
-            <a:r>
-              <a:rPr lang="zh-CN" altLang="en-US" sz="2800" dirty="0">
-                <a:solidFill>
-                  <a:srgbClr val="FF0000"/>
-                </a:solidFill>
-                <a:latin typeface="宋体" panose="02010600030101010101" pitchFamily="2" charset="-122"/>
-                <a:ea typeface="宋体" panose="02010600030101010101" pitchFamily="2" charset="-122"/>
-              </a:rPr>
-              <a:t>内容</a:t>
-            </a:r>
-          </a:p>
-        </p:txBody>
-      </p:sp>
-      <p:cxnSp>
-        <p:nvCxnSpPr>
-          <p:cNvPr id="25" name="直接箭头连接符 24">
-            <a:extLst>
-              <a:ext uri="{FF2B5EF4-FFF2-40B4-BE49-F238E27FC236}">
-                <a16:creationId xmlns:a16="http://schemas.microsoft.com/office/drawing/2014/main" id="{66DAF117-0D20-4AB0-9F57-CCD2E1ABD7E4}"/>
-              </a:ext>
-            </a:extLst>
-          </p:cNvPr>
-          <p:cNvCxnSpPr>
-            <a:cxnSpLocks/>
-          </p:cNvCxnSpPr>
-          <p:nvPr/>
-        </p:nvCxnSpPr>
-        <p:spPr>
-          <a:xfrm flipH="1">
-            <a:off x="4413673" y="3404310"/>
-            <a:ext cx="10360" cy="829541"/>
-          </a:xfrm>
-          <a:prstGeom prst="straightConnector1">
-            <a:avLst/>
-          </a:prstGeom>
-          <a:ln>
-            <a:tailEnd type="triangle"/>
-          </a:ln>
-        </p:spPr>
-        <p:style>
-          <a:lnRef idx="1">
-            <a:schemeClr val="accent1"/>
-          </a:lnRef>
-          <a:fillRef idx="0">
-            <a:schemeClr val="accent1"/>
-          </a:fillRef>
-          <a:effectRef idx="0">
-            <a:schemeClr val="accent1"/>
-          </a:effectRef>
-          <a:fontRef idx="minor">
-            <a:schemeClr val="tx1"/>
-          </a:fontRef>
-        </p:style>
-      </p:cxnSp>
-      <p:sp>
-        <p:nvSpPr>
-          <p:cNvPr id="26" name="标题 1">
-            <a:extLst>
-              <a:ext uri="{FF2B5EF4-FFF2-40B4-BE49-F238E27FC236}">
-                <a16:creationId xmlns:a16="http://schemas.microsoft.com/office/drawing/2014/main" id="{318F58A2-16B2-469A-8405-1E3618A27BE2}"/>
-              </a:ext>
-            </a:extLst>
-          </p:cNvPr>
-          <p:cNvSpPr txBox="1">
-            <a:spLocks/>
-          </p:cNvSpPr>
-          <p:nvPr/>
-        </p:nvSpPr>
-        <p:spPr>
-          <a:xfrm>
-            <a:off x="2800376" y="4343749"/>
-            <a:ext cx="2672178" cy="470516"/>
-          </a:xfrm>
-          <a:prstGeom prst="rect">
-            <a:avLst/>
-          </a:prstGeom>
-        </p:spPr>
-        <p:txBody>
-          <a:bodyPr vert="horz" lIns="91440" tIns="45720" rIns="91440" bIns="45720" rtlCol="0" anchor="b">
-            <a:normAutofit fontScale="82500" lnSpcReduction="20000"/>
-          </a:bodyPr>
-          <a:lstStyle>
-            <a:lvl1pPr algn="ctr" defTabSz="914400" rtl="0" eaLnBrk="1" latinLnBrk="0" hangingPunct="1">
-              <a:lnSpc>
-                <a:spcPct val="90000"/>
-              </a:lnSpc>
-              <a:spcBef>
-                <a:spcPct val="0"/>
-              </a:spcBef>
-              <a:buNone/>
-              <a:defRPr sz="6000" kern="1200">
-                <a:solidFill>
-                  <a:schemeClr val="tx1"/>
-                </a:solidFill>
-                <a:latin typeface="+mj-lt"/>
-                <a:ea typeface="+mj-ea"/>
-                <a:cs typeface="+mj-cs"/>
-              </a:defRPr>
-            </a:lvl1pPr>
-          </a:lstStyle>
-          <a:p>
-            <a:r>
-              <a:rPr lang="zh-CN" altLang="en-US" sz="4000" dirty="0">
-                <a:latin typeface="宋体" panose="02010600030101010101" pitchFamily="2" charset="-122"/>
-                <a:ea typeface="宋体" panose="02010600030101010101" pitchFamily="2" charset="-122"/>
-              </a:rPr>
-              <a:t>翻译</a:t>
-            </a:r>
-          </a:p>
-        </p:txBody>
-      </p:sp>
-      <p:sp>
-        <p:nvSpPr>
-          <p:cNvPr id="27" name="标题 1">
-            <a:extLst>
-              <a:ext uri="{FF2B5EF4-FFF2-40B4-BE49-F238E27FC236}">
-                <a16:creationId xmlns:a16="http://schemas.microsoft.com/office/drawing/2014/main" id="{B788E806-A486-47A6-B334-589C0864EB87}"/>
-              </a:ext>
-            </a:extLst>
-          </p:cNvPr>
-          <p:cNvSpPr txBox="1">
-            <a:spLocks/>
-          </p:cNvSpPr>
-          <p:nvPr/>
-        </p:nvSpPr>
-        <p:spPr>
-          <a:xfrm>
-            <a:off x="494593" y="4204643"/>
-            <a:ext cx="2672178" cy="470516"/>
-          </a:xfrm>
-          <a:prstGeom prst="rect">
-            <a:avLst/>
-          </a:prstGeom>
-        </p:spPr>
-        <p:txBody>
-          <a:bodyPr vert="horz" lIns="91440" tIns="45720" rIns="91440" bIns="45720" rtlCol="0" anchor="b">
-            <a:normAutofit fontScale="82500" lnSpcReduction="20000"/>
-          </a:bodyPr>
-          <a:lstStyle>
-            <a:lvl1pPr algn="ctr" defTabSz="914400" rtl="0" eaLnBrk="1" latinLnBrk="0" hangingPunct="1">
-              <a:lnSpc>
-                <a:spcPct val="90000"/>
-              </a:lnSpc>
-              <a:spcBef>
-                <a:spcPct val="0"/>
-              </a:spcBef>
-              <a:buNone/>
-              <a:defRPr sz="6000" kern="1200">
-                <a:solidFill>
-                  <a:schemeClr val="tx1"/>
-                </a:solidFill>
-                <a:latin typeface="+mj-lt"/>
-                <a:ea typeface="+mj-ea"/>
-                <a:cs typeface="+mj-cs"/>
-              </a:defRPr>
-            </a:lvl1pPr>
-          </a:lstStyle>
-          <a:p>
-            <a:r>
-              <a:rPr lang="zh-CN" altLang="en-US" sz="4000" dirty="0">
-                <a:solidFill>
-                  <a:srgbClr val="FF0000"/>
-                </a:solidFill>
-                <a:latin typeface="宋体" panose="02010600030101010101" pitchFamily="2" charset="-122"/>
-                <a:ea typeface="宋体" panose="02010600030101010101" pitchFamily="2" charset="-122"/>
-              </a:rPr>
-              <a:t>暂停</a:t>
-            </a:r>
-          </a:p>
-        </p:txBody>
-      </p:sp>
-      <p:sp>
-        <p:nvSpPr>
-          <p:cNvPr id="28" name="标题 1">
-            <a:extLst>
-              <a:ext uri="{FF2B5EF4-FFF2-40B4-BE49-F238E27FC236}">
-                <a16:creationId xmlns:a16="http://schemas.microsoft.com/office/drawing/2014/main" id="{DC95819A-2A02-4B25-BF13-CD3861F52E31}"/>
-              </a:ext>
-            </a:extLst>
-          </p:cNvPr>
-          <p:cNvSpPr txBox="1">
-            <a:spLocks/>
-          </p:cNvSpPr>
-          <p:nvPr/>
-        </p:nvSpPr>
-        <p:spPr>
-          <a:xfrm>
-            <a:off x="1481107" y="4141540"/>
-            <a:ext cx="2672178" cy="470516"/>
-          </a:xfrm>
-          <a:prstGeom prst="rect">
-            <a:avLst/>
-          </a:prstGeom>
-        </p:spPr>
-        <p:txBody>
-          <a:bodyPr vert="horz" lIns="91440" tIns="45720" rIns="91440" bIns="45720" rtlCol="0" anchor="b">
-            <a:normAutofit fontScale="82500" lnSpcReduction="20000"/>
-          </a:bodyPr>
-          <a:lstStyle>
-            <a:lvl1pPr algn="ctr" defTabSz="914400" rtl="0" eaLnBrk="1" latinLnBrk="0" hangingPunct="1">
-              <a:lnSpc>
-                <a:spcPct val="90000"/>
-              </a:lnSpc>
-              <a:spcBef>
-                <a:spcPct val="0"/>
-              </a:spcBef>
-              <a:buNone/>
-              <a:defRPr sz="6000" kern="1200">
-                <a:solidFill>
-                  <a:schemeClr val="tx1"/>
-                </a:solidFill>
-                <a:latin typeface="+mj-lt"/>
-                <a:ea typeface="+mj-ea"/>
-                <a:cs typeface="+mj-cs"/>
-              </a:defRPr>
-            </a:lvl1pPr>
-          </a:lstStyle>
-          <a:p>
-            <a:r>
-              <a:rPr lang="zh-CN" altLang="en-US" sz="4000" dirty="0">
-                <a:solidFill>
-                  <a:srgbClr val="FF0000"/>
-                </a:solidFill>
-                <a:latin typeface="宋体" panose="02010600030101010101" pitchFamily="2" charset="-122"/>
-                <a:ea typeface="宋体" panose="02010600030101010101" pitchFamily="2" charset="-122"/>
-              </a:rPr>
-              <a:t>继续</a:t>
-            </a:r>
-          </a:p>
-        </p:txBody>
-      </p:sp>
-      <p:cxnSp>
-        <p:nvCxnSpPr>
-          <p:cNvPr id="30" name="直接箭头连接符 29">
-            <a:extLst>
-              <a:ext uri="{FF2B5EF4-FFF2-40B4-BE49-F238E27FC236}">
-                <a16:creationId xmlns:a16="http://schemas.microsoft.com/office/drawing/2014/main" id="{0CDDCD46-FB62-4753-A2F7-01EE08366933}"/>
-              </a:ext>
-            </a:extLst>
-          </p:cNvPr>
-          <p:cNvCxnSpPr>
-            <a:cxnSpLocks/>
-          </p:cNvCxnSpPr>
-          <p:nvPr/>
-        </p:nvCxnSpPr>
-        <p:spPr>
-          <a:xfrm flipH="1">
-            <a:off x="794923" y="3757418"/>
-            <a:ext cx="659167" cy="332874"/>
-          </a:xfrm>
-          <a:prstGeom prst="straightConnector1">
-            <a:avLst/>
-          </a:prstGeom>
-          <a:ln>
-            <a:tailEnd type="triangle"/>
-          </a:ln>
-        </p:spPr>
-        <p:style>
-          <a:lnRef idx="1">
-            <a:schemeClr val="accent1"/>
-          </a:lnRef>
-          <a:fillRef idx="0">
-            <a:schemeClr val="accent1"/>
-          </a:fillRef>
-          <a:effectRef idx="0">
-            <a:schemeClr val="accent1"/>
-          </a:effectRef>
-          <a:fontRef idx="minor">
-            <a:schemeClr val="tx1"/>
-          </a:fontRef>
-        </p:style>
-      </p:cxnSp>
-      <p:cxnSp>
-        <p:nvCxnSpPr>
-          <p:cNvPr id="32" name="直接箭头连接符 31">
-            <a:extLst>
-              <a:ext uri="{FF2B5EF4-FFF2-40B4-BE49-F238E27FC236}">
-                <a16:creationId xmlns:a16="http://schemas.microsoft.com/office/drawing/2014/main" id="{4A592F82-70CA-4D34-B7D6-6B9521294BD8}"/>
-              </a:ext>
-            </a:extLst>
-          </p:cNvPr>
-          <p:cNvCxnSpPr/>
-          <p:nvPr/>
-        </p:nvCxnSpPr>
-        <p:spPr>
-          <a:xfrm>
-            <a:off x="2362177" y="3735017"/>
-            <a:ext cx="270768" cy="254428"/>
-          </a:xfrm>
-          <a:prstGeom prst="straightConnector1">
-            <a:avLst/>
-          </a:prstGeom>
-          <a:ln>
-            <a:tailEnd type="triangle"/>
-          </a:ln>
-        </p:spPr>
-        <p:style>
-          <a:lnRef idx="1">
-            <a:schemeClr val="accent1"/>
-          </a:lnRef>
-          <a:fillRef idx="0">
-            <a:schemeClr val="accent1"/>
-          </a:fillRef>
-          <a:effectRef idx="0">
-            <a:schemeClr val="accent1"/>
-          </a:effectRef>
-          <a:fontRef idx="minor">
-            <a:schemeClr val="tx1"/>
-          </a:fontRef>
-        </p:style>
-      </p:cxnSp>
-      <p:cxnSp>
-        <p:nvCxnSpPr>
-          <p:cNvPr id="34" name="直接箭头连接符 33">
-            <a:extLst>
-              <a:ext uri="{FF2B5EF4-FFF2-40B4-BE49-F238E27FC236}">
-                <a16:creationId xmlns:a16="http://schemas.microsoft.com/office/drawing/2014/main" id="{9F2DB745-CCFA-43C8-A41A-B662393EBF14}"/>
-              </a:ext>
-            </a:extLst>
-          </p:cNvPr>
-          <p:cNvCxnSpPr>
-            <a:cxnSpLocks/>
-            <a:stCxn id="6" idx="2"/>
-          </p:cNvCxnSpPr>
-          <p:nvPr/>
-        </p:nvCxnSpPr>
-        <p:spPr>
-          <a:xfrm flipH="1">
-            <a:off x="5814500" y="2223983"/>
-            <a:ext cx="699468" cy="791153"/>
-          </a:xfrm>
-          <a:prstGeom prst="straightConnector1">
-            <a:avLst/>
-          </a:prstGeom>
-          <a:ln>
-            <a:tailEnd type="triangle"/>
-          </a:ln>
-        </p:spPr>
-        <p:style>
-          <a:lnRef idx="1">
-            <a:schemeClr val="accent1"/>
-          </a:lnRef>
-          <a:fillRef idx="0">
-            <a:schemeClr val="accent1"/>
-          </a:fillRef>
-          <a:effectRef idx="0">
-            <a:schemeClr val="accent1"/>
-          </a:effectRef>
-          <a:fontRef idx="minor">
-            <a:schemeClr val="tx1"/>
-          </a:fontRef>
-        </p:style>
-      </p:cxnSp>
-      <p:sp>
-        <p:nvSpPr>
-          <p:cNvPr id="35" name="标题 1">
-            <a:extLst>
-              <a:ext uri="{FF2B5EF4-FFF2-40B4-BE49-F238E27FC236}">
-                <a16:creationId xmlns:a16="http://schemas.microsoft.com/office/drawing/2014/main" id="{56B128E2-1727-4AD7-A390-CB6355DFAA1B}"/>
-              </a:ext>
-            </a:extLst>
-          </p:cNvPr>
-          <p:cNvSpPr txBox="1">
-            <a:spLocks/>
-          </p:cNvSpPr>
-          <p:nvPr/>
-        </p:nvSpPr>
-        <p:spPr>
-          <a:xfrm>
-            <a:off x="4937447" y="2129312"/>
-            <a:ext cx="2672178" cy="470516"/>
-          </a:xfrm>
-          <a:prstGeom prst="rect">
-            <a:avLst/>
-          </a:prstGeom>
-        </p:spPr>
-        <p:txBody>
-          <a:bodyPr vert="horz" lIns="91440" tIns="45720" rIns="91440" bIns="45720" rtlCol="0" anchor="b">
-            <a:normAutofit fontScale="97500"/>
-          </a:bodyPr>
-          <a:lstStyle>
-            <a:lvl1pPr algn="ctr" defTabSz="914400" rtl="0" eaLnBrk="1" latinLnBrk="0" hangingPunct="1">
-              <a:lnSpc>
-                <a:spcPct val="90000"/>
-              </a:lnSpc>
-              <a:spcBef>
-                <a:spcPct val="0"/>
-              </a:spcBef>
-              <a:buNone/>
-              <a:defRPr sz="6000" kern="1200">
-                <a:solidFill>
-                  <a:schemeClr val="tx1"/>
-                </a:solidFill>
-                <a:latin typeface="+mj-lt"/>
-                <a:ea typeface="+mj-ea"/>
-                <a:cs typeface="+mj-cs"/>
-              </a:defRPr>
-            </a:lvl1pPr>
-          </a:lstStyle>
-          <a:p>
-            <a:r>
-              <a:rPr lang="zh-CN" altLang="en-US" sz="2400" dirty="0">
-                <a:latin typeface="宋体" panose="02010600030101010101" pitchFamily="2" charset="-122"/>
-                <a:ea typeface="宋体" panose="02010600030101010101" pitchFamily="2" charset="-122"/>
-              </a:rPr>
-              <a:t>未登录</a:t>
-            </a:r>
-          </a:p>
-        </p:txBody>
-      </p:sp>
-      <p:sp>
-        <p:nvSpPr>
-          <p:cNvPr id="36" name="标题 1">
-            <a:extLst>
-              <a:ext uri="{FF2B5EF4-FFF2-40B4-BE49-F238E27FC236}">
-                <a16:creationId xmlns:a16="http://schemas.microsoft.com/office/drawing/2014/main" id="{0AA4D79A-B161-440A-839D-AB21A1BD8B08}"/>
-              </a:ext>
-            </a:extLst>
-          </p:cNvPr>
-          <p:cNvSpPr txBox="1">
-            <a:spLocks/>
-          </p:cNvSpPr>
-          <p:nvPr/>
-        </p:nvSpPr>
-        <p:spPr>
-          <a:xfrm>
-            <a:off x="5502863" y="4544710"/>
-            <a:ext cx="2672178" cy="470516"/>
-          </a:xfrm>
-          <a:prstGeom prst="rect">
-            <a:avLst/>
-          </a:prstGeom>
-        </p:spPr>
-        <p:txBody>
-          <a:bodyPr vert="horz" lIns="91440" tIns="45720" rIns="91440" bIns="45720" rtlCol="0" anchor="b">
-            <a:normAutofit fontScale="82500" lnSpcReduction="20000"/>
-          </a:bodyPr>
-          <a:lstStyle>
-            <a:lvl1pPr algn="ctr" defTabSz="914400" rtl="0" eaLnBrk="1" latinLnBrk="0" hangingPunct="1">
-              <a:lnSpc>
-                <a:spcPct val="90000"/>
-              </a:lnSpc>
-              <a:spcBef>
-                <a:spcPct val="0"/>
-              </a:spcBef>
-              <a:buNone/>
-              <a:defRPr sz="6000" kern="1200">
-                <a:solidFill>
-                  <a:schemeClr val="tx1"/>
-                </a:solidFill>
-                <a:latin typeface="+mj-lt"/>
-                <a:ea typeface="+mj-ea"/>
-                <a:cs typeface="+mj-cs"/>
-              </a:defRPr>
-            </a:lvl1pPr>
-          </a:lstStyle>
-          <a:p>
-            <a:r>
-              <a:rPr lang="zh-CN" altLang="en-US" sz="4000" dirty="0">
-                <a:latin typeface="宋体" panose="02010600030101010101" pitchFamily="2" charset="-122"/>
-                <a:ea typeface="宋体" panose="02010600030101010101" pitchFamily="2" charset="-122"/>
-              </a:rPr>
-              <a:t>发送消息</a:t>
-            </a:r>
-          </a:p>
-        </p:txBody>
-      </p:sp>
-      <p:sp>
-        <p:nvSpPr>
-          <p:cNvPr id="38" name="标题 1">
-            <a:extLst>
-              <a:ext uri="{FF2B5EF4-FFF2-40B4-BE49-F238E27FC236}">
-                <a16:creationId xmlns:a16="http://schemas.microsoft.com/office/drawing/2014/main" id="{F8AFCB9A-E7F1-4A08-A46C-713EBBAF016A}"/>
-              </a:ext>
-            </a:extLst>
-          </p:cNvPr>
-          <p:cNvSpPr txBox="1">
-            <a:spLocks/>
-          </p:cNvSpPr>
-          <p:nvPr/>
-        </p:nvSpPr>
-        <p:spPr>
-          <a:xfrm>
-            <a:off x="4759911" y="2971019"/>
-            <a:ext cx="2672178" cy="470516"/>
-          </a:xfrm>
-          <a:prstGeom prst="rect">
-            <a:avLst/>
-          </a:prstGeom>
-        </p:spPr>
-        <p:txBody>
-          <a:bodyPr vert="horz" lIns="91440" tIns="45720" rIns="91440" bIns="45720" rtlCol="0" anchor="b">
-            <a:normAutofit fontScale="90000" lnSpcReduction="10000"/>
-          </a:bodyPr>
-          <a:lstStyle>
-            <a:lvl1pPr algn="ctr" defTabSz="914400" rtl="0" eaLnBrk="1" latinLnBrk="0" hangingPunct="1">
-              <a:lnSpc>
-                <a:spcPct val="90000"/>
-              </a:lnSpc>
-              <a:spcBef>
-                <a:spcPct val="0"/>
-              </a:spcBef>
-              <a:buNone/>
-              <a:defRPr sz="6000" kern="1200">
-                <a:solidFill>
-                  <a:schemeClr val="tx1"/>
-                </a:solidFill>
-                <a:latin typeface="+mj-lt"/>
-                <a:ea typeface="+mj-ea"/>
-                <a:cs typeface="+mj-cs"/>
-              </a:defRPr>
-            </a:lvl1pPr>
-          </a:lstStyle>
-          <a:p>
-            <a:r>
-              <a:rPr lang="zh-CN" altLang="en-US" sz="3200" dirty="0">
-                <a:latin typeface="宋体" panose="02010600030101010101" pitchFamily="2" charset="-122"/>
-                <a:ea typeface="宋体" panose="02010600030101010101" pitchFamily="2" charset="-122"/>
-              </a:rPr>
-              <a:t>扫码登录</a:t>
-            </a:r>
-          </a:p>
-        </p:txBody>
-      </p:sp>
-      <p:cxnSp>
-        <p:nvCxnSpPr>
-          <p:cNvPr id="40" name="直接箭头连接符 39">
-            <a:extLst>
-              <a:ext uri="{FF2B5EF4-FFF2-40B4-BE49-F238E27FC236}">
-                <a16:creationId xmlns:a16="http://schemas.microsoft.com/office/drawing/2014/main" id="{3931D85F-332E-4D9F-B8E5-6343B558D585}"/>
-              </a:ext>
-            </a:extLst>
-          </p:cNvPr>
-          <p:cNvCxnSpPr>
-            <a:cxnSpLocks/>
-          </p:cNvCxnSpPr>
-          <p:nvPr/>
-        </p:nvCxnSpPr>
-        <p:spPr>
-          <a:xfrm>
-            <a:off x="7130592" y="2270940"/>
-            <a:ext cx="0" cy="2228846"/>
-          </a:xfrm>
-          <a:prstGeom prst="straightConnector1">
-            <a:avLst/>
-          </a:prstGeom>
-          <a:ln>
-            <a:tailEnd type="triangle"/>
-          </a:ln>
-        </p:spPr>
-        <p:style>
-          <a:lnRef idx="1">
-            <a:schemeClr val="accent1"/>
-          </a:lnRef>
-          <a:fillRef idx="0">
-            <a:schemeClr val="accent1"/>
-          </a:fillRef>
-          <a:effectRef idx="0">
-            <a:schemeClr val="accent1"/>
-          </a:effectRef>
-          <a:fontRef idx="minor">
-            <a:schemeClr val="tx1"/>
-          </a:fontRef>
-        </p:style>
-      </p:cxnSp>
-      <p:cxnSp>
-        <p:nvCxnSpPr>
-          <p:cNvPr id="42" name="直接箭头连接符 41">
-            <a:extLst>
-              <a:ext uri="{FF2B5EF4-FFF2-40B4-BE49-F238E27FC236}">
-                <a16:creationId xmlns:a16="http://schemas.microsoft.com/office/drawing/2014/main" id="{2F7BD5BE-4D47-4443-BEDD-32E9958BAD43}"/>
-              </a:ext>
-            </a:extLst>
-          </p:cNvPr>
-          <p:cNvCxnSpPr>
-            <a:cxnSpLocks/>
-            <a:endCxn id="36" idx="0"/>
-          </p:cNvCxnSpPr>
-          <p:nvPr/>
-        </p:nvCxnSpPr>
-        <p:spPr>
-          <a:xfrm>
-            <a:off x="5983738" y="3433605"/>
-            <a:ext cx="855214" cy="1111105"/>
-          </a:xfrm>
-          <a:prstGeom prst="straightConnector1">
-            <a:avLst/>
-          </a:prstGeom>
-          <a:ln>
-            <a:tailEnd type="triangle"/>
-          </a:ln>
-        </p:spPr>
-        <p:style>
-          <a:lnRef idx="1">
-            <a:schemeClr val="accent1"/>
-          </a:lnRef>
-          <a:fillRef idx="0">
-            <a:schemeClr val="accent1"/>
-          </a:fillRef>
-          <a:effectRef idx="0">
-            <a:schemeClr val="accent1"/>
-          </a:effectRef>
-          <a:fontRef idx="minor">
-            <a:schemeClr val="tx1"/>
-          </a:fontRef>
-        </p:style>
-      </p:cxnSp>
-      <p:sp>
-        <p:nvSpPr>
-          <p:cNvPr id="43" name="标题 1">
-            <a:extLst>
-              <a:ext uri="{FF2B5EF4-FFF2-40B4-BE49-F238E27FC236}">
-                <a16:creationId xmlns:a16="http://schemas.microsoft.com/office/drawing/2014/main" id="{7E821F99-1F08-4B4A-8BB2-CE9553067768}"/>
-              </a:ext>
-            </a:extLst>
-          </p:cNvPr>
-          <p:cNvSpPr txBox="1">
-            <a:spLocks/>
-          </p:cNvSpPr>
-          <p:nvPr/>
-        </p:nvSpPr>
-        <p:spPr>
-          <a:xfrm>
-            <a:off x="6139806" y="3026754"/>
-            <a:ext cx="2672178" cy="470516"/>
-          </a:xfrm>
-          <a:prstGeom prst="rect">
-            <a:avLst/>
-          </a:prstGeom>
-        </p:spPr>
-        <p:txBody>
-          <a:bodyPr vert="horz" lIns="91440" tIns="45720" rIns="91440" bIns="45720" rtlCol="0" anchor="b">
-            <a:normAutofit fontScale="97500"/>
-          </a:bodyPr>
-          <a:lstStyle>
-            <a:lvl1pPr algn="ctr" defTabSz="914400" rtl="0" eaLnBrk="1" latinLnBrk="0" hangingPunct="1">
-              <a:lnSpc>
-                <a:spcPct val="90000"/>
-              </a:lnSpc>
-              <a:spcBef>
-                <a:spcPct val="0"/>
-              </a:spcBef>
-              <a:buNone/>
-              <a:defRPr sz="6000" kern="1200">
-                <a:solidFill>
-                  <a:schemeClr val="tx1"/>
-                </a:solidFill>
-                <a:latin typeface="+mj-lt"/>
-                <a:ea typeface="+mj-ea"/>
-                <a:cs typeface="+mj-cs"/>
-              </a:defRPr>
-            </a:lvl1pPr>
-          </a:lstStyle>
-          <a:p>
-            <a:r>
-              <a:rPr lang="zh-CN" altLang="en-US" sz="2400" dirty="0">
-                <a:solidFill>
-                  <a:srgbClr val="FF0000"/>
-                </a:solidFill>
-                <a:latin typeface="宋体" panose="02010600030101010101" pitchFamily="2" charset="-122"/>
-                <a:ea typeface="宋体" panose="02010600030101010101" pitchFamily="2" charset="-122"/>
-              </a:rPr>
-              <a:t>内容</a:t>
-            </a:r>
-          </a:p>
-        </p:txBody>
-      </p:sp>
-      <p:cxnSp>
-        <p:nvCxnSpPr>
-          <p:cNvPr id="48" name="连接符: 曲线 47">
-            <a:extLst>
-              <a:ext uri="{FF2B5EF4-FFF2-40B4-BE49-F238E27FC236}">
-                <a16:creationId xmlns:a16="http://schemas.microsoft.com/office/drawing/2014/main" id="{5959AF0C-1920-43AC-A50F-5197E395BA0A}"/>
-              </a:ext>
-            </a:extLst>
-          </p:cNvPr>
-          <p:cNvCxnSpPr>
-            <a:endCxn id="19" idx="1"/>
-          </p:cNvCxnSpPr>
-          <p:nvPr/>
-        </p:nvCxnSpPr>
-        <p:spPr>
-          <a:xfrm rot="5400000" flipH="1" flipV="1">
-            <a:off x="-163939" y="2982381"/>
-            <a:ext cx="1480864" cy="808979"/>
-          </a:xfrm>
-          <a:prstGeom prst="curvedConnector2">
-            <a:avLst/>
-          </a:prstGeom>
-          <a:ln>
-            <a:tailEnd type="triangle"/>
-          </a:ln>
-        </p:spPr>
-        <p:style>
-          <a:lnRef idx="1">
-            <a:schemeClr val="accent1"/>
-          </a:lnRef>
-          <a:fillRef idx="0">
-            <a:schemeClr val="accent1"/>
-          </a:fillRef>
-          <a:effectRef idx="0">
-            <a:schemeClr val="accent1"/>
-          </a:effectRef>
-          <a:fontRef idx="minor">
-            <a:schemeClr val="tx1"/>
-          </a:fontRef>
-        </p:style>
-      </p:cxnSp>
-      <p:sp>
-        <p:nvSpPr>
-          <p:cNvPr id="49" name="标题 1">
-            <a:extLst>
-              <a:ext uri="{FF2B5EF4-FFF2-40B4-BE49-F238E27FC236}">
-                <a16:creationId xmlns:a16="http://schemas.microsoft.com/office/drawing/2014/main" id="{80713020-A6FE-475E-8B2E-5CBBD3C60278}"/>
-              </a:ext>
-            </a:extLst>
-          </p:cNvPr>
-          <p:cNvSpPr txBox="1">
-            <a:spLocks/>
-          </p:cNvSpPr>
-          <p:nvPr/>
-        </p:nvSpPr>
-        <p:spPr>
-          <a:xfrm>
-            <a:off x="-677661" y="4179167"/>
-            <a:ext cx="2672178" cy="470516"/>
-          </a:xfrm>
-          <a:prstGeom prst="rect">
-            <a:avLst/>
-          </a:prstGeom>
-        </p:spPr>
-        <p:txBody>
-          <a:bodyPr vert="horz" lIns="91440" tIns="45720" rIns="91440" bIns="45720" rtlCol="0" anchor="b">
-            <a:normAutofit fontScale="82500" lnSpcReduction="20000"/>
-          </a:bodyPr>
-          <a:lstStyle>
-            <a:lvl1pPr algn="ctr" defTabSz="914400" rtl="0" eaLnBrk="1" latinLnBrk="0" hangingPunct="1">
-              <a:lnSpc>
-                <a:spcPct val="90000"/>
-              </a:lnSpc>
-              <a:spcBef>
-                <a:spcPct val="0"/>
-              </a:spcBef>
-              <a:buNone/>
-              <a:defRPr sz="6000" kern="1200">
-                <a:solidFill>
-                  <a:schemeClr val="tx1"/>
-                </a:solidFill>
-                <a:latin typeface="+mj-lt"/>
-                <a:ea typeface="+mj-ea"/>
-                <a:cs typeface="+mj-cs"/>
-              </a:defRPr>
-            </a:lvl1pPr>
-          </a:lstStyle>
-          <a:p>
-            <a:r>
-              <a:rPr lang="zh-CN" altLang="en-US" sz="4000" dirty="0">
-                <a:solidFill>
-                  <a:srgbClr val="FF0000"/>
-                </a:solidFill>
-                <a:latin typeface="宋体" panose="02010600030101010101" pitchFamily="2" charset="-122"/>
-                <a:ea typeface="宋体" panose="02010600030101010101" pitchFamily="2" charset="-122"/>
-              </a:rPr>
-              <a:t>换一首</a:t>
-            </a:r>
-          </a:p>
-        </p:txBody>
-      </p:sp>
-      <p:cxnSp>
-        <p:nvCxnSpPr>
-          <p:cNvPr id="52" name="直接箭头连接符 51">
-            <a:extLst>
-              <a:ext uri="{FF2B5EF4-FFF2-40B4-BE49-F238E27FC236}">
-                <a16:creationId xmlns:a16="http://schemas.microsoft.com/office/drawing/2014/main" id="{B4E88D0D-45A9-49B8-9EAE-2C7D838016F9}"/>
-              </a:ext>
-            </a:extLst>
-          </p:cNvPr>
-          <p:cNvCxnSpPr>
-            <a:stCxn id="21" idx="2"/>
-          </p:cNvCxnSpPr>
-          <p:nvPr/>
-        </p:nvCxnSpPr>
-        <p:spPr>
-          <a:xfrm flipH="1">
-            <a:off x="1566838" y="3728950"/>
-            <a:ext cx="7029" cy="406895"/>
-          </a:xfrm>
-          <a:prstGeom prst="straightConnector1">
-            <a:avLst/>
-          </a:prstGeom>
-          <a:ln>
-            <a:tailEnd type="triangle"/>
-          </a:ln>
-        </p:spPr>
-        <p:style>
-          <a:lnRef idx="1">
-            <a:schemeClr val="accent1"/>
-          </a:lnRef>
-          <a:fillRef idx="0">
-            <a:schemeClr val="accent1"/>
-          </a:fillRef>
-          <a:effectRef idx="0">
-            <a:schemeClr val="accent1"/>
-          </a:effectRef>
-          <a:fontRef idx="minor">
-            <a:schemeClr val="tx1"/>
-          </a:fontRef>
-        </p:style>
-      </p:cxnSp>
-      <p:cxnSp>
-        <p:nvCxnSpPr>
-          <p:cNvPr id="55" name="连接符: 曲线 54">
-            <a:extLst>
-              <a:ext uri="{FF2B5EF4-FFF2-40B4-BE49-F238E27FC236}">
-                <a16:creationId xmlns:a16="http://schemas.microsoft.com/office/drawing/2014/main" id="{90D21BB7-70B4-47C8-BE9C-AD7FF4CC74A9}"/>
-              </a:ext>
-            </a:extLst>
-          </p:cNvPr>
-          <p:cNvCxnSpPr>
-            <a:cxnSpLocks/>
-          </p:cNvCxnSpPr>
-          <p:nvPr/>
-        </p:nvCxnSpPr>
-        <p:spPr>
-          <a:xfrm rot="16200000" flipV="1">
-            <a:off x="3937345" y="2215085"/>
-            <a:ext cx="4174498" cy="1693429"/>
-          </a:xfrm>
-          <a:prstGeom prst="curvedConnector3">
-            <a:avLst>
-              <a:gd name="adj1" fmla="val -11247"/>
-            </a:avLst>
-          </a:prstGeom>
-          <a:ln>
-            <a:tailEnd type="triangle"/>
-          </a:ln>
-        </p:spPr>
-        <p:style>
-          <a:lnRef idx="1">
-            <a:schemeClr val="accent1"/>
-          </a:lnRef>
-          <a:fillRef idx="0">
-            <a:schemeClr val="accent1"/>
-          </a:fillRef>
-          <a:effectRef idx="0">
-            <a:schemeClr val="accent1"/>
-          </a:effectRef>
-          <a:fontRef idx="minor">
-            <a:schemeClr val="tx1"/>
-          </a:fontRef>
-        </p:style>
-      </p:cxnSp>
-      <p:cxnSp>
-        <p:nvCxnSpPr>
-          <p:cNvPr id="61" name="连接符: 曲线 60">
-            <a:extLst>
-              <a:ext uri="{FF2B5EF4-FFF2-40B4-BE49-F238E27FC236}">
-                <a16:creationId xmlns:a16="http://schemas.microsoft.com/office/drawing/2014/main" id="{CBD8E6F0-4CC3-461A-975C-41AE0BB74B36}"/>
-              </a:ext>
-            </a:extLst>
-          </p:cNvPr>
-          <p:cNvCxnSpPr>
-            <a:cxnSpLocks/>
-          </p:cNvCxnSpPr>
-          <p:nvPr/>
-        </p:nvCxnSpPr>
-        <p:spPr>
-          <a:xfrm rot="5400000" flipH="1" flipV="1">
-            <a:off x="4180274" y="4141141"/>
-            <a:ext cx="920897" cy="578162"/>
-          </a:xfrm>
-          <a:prstGeom prst="curvedConnector3">
-            <a:avLst>
-              <a:gd name="adj1" fmla="val -2057"/>
-            </a:avLst>
-          </a:prstGeom>
-          <a:ln>
-            <a:tailEnd type="triangle"/>
-          </a:ln>
-        </p:spPr>
-        <p:style>
-          <a:lnRef idx="1">
-            <a:schemeClr val="accent1"/>
-          </a:lnRef>
-          <a:fillRef idx="0">
-            <a:schemeClr val="accent1"/>
-          </a:fillRef>
-          <a:effectRef idx="0">
-            <a:schemeClr val="accent1"/>
-          </a:effectRef>
-          <a:fontRef idx="minor">
-            <a:schemeClr val="tx1"/>
-          </a:fontRef>
-        </p:style>
-      </p:cxnSp>
-      <p:cxnSp>
-        <p:nvCxnSpPr>
-          <p:cNvPr id="65" name="直接箭头连接符 64">
-            <a:extLst>
-              <a:ext uri="{FF2B5EF4-FFF2-40B4-BE49-F238E27FC236}">
-                <a16:creationId xmlns:a16="http://schemas.microsoft.com/office/drawing/2014/main" id="{F66E781C-467F-41B3-A623-2B38092A2074}"/>
-              </a:ext>
-            </a:extLst>
-          </p:cNvPr>
-          <p:cNvCxnSpPr>
-            <a:cxnSpLocks/>
-          </p:cNvCxnSpPr>
-          <p:nvPr/>
-        </p:nvCxnSpPr>
-        <p:spPr>
-          <a:xfrm>
-            <a:off x="2041027" y="4980373"/>
-            <a:ext cx="1583662" cy="1112400"/>
-          </a:xfrm>
-          <a:prstGeom prst="straightConnector1">
-            <a:avLst/>
-          </a:prstGeom>
-          <a:ln>
-            <a:tailEnd type="triangle"/>
-          </a:ln>
-        </p:spPr>
-        <p:style>
-          <a:lnRef idx="1">
-            <a:schemeClr val="accent1"/>
-          </a:lnRef>
-          <a:fillRef idx="0">
-            <a:schemeClr val="accent1"/>
-          </a:fillRef>
-          <a:effectRef idx="0">
-            <a:schemeClr val="accent1"/>
-          </a:effectRef>
-          <a:fontRef idx="minor">
-            <a:schemeClr val="tx1"/>
-          </a:fontRef>
-        </p:style>
-      </p:cxnSp>
-      <p:cxnSp>
-        <p:nvCxnSpPr>
-          <p:cNvPr id="67" name="直接箭头连接符 66">
-            <a:extLst>
-              <a:ext uri="{FF2B5EF4-FFF2-40B4-BE49-F238E27FC236}">
-                <a16:creationId xmlns:a16="http://schemas.microsoft.com/office/drawing/2014/main" id="{838367F2-D889-4802-82B0-335218A307FF}"/>
-              </a:ext>
-            </a:extLst>
-          </p:cNvPr>
-          <p:cNvCxnSpPr>
-            <a:cxnSpLocks/>
-          </p:cNvCxnSpPr>
-          <p:nvPr/>
-        </p:nvCxnSpPr>
-        <p:spPr>
-          <a:xfrm>
-            <a:off x="4029072" y="4854219"/>
-            <a:ext cx="377931" cy="820123"/>
-          </a:xfrm>
-          <a:prstGeom prst="straightConnector1">
-            <a:avLst/>
-          </a:prstGeom>
-          <a:ln>
-            <a:tailEnd type="triangle"/>
-          </a:ln>
-        </p:spPr>
-        <p:style>
-          <a:lnRef idx="1">
-            <a:schemeClr val="accent1"/>
-          </a:lnRef>
-          <a:fillRef idx="0">
-            <a:schemeClr val="accent1"/>
-          </a:fillRef>
-          <a:effectRef idx="0">
-            <a:schemeClr val="accent1"/>
-          </a:effectRef>
-          <a:fontRef idx="minor">
-            <a:schemeClr val="tx1"/>
-          </a:fontRef>
-        </p:style>
-      </p:cxnSp>
-      <p:sp>
-        <p:nvSpPr>
-          <p:cNvPr id="68" name="标题 1">
-            <a:extLst>
-              <a:ext uri="{FF2B5EF4-FFF2-40B4-BE49-F238E27FC236}">
-                <a16:creationId xmlns:a16="http://schemas.microsoft.com/office/drawing/2014/main" id="{5DCCAF36-695B-412E-938B-6CC3CC69BFCC}"/>
-              </a:ext>
-            </a:extLst>
-          </p:cNvPr>
-          <p:cNvSpPr txBox="1">
-            <a:spLocks/>
-          </p:cNvSpPr>
-          <p:nvPr/>
-        </p:nvSpPr>
-        <p:spPr>
-          <a:xfrm>
-            <a:off x="2844369" y="5857515"/>
-            <a:ext cx="2672178" cy="470516"/>
-          </a:xfrm>
-          <a:prstGeom prst="rect">
-            <a:avLst/>
-          </a:prstGeom>
-        </p:spPr>
-        <p:txBody>
-          <a:bodyPr vert="horz" lIns="91440" tIns="45720" rIns="91440" bIns="45720" rtlCol="0" anchor="b">
-            <a:normAutofit fontScale="82500" lnSpcReduction="20000"/>
-          </a:bodyPr>
-          <a:lstStyle>
-            <a:lvl1pPr algn="ctr" defTabSz="914400" rtl="0" eaLnBrk="1" latinLnBrk="0" hangingPunct="1">
-              <a:lnSpc>
-                <a:spcPct val="90000"/>
-              </a:lnSpc>
-              <a:spcBef>
-                <a:spcPct val="0"/>
-              </a:spcBef>
-              <a:buNone/>
-              <a:defRPr sz="6000" kern="1200">
-                <a:solidFill>
-                  <a:schemeClr val="tx1"/>
-                </a:solidFill>
-                <a:latin typeface="+mj-lt"/>
-                <a:ea typeface="+mj-ea"/>
-                <a:cs typeface="+mj-cs"/>
-              </a:defRPr>
-            </a:lvl1pPr>
-          </a:lstStyle>
-          <a:p>
-            <a:r>
-              <a:rPr lang="zh-CN" altLang="en-US" sz="4000" dirty="0">
-                <a:solidFill>
-                  <a:srgbClr val="FF0000"/>
-                </a:solidFill>
-                <a:latin typeface="宋体" panose="02010600030101010101" pitchFamily="2" charset="-122"/>
-                <a:ea typeface="宋体" panose="02010600030101010101" pitchFamily="2" charset="-122"/>
-              </a:rPr>
-              <a:t>返回</a:t>
-            </a:r>
-          </a:p>
-        </p:txBody>
-      </p:sp>
-      <p:cxnSp>
-        <p:nvCxnSpPr>
-          <p:cNvPr id="73" name="直接箭头连接符 72">
-            <a:extLst>
-              <a:ext uri="{FF2B5EF4-FFF2-40B4-BE49-F238E27FC236}">
-                <a16:creationId xmlns:a16="http://schemas.microsoft.com/office/drawing/2014/main" id="{5D7C6FE0-5D6B-411A-98AF-7701B48E9A5F}"/>
-              </a:ext>
-            </a:extLst>
-          </p:cNvPr>
-          <p:cNvCxnSpPr>
-            <a:cxnSpLocks/>
-          </p:cNvCxnSpPr>
-          <p:nvPr/>
-        </p:nvCxnSpPr>
-        <p:spPr>
-          <a:xfrm flipV="1">
-            <a:off x="3417186" y="1071581"/>
-            <a:ext cx="11169" cy="4627564"/>
-          </a:xfrm>
-          <a:prstGeom prst="straightConnector1">
-            <a:avLst/>
-          </a:prstGeom>
-          <a:ln>
-            <a:tailEnd type="triangle"/>
-          </a:ln>
-        </p:spPr>
-        <p:style>
-          <a:lnRef idx="1">
-            <a:schemeClr val="accent1"/>
-          </a:lnRef>
-          <a:fillRef idx="0">
-            <a:schemeClr val="accent1"/>
-          </a:fillRef>
-          <a:effectRef idx="0">
-            <a:schemeClr val="accent1"/>
-          </a:effectRef>
-          <a:fontRef idx="minor">
-            <a:schemeClr val="tx1"/>
-          </a:fontRef>
-        </p:style>
-      </p:cxnSp>
-      <p:sp>
-        <p:nvSpPr>
-          <p:cNvPr id="50" name="标题 1">
-            <a:extLst>
-              <a:ext uri="{FF2B5EF4-FFF2-40B4-BE49-F238E27FC236}">
-                <a16:creationId xmlns:a16="http://schemas.microsoft.com/office/drawing/2014/main" id="{9F5DF600-E8F1-4933-80E2-FC9D7F7DEB06}"/>
-              </a:ext>
-            </a:extLst>
-          </p:cNvPr>
-          <p:cNvSpPr txBox="1">
-            <a:spLocks/>
-          </p:cNvSpPr>
-          <p:nvPr/>
-        </p:nvSpPr>
-        <p:spPr>
-          <a:xfrm>
-            <a:off x="7292788" y="1727607"/>
-            <a:ext cx="2672178" cy="470516"/>
-          </a:xfrm>
-          <a:prstGeom prst="rect">
-            <a:avLst/>
-          </a:prstGeom>
-        </p:spPr>
-        <p:txBody>
-          <a:bodyPr vert="horz" lIns="91440" tIns="45720" rIns="91440" bIns="45720" rtlCol="0" anchor="b">
-            <a:normAutofit fontScale="82500" lnSpcReduction="20000"/>
-          </a:bodyPr>
-          <a:lstStyle>
-            <a:lvl1pPr algn="ctr" defTabSz="914400" rtl="0" eaLnBrk="1" latinLnBrk="0" hangingPunct="1">
-              <a:lnSpc>
-                <a:spcPct val="90000"/>
-              </a:lnSpc>
-              <a:spcBef>
-                <a:spcPct val="0"/>
-              </a:spcBef>
-              <a:buNone/>
-              <a:defRPr sz="6000" kern="1200">
-                <a:solidFill>
-                  <a:schemeClr val="tx1"/>
-                </a:solidFill>
-                <a:latin typeface="+mj-lt"/>
-                <a:ea typeface="+mj-ea"/>
-                <a:cs typeface="+mj-cs"/>
-              </a:defRPr>
-            </a:lvl1pPr>
-          </a:lstStyle>
-          <a:p>
-            <a:r>
-              <a:rPr lang="zh-CN" altLang="en-US" sz="4000" dirty="0">
-                <a:solidFill>
-                  <a:srgbClr val="0070C0"/>
-                </a:solidFill>
-                <a:latin typeface="宋体" panose="02010600030101010101" pitchFamily="2" charset="-122"/>
-                <a:ea typeface="宋体" panose="02010600030101010101" pitchFamily="2" charset="-122"/>
-              </a:rPr>
-              <a:t>文字识别</a:t>
-            </a:r>
-          </a:p>
-        </p:txBody>
-      </p:sp>
-      <p:sp>
-        <p:nvSpPr>
-          <p:cNvPr id="51" name="标题 1">
-            <a:extLst>
-              <a:ext uri="{FF2B5EF4-FFF2-40B4-BE49-F238E27FC236}">
-                <a16:creationId xmlns:a16="http://schemas.microsoft.com/office/drawing/2014/main" id="{E5253A34-14AD-41A6-AEFF-6E0E7164F839}"/>
-              </a:ext>
-            </a:extLst>
-          </p:cNvPr>
-          <p:cNvSpPr txBox="1">
-            <a:spLocks/>
-          </p:cNvSpPr>
-          <p:nvPr/>
-        </p:nvSpPr>
-        <p:spPr>
-          <a:xfrm>
-            <a:off x="6532825" y="626527"/>
-            <a:ext cx="2672178" cy="470516"/>
-          </a:xfrm>
-          <a:prstGeom prst="rect">
-            <a:avLst/>
-          </a:prstGeom>
-        </p:spPr>
-        <p:txBody>
-          <a:bodyPr vert="horz" lIns="91440" tIns="45720" rIns="91440" bIns="45720" rtlCol="0" anchor="b">
-            <a:normAutofit fontScale="97500"/>
-          </a:bodyPr>
-          <a:lstStyle>
-            <a:lvl1pPr algn="ctr" defTabSz="914400" rtl="0" eaLnBrk="1" latinLnBrk="0" hangingPunct="1">
-              <a:lnSpc>
-                <a:spcPct val="90000"/>
-              </a:lnSpc>
-              <a:spcBef>
-                <a:spcPct val="0"/>
-              </a:spcBef>
-              <a:buNone/>
-              <a:defRPr sz="6000" kern="1200">
-                <a:solidFill>
-                  <a:schemeClr val="tx1"/>
-                </a:solidFill>
-                <a:latin typeface="+mj-lt"/>
-                <a:ea typeface="+mj-ea"/>
-                <a:cs typeface="+mj-cs"/>
-              </a:defRPr>
-            </a:lvl1pPr>
-          </a:lstStyle>
-          <a:p>
-            <a:r>
-              <a:rPr lang="zh-CN" altLang="en-US" sz="2800" dirty="0">
-                <a:solidFill>
-                  <a:srgbClr val="FF0000"/>
-                </a:solidFill>
-                <a:latin typeface="宋体" panose="02010600030101010101" pitchFamily="2" charset="-122"/>
-                <a:ea typeface="宋体" panose="02010600030101010101" pitchFamily="2" charset="-122"/>
-              </a:rPr>
-              <a:t>文字识别</a:t>
-            </a:r>
-          </a:p>
-        </p:txBody>
-      </p:sp>
-      <p:cxnSp>
-        <p:nvCxnSpPr>
-          <p:cNvPr id="53" name="直接箭头连接符 52">
-            <a:extLst>
-              <a:ext uri="{FF2B5EF4-FFF2-40B4-BE49-F238E27FC236}">
-                <a16:creationId xmlns:a16="http://schemas.microsoft.com/office/drawing/2014/main" id="{71BC6A78-D1FD-47C6-A94C-B18FBB4FC29A}"/>
-              </a:ext>
-            </a:extLst>
-          </p:cNvPr>
-          <p:cNvCxnSpPr>
-            <a:cxnSpLocks/>
-          </p:cNvCxnSpPr>
-          <p:nvPr/>
-        </p:nvCxnSpPr>
-        <p:spPr>
-          <a:xfrm>
-            <a:off x="6379891" y="705871"/>
-            <a:ext cx="1959176" cy="968532"/>
-          </a:xfrm>
-          <a:prstGeom prst="straightConnector1">
-            <a:avLst/>
-          </a:prstGeom>
-          <a:ln>
-            <a:tailEnd type="triangle"/>
-          </a:ln>
-        </p:spPr>
-        <p:style>
-          <a:lnRef idx="1">
-            <a:schemeClr val="accent1"/>
-          </a:lnRef>
-          <a:fillRef idx="0">
-            <a:schemeClr val="accent1"/>
-          </a:fillRef>
-          <a:effectRef idx="0">
-            <a:schemeClr val="accent1"/>
-          </a:effectRef>
-          <a:fontRef idx="minor">
-            <a:schemeClr val="tx1"/>
-          </a:fontRef>
-        </p:style>
-      </p:cxnSp>
-      <p:cxnSp>
-        <p:nvCxnSpPr>
-          <p:cNvPr id="54" name="直接箭头连接符 53">
-            <a:extLst>
-              <a:ext uri="{FF2B5EF4-FFF2-40B4-BE49-F238E27FC236}">
-                <a16:creationId xmlns:a16="http://schemas.microsoft.com/office/drawing/2014/main" id="{2AFF1A5F-9FC7-4386-8541-87458BEF87D7}"/>
-              </a:ext>
-            </a:extLst>
-          </p:cNvPr>
-          <p:cNvCxnSpPr>
-            <a:cxnSpLocks/>
-          </p:cNvCxnSpPr>
-          <p:nvPr/>
-        </p:nvCxnSpPr>
-        <p:spPr>
-          <a:xfrm>
-            <a:off x="8887605" y="2327112"/>
-            <a:ext cx="0" cy="2228846"/>
-          </a:xfrm>
-          <a:prstGeom prst="straightConnector1">
-            <a:avLst/>
-          </a:prstGeom>
-          <a:ln>
-            <a:tailEnd type="triangle"/>
-          </a:ln>
-        </p:spPr>
-        <p:style>
-          <a:lnRef idx="1">
-            <a:schemeClr val="accent1"/>
-          </a:lnRef>
-          <a:fillRef idx="0">
-            <a:schemeClr val="accent1"/>
-          </a:fillRef>
-          <a:effectRef idx="0">
-            <a:schemeClr val="accent1"/>
-          </a:effectRef>
-          <a:fontRef idx="minor">
-            <a:schemeClr val="tx1"/>
-          </a:fontRef>
-        </p:style>
-      </p:cxnSp>
-      <p:sp>
-        <p:nvSpPr>
-          <p:cNvPr id="56" name="标题 1">
-            <a:extLst>
-              <a:ext uri="{FF2B5EF4-FFF2-40B4-BE49-F238E27FC236}">
-                <a16:creationId xmlns:a16="http://schemas.microsoft.com/office/drawing/2014/main" id="{1E53E6A0-9CD8-40AA-AEF7-1CA7248A4699}"/>
-              </a:ext>
-            </a:extLst>
-          </p:cNvPr>
-          <p:cNvSpPr txBox="1">
-            <a:spLocks/>
-          </p:cNvSpPr>
-          <p:nvPr/>
-        </p:nvSpPr>
-        <p:spPr>
-          <a:xfrm>
-            <a:off x="6955041" y="2461323"/>
-            <a:ext cx="2672178" cy="470516"/>
-          </a:xfrm>
-          <a:prstGeom prst="rect">
-            <a:avLst/>
-          </a:prstGeom>
-        </p:spPr>
-        <p:txBody>
-          <a:bodyPr vert="horz" lIns="91440" tIns="45720" rIns="91440" bIns="45720" rtlCol="0" anchor="b">
-            <a:normAutofit fontScale="97500"/>
-          </a:bodyPr>
-          <a:lstStyle>
-            <a:lvl1pPr algn="ctr" defTabSz="914400" rtl="0" eaLnBrk="1" latinLnBrk="0" hangingPunct="1">
-              <a:lnSpc>
-                <a:spcPct val="90000"/>
-              </a:lnSpc>
-              <a:spcBef>
-                <a:spcPct val="0"/>
-              </a:spcBef>
-              <a:buNone/>
-              <a:defRPr sz="6000" kern="1200">
-                <a:solidFill>
-                  <a:schemeClr val="tx1"/>
-                </a:solidFill>
-                <a:latin typeface="+mj-lt"/>
-                <a:ea typeface="+mj-ea"/>
-                <a:cs typeface="+mj-cs"/>
-              </a:defRPr>
-            </a:lvl1pPr>
-          </a:lstStyle>
-          <a:p>
-            <a:r>
-              <a:rPr lang="zh-CN" altLang="en-US" sz="2400" dirty="0">
-                <a:solidFill>
-                  <a:srgbClr val="FF0000"/>
-                </a:solidFill>
-                <a:latin typeface="宋体" panose="02010600030101010101" pitchFamily="2" charset="-122"/>
-                <a:ea typeface="宋体" panose="02010600030101010101" pitchFamily="2" charset="-122"/>
-              </a:rPr>
-              <a:t>这是什么</a:t>
-            </a:r>
-          </a:p>
-        </p:txBody>
-      </p:sp>
-      <p:sp>
-        <p:nvSpPr>
-          <p:cNvPr id="57" name="标题 1">
-            <a:extLst>
-              <a:ext uri="{FF2B5EF4-FFF2-40B4-BE49-F238E27FC236}">
-                <a16:creationId xmlns:a16="http://schemas.microsoft.com/office/drawing/2014/main" id="{09EB86B4-1C86-409D-B23C-DE9037AF839F}"/>
-              </a:ext>
-            </a:extLst>
-          </p:cNvPr>
-          <p:cNvSpPr txBox="1">
-            <a:spLocks/>
-          </p:cNvSpPr>
-          <p:nvPr/>
-        </p:nvSpPr>
-        <p:spPr>
-          <a:xfrm>
-            <a:off x="7605895" y="4609162"/>
-            <a:ext cx="2672178" cy="470516"/>
-          </a:xfrm>
-          <a:prstGeom prst="rect">
-            <a:avLst/>
-          </a:prstGeom>
-        </p:spPr>
-        <p:txBody>
-          <a:bodyPr vert="horz" lIns="91440" tIns="45720" rIns="91440" bIns="45720" rtlCol="0" anchor="b">
-            <a:normAutofit fontScale="52500" lnSpcReduction="20000"/>
-          </a:bodyPr>
-          <a:lstStyle>
-            <a:lvl1pPr algn="ctr" defTabSz="914400" rtl="0" eaLnBrk="1" latinLnBrk="0" hangingPunct="1">
-              <a:lnSpc>
-                <a:spcPct val="90000"/>
-              </a:lnSpc>
-              <a:spcBef>
-                <a:spcPct val="0"/>
-              </a:spcBef>
-              <a:buNone/>
-              <a:defRPr sz="6000" kern="1200">
-                <a:solidFill>
-                  <a:schemeClr val="tx1"/>
-                </a:solidFill>
-                <a:latin typeface="+mj-lt"/>
-                <a:ea typeface="+mj-ea"/>
-                <a:cs typeface="+mj-cs"/>
-              </a:defRPr>
-            </a:lvl1pPr>
-          </a:lstStyle>
-          <a:p>
-            <a:r>
-              <a:rPr lang="zh-CN" altLang="en-US" sz="4000" dirty="0">
-                <a:latin typeface="宋体" panose="02010600030101010101" pitchFamily="2" charset="-122"/>
-                <a:ea typeface="宋体" panose="02010600030101010101" pitchFamily="2" charset="-122"/>
-              </a:rPr>
-              <a:t>摄像头拍照进行</a:t>
-            </a:r>
-            <a:r>
-              <a:rPr lang="en-US" altLang="zh-CN" sz="4000" dirty="0">
-                <a:latin typeface="宋体" panose="02010600030101010101" pitchFamily="2" charset="-122"/>
-                <a:ea typeface="宋体" panose="02010600030101010101" pitchFamily="2" charset="-122"/>
-              </a:rPr>
-              <a:t>OCR</a:t>
-            </a:r>
-            <a:endParaRPr lang="zh-CN" altLang="en-US" sz="4000" dirty="0">
-              <a:latin typeface="宋体" panose="02010600030101010101" pitchFamily="2" charset="-122"/>
-              <a:ea typeface="宋体" panose="02010600030101010101" pitchFamily="2" charset="-122"/>
-            </a:endParaRPr>
-          </a:p>
-        </p:txBody>
-      </p:sp>
-      <p:cxnSp>
-        <p:nvCxnSpPr>
-          <p:cNvPr id="58" name="直接箭头连接符 57">
-            <a:extLst>
-              <a:ext uri="{FF2B5EF4-FFF2-40B4-BE49-F238E27FC236}">
-                <a16:creationId xmlns:a16="http://schemas.microsoft.com/office/drawing/2014/main" id="{E337C84F-2726-49A6-B21B-FFC81573F79B}"/>
-              </a:ext>
-            </a:extLst>
-          </p:cNvPr>
-          <p:cNvCxnSpPr>
-            <a:cxnSpLocks/>
-          </p:cNvCxnSpPr>
-          <p:nvPr/>
-        </p:nvCxnSpPr>
-        <p:spPr>
-          <a:xfrm flipH="1">
-            <a:off x="4870122" y="5164915"/>
-            <a:ext cx="3180442" cy="800879"/>
-          </a:xfrm>
-          <a:prstGeom prst="straightConnector1">
-            <a:avLst/>
-          </a:prstGeom>
-          <a:ln>
-            <a:tailEnd type="triangle"/>
-          </a:ln>
-        </p:spPr>
-        <p:style>
-          <a:lnRef idx="1">
-            <a:schemeClr val="accent1"/>
-          </a:lnRef>
-          <a:fillRef idx="0">
-            <a:schemeClr val="accent1"/>
-          </a:fillRef>
-          <a:effectRef idx="0">
-            <a:schemeClr val="accent1"/>
-          </a:effectRef>
-          <a:fontRef idx="minor">
-            <a:schemeClr val="tx1"/>
-          </a:fontRef>
-        </p:style>
-      </p:cxnSp>
-      <p:sp>
-        <p:nvSpPr>
-          <p:cNvPr id="47" name="标题 1">
-            <a:extLst>
-              <a:ext uri="{FF2B5EF4-FFF2-40B4-BE49-F238E27FC236}">
-                <a16:creationId xmlns:a16="http://schemas.microsoft.com/office/drawing/2014/main" id="{F0061A2D-8AFB-4D7B-86B7-67B0799E58D3}"/>
-              </a:ext>
-            </a:extLst>
-          </p:cNvPr>
-          <p:cNvSpPr txBox="1">
-            <a:spLocks/>
-          </p:cNvSpPr>
-          <p:nvPr/>
-        </p:nvSpPr>
-        <p:spPr>
-          <a:xfrm>
-            <a:off x="9412896" y="1770226"/>
-            <a:ext cx="2672178" cy="470516"/>
-          </a:xfrm>
-          <a:prstGeom prst="rect">
-            <a:avLst/>
-          </a:prstGeom>
-        </p:spPr>
-        <p:txBody>
-          <a:bodyPr vert="horz" lIns="91440" tIns="45720" rIns="91440" bIns="45720" rtlCol="0" anchor="b">
-            <a:normAutofit fontScale="82500" lnSpcReduction="20000"/>
-          </a:bodyPr>
-          <a:lstStyle>
-            <a:lvl1pPr algn="ctr" defTabSz="914400" rtl="0" eaLnBrk="1" latinLnBrk="0" hangingPunct="1">
-              <a:lnSpc>
-                <a:spcPct val="90000"/>
-              </a:lnSpc>
-              <a:spcBef>
-                <a:spcPct val="0"/>
-              </a:spcBef>
-              <a:buNone/>
-              <a:defRPr sz="6000" kern="1200">
-                <a:solidFill>
-                  <a:schemeClr val="tx1"/>
-                </a:solidFill>
-                <a:latin typeface="+mj-lt"/>
-                <a:ea typeface="+mj-ea"/>
-                <a:cs typeface="+mj-cs"/>
-              </a:defRPr>
-            </a:lvl1pPr>
-          </a:lstStyle>
-          <a:p>
-            <a:r>
-              <a:rPr lang="zh-CN" altLang="en-US" sz="4000" dirty="0">
-                <a:solidFill>
-                  <a:srgbClr val="0070C0"/>
-                </a:solidFill>
-                <a:latin typeface="宋体" panose="02010600030101010101" pitchFamily="2" charset="-122"/>
-                <a:ea typeface="宋体" panose="02010600030101010101" pitchFamily="2" charset="-122"/>
-              </a:rPr>
-              <a:t>物体识别</a:t>
-            </a:r>
-          </a:p>
-        </p:txBody>
-      </p:sp>
-      <p:sp>
-        <p:nvSpPr>
-          <p:cNvPr id="59" name="标题 1">
-            <a:extLst>
-              <a:ext uri="{FF2B5EF4-FFF2-40B4-BE49-F238E27FC236}">
-                <a16:creationId xmlns:a16="http://schemas.microsoft.com/office/drawing/2014/main" id="{1366A329-4872-4F53-A490-5F1AF9215807}"/>
-              </a:ext>
-            </a:extLst>
-          </p:cNvPr>
-          <p:cNvSpPr txBox="1">
-            <a:spLocks/>
-          </p:cNvSpPr>
-          <p:nvPr/>
-        </p:nvSpPr>
-        <p:spPr>
-          <a:xfrm>
-            <a:off x="8536805" y="553975"/>
-            <a:ext cx="2672178" cy="470516"/>
-          </a:xfrm>
-          <a:prstGeom prst="rect">
-            <a:avLst/>
-          </a:prstGeom>
-        </p:spPr>
-        <p:txBody>
-          <a:bodyPr vert="horz" lIns="91440" tIns="45720" rIns="91440" bIns="45720" rtlCol="0" anchor="b">
-            <a:normAutofit fontScale="97500"/>
-          </a:bodyPr>
-          <a:lstStyle>
-            <a:lvl1pPr algn="ctr" defTabSz="914400" rtl="0" eaLnBrk="1" latinLnBrk="0" hangingPunct="1">
-              <a:lnSpc>
-                <a:spcPct val="90000"/>
-              </a:lnSpc>
-              <a:spcBef>
-                <a:spcPct val="0"/>
-              </a:spcBef>
-              <a:buNone/>
-              <a:defRPr sz="6000" kern="1200">
-                <a:solidFill>
-                  <a:schemeClr val="tx1"/>
-                </a:solidFill>
-                <a:latin typeface="+mj-lt"/>
-                <a:ea typeface="+mj-ea"/>
-                <a:cs typeface="+mj-cs"/>
-              </a:defRPr>
-            </a:lvl1pPr>
-          </a:lstStyle>
-          <a:p>
-            <a:r>
-              <a:rPr lang="zh-CN" altLang="en-US" sz="2800" dirty="0">
-                <a:solidFill>
-                  <a:srgbClr val="FF0000"/>
-                </a:solidFill>
-                <a:latin typeface="宋体" panose="02010600030101010101" pitchFamily="2" charset="-122"/>
-                <a:ea typeface="宋体" panose="02010600030101010101" pitchFamily="2" charset="-122"/>
-              </a:rPr>
-              <a:t>物体识别</a:t>
-            </a:r>
-          </a:p>
-        </p:txBody>
-      </p:sp>
-      <p:cxnSp>
-        <p:nvCxnSpPr>
-          <p:cNvPr id="60" name="直接箭头连接符 59">
-            <a:extLst>
-              <a:ext uri="{FF2B5EF4-FFF2-40B4-BE49-F238E27FC236}">
-                <a16:creationId xmlns:a16="http://schemas.microsoft.com/office/drawing/2014/main" id="{9CAD7EFE-1070-405B-9688-F1A25F8BD1FE}"/>
-              </a:ext>
-            </a:extLst>
-          </p:cNvPr>
-          <p:cNvCxnSpPr>
-            <a:cxnSpLocks/>
-          </p:cNvCxnSpPr>
-          <p:nvPr/>
-        </p:nvCxnSpPr>
-        <p:spPr>
-          <a:xfrm>
-            <a:off x="8383871" y="633319"/>
-            <a:ext cx="1959176" cy="968532"/>
-          </a:xfrm>
-          <a:prstGeom prst="straightConnector1">
-            <a:avLst/>
-          </a:prstGeom>
-          <a:ln>
-            <a:tailEnd type="triangle"/>
-          </a:ln>
-        </p:spPr>
-        <p:style>
-          <a:lnRef idx="1">
-            <a:schemeClr val="accent1"/>
-          </a:lnRef>
-          <a:fillRef idx="0">
-            <a:schemeClr val="accent1"/>
-          </a:fillRef>
-          <a:effectRef idx="0">
-            <a:schemeClr val="accent1"/>
-          </a:effectRef>
-          <a:fontRef idx="minor">
-            <a:schemeClr val="tx1"/>
-          </a:fontRef>
-        </p:style>
-      </p:cxnSp>
-      <p:cxnSp>
-        <p:nvCxnSpPr>
-          <p:cNvPr id="62" name="直接箭头连接符 61">
-            <a:extLst>
-              <a:ext uri="{FF2B5EF4-FFF2-40B4-BE49-F238E27FC236}">
-                <a16:creationId xmlns:a16="http://schemas.microsoft.com/office/drawing/2014/main" id="{DFCBA879-131E-4191-BA39-7AB499EE941E}"/>
-              </a:ext>
-            </a:extLst>
-          </p:cNvPr>
-          <p:cNvCxnSpPr>
-            <a:cxnSpLocks/>
-          </p:cNvCxnSpPr>
-          <p:nvPr/>
-        </p:nvCxnSpPr>
-        <p:spPr>
-          <a:xfrm>
-            <a:off x="10800506" y="2613755"/>
-            <a:ext cx="0" cy="2228846"/>
-          </a:xfrm>
-          <a:prstGeom prst="straightConnector1">
-            <a:avLst/>
-          </a:prstGeom>
-          <a:ln>
-            <a:tailEnd type="triangle"/>
-          </a:ln>
-        </p:spPr>
-        <p:style>
-          <a:lnRef idx="1">
-            <a:schemeClr val="accent1"/>
-          </a:lnRef>
-          <a:fillRef idx="0">
-            <a:schemeClr val="accent1"/>
-          </a:fillRef>
-          <a:effectRef idx="0">
-            <a:schemeClr val="accent1"/>
-          </a:effectRef>
-          <a:fontRef idx="minor">
-            <a:schemeClr val="tx1"/>
-          </a:fontRef>
-        </p:style>
-      </p:cxnSp>
-      <p:sp>
-        <p:nvSpPr>
-          <p:cNvPr id="63" name="标题 1">
-            <a:extLst>
-              <a:ext uri="{FF2B5EF4-FFF2-40B4-BE49-F238E27FC236}">
-                <a16:creationId xmlns:a16="http://schemas.microsoft.com/office/drawing/2014/main" id="{3E3AF43C-8321-4D80-8AEE-853D03E2ABA8}"/>
-              </a:ext>
-            </a:extLst>
-          </p:cNvPr>
-          <p:cNvSpPr txBox="1">
-            <a:spLocks/>
-          </p:cNvSpPr>
-          <p:nvPr/>
-        </p:nvSpPr>
-        <p:spPr>
-          <a:xfrm>
-            <a:off x="8867942" y="2747966"/>
-            <a:ext cx="2672178" cy="470516"/>
-          </a:xfrm>
-          <a:prstGeom prst="rect">
-            <a:avLst/>
-          </a:prstGeom>
-        </p:spPr>
-        <p:txBody>
-          <a:bodyPr vert="horz" lIns="91440" tIns="45720" rIns="91440" bIns="45720" rtlCol="0" anchor="b">
-            <a:normAutofit fontScale="97500"/>
-          </a:bodyPr>
-          <a:lstStyle>
-            <a:lvl1pPr algn="ctr" defTabSz="914400" rtl="0" eaLnBrk="1" latinLnBrk="0" hangingPunct="1">
-              <a:lnSpc>
-                <a:spcPct val="90000"/>
-              </a:lnSpc>
-              <a:spcBef>
-                <a:spcPct val="0"/>
-              </a:spcBef>
-              <a:buNone/>
-              <a:defRPr sz="6000" kern="1200">
-                <a:solidFill>
-                  <a:schemeClr val="tx1"/>
-                </a:solidFill>
-                <a:latin typeface="+mj-lt"/>
-                <a:ea typeface="+mj-ea"/>
-                <a:cs typeface="+mj-cs"/>
-              </a:defRPr>
-            </a:lvl1pPr>
-          </a:lstStyle>
-          <a:p>
-            <a:r>
-              <a:rPr lang="zh-CN" altLang="en-US" sz="2400" dirty="0">
-                <a:solidFill>
-                  <a:srgbClr val="FF0000"/>
-                </a:solidFill>
-                <a:latin typeface="宋体" panose="02010600030101010101" pitchFamily="2" charset="-122"/>
-                <a:ea typeface="宋体" panose="02010600030101010101" pitchFamily="2" charset="-122"/>
-              </a:rPr>
-              <a:t>这是什么</a:t>
-            </a:r>
-          </a:p>
-        </p:txBody>
-      </p:sp>
-      <p:sp>
-        <p:nvSpPr>
-          <p:cNvPr id="64" name="标题 1">
-            <a:extLst>
-              <a:ext uri="{FF2B5EF4-FFF2-40B4-BE49-F238E27FC236}">
-                <a16:creationId xmlns:a16="http://schemas.microsoft.com/office/drawing/2014/main" id="{12F35267-0135-4993-B923-2220E6178207}"/>
-              </a:ext>
-            </a:extLst>
-          </p:cNvPr>
-          <p:cNvSpPr txBox="1">
-            <a:spLocks/>
-          </p:cNvSpPr>
-          <p:nvPr/>
-        </p:nvSpPr>
-        <p:spPr>
-          <a:xfrm>
-            <a:off x="8294475" y="4854219"/>
-            <a:ext cx="4097144" cy="691162"/>
-          </a:xfrm>
-          <a:prstGeom prst="rect">
-            <a:avLst/>
-          </a:prstGeom>
-        </p:spPr>
-        <p:txBody>
-          <a:bodyPr vert="horz" lIns="91440" tIns="45720" rIns="91440" bIns="45720" rtlCol="0" anchor="b">
-            <a:normAutofit fontScale="67500" lnSpcReduction="20000"/>
-          </a:bodyPr>
-          <a:lstStyle>
-            <a:lvl1pPr algn="ctr" defTabSz="914400" rtl="0" eaLnBrk="1" latinLnBrk="0" hangingPunct="1">
-              <a:lnSpc>
-                <a:spcPct val="90000"/>
-              </a:lnSpc>
-              <a:spcBef>
-                <a:spcPct val="0"/>
-              </a:spcBef>
-              <a:buNone/>
-              <a:defRPr sz="6000" kern="1200">
-                <a:solidFill>
-                  <a:schemeClr val="tx1"/>
-                </a:solidFill>
-                <a:latin typeface="+mj-lt"/>
-                <a:ea typeface="+mj-ea"/>
-                <a:cs typeface="+mj-cs"/>
-              </a:defRPr>
-            </a:lvl1pPr>
-          </a:lstStyle>
-          <a:p>
-            <a:r>
-              <a:rPr lang="zh-CN" altLang="en-US" sz="4000" dirty="0">
-                <a:latin typeface="宋体" panose="02010600030101010101" pitchFamily="2" charset="-122"/>
-                <a:ea typeface="宋体" panose="02010600030101010101" pitchFamily="2" charset="-122"/>
-              </a:rPr>
-              <a:t>摄像头拍照进行物体识别</a:t>
-            </a:r>
-          </a:p>
-        </p:txBody>
-      </p:sp>
-      <p:cxnSp>
-        <p:nvCxnSpPr>
-          <p:cNvPr id="66" name="直接箭头连接符 65">
-            <a:extLst>
-              <a:ext uri="{FF2B5EF4-FFF2-40B4-BE49-F238E27FC236}">
-                <a16:creationId xmlns:a16="http://schemas.microsoft.com/office/drawing/2014/main" id="{6869DD69-BA3B-46B8-94D3-B29E6971C478}"/>
-              </a:ext>
-            </a:extLst>
-          </p:cNvPr>
-          <p:cNvCxnSpPr>
-            <a:cxnSpLocks/>
-          </p:cNvCxnSpPr>
-          <p:nvPr/>
-        </p:nvCxnSpPr>
-        <p:spPr>
-          <a:xfrm flipH="1">
-            <a:off x="5022522" y="5607360"/>
-            <a:ext cx="4273475" cy="510834"/>
-          </a:xfrm>
-          <a:prstGeom prst="straightConnector1">
-            <a:avLst/>
-          </a:prstGeom>
-          <a:ln>
-            <a:tailEnd type="triangle"/>
-          </a:ln>
-        </p:spPr>
-        <p:style>
-          <a:lnRef idx="1">
-            <a:schemeClr val="accent1"/>
-          </a:lnRef>
-          <a:fillRef idx="0">
-            <a:schemeClr val="accent1"/>
-          </a:fillRef>
-          <a:effectRef idx="0">
-            <a:schemeClr val="accent1"/>
-          </a:effectRef>
-          <a:fontRef idx="minor">
-            <a:schemeClr val="tx1"/>
-          </a:fontRef>
-        </p:style>
-      </p:cxnSp>
+              <a:rPr lang="zh-CN" altLang="en-US" dirty="0"/>
+              <a:t>练习口语</a:t>
+            </a:r>
+            <a:endParaRPr lang="en-US" altLang="zh-CN" dirty="0"/>
+          </a:p>
+          <a:p>
+            <a:pPr>
+              <a:buFontTx/>
+              <a:buChar char="-"/>
+            </a:pPr>
+            <a:r>
+              <a:rPr lang="zh-CN" altLang="en-US" dirty="0"/>
+              <a:t>点歌：学累了可以听歌</a:t>
+            </a:r>
+            <a:endParaRPr lang="en-US" altLang="zh-CN" dirty="0"/>
+          </a:p>
+          <a:p>
+            <a:pPr>
+              <a:buFontTx/>
+              <a:buChar char="-"/>
+            </a:pPr>
+            <a:r>
+              <a:rPr lang="zh-CN" altLang="en-US" dirty="0"/>
+              <a:t>发微信消息：联系父母，不需要智能手机</a:t>
+            </a:r>
+            <a:r>
+              <a:rPr lang="en-US" altLang="zh-CN" dirty="0"/>
+              <a:t>/</a:t>
+            </a:r>
+            <a:r>
+              <a:rPr lang="zh-CN" altLang="en-US" dirty="0"/>
+              <a:t>手表</a:t>
+            </a:r>
+            <a:endParaRPr lang="en-US" altLang="zh-CN" dirty="0"/>
+          </a:p>
+          <a:p>
+            <a:pPr>
+              <a:buFontTx/>
+              <a:buChar char="-"/>
+            </a:pPr>
+            <a:r>
+              <a:rPr lang="zh-CN" altLang="en-US" dirty="0"/>
+              <a:t>基本交互：聊天，查询时间、天气等信息</a:t>
+            </a:r>
+            <a:endParaRPr lang="en-US" altLang="zh-CN" dirty="0"/>
+          </a:p>
+          <a:p>
+            <a:pPr>
+              <a:buFontTx/>
+              <a:buChar char="-"/>
+            </a:pPr>
+            <a:endParaRPr lang="zh-CN" altLang="en-US" dirty="0"/>
+          </a:p>
+        </p:txBody>
+      </p:sp>
     </p:spTree>
     <p:extLst>
       <p:ext uri="{BB962C8B-B14F-4D97-AF65-F5344CB8AC3E}">
-        <p14:creationId xmlns:p14="http://schemas.microsoft.com/office/powerpoint/2010/main" val="3320735569"/>
+        <p14:creationId xmlns:p14="http://schemas.microsoft.com/office/powerpoint/2010/main" val="1834388034"/>
       </p:ext>
     </p:extLst>
   </p:cSld>
@@ -6060,7 +3506,7 @@
           <p:cNvPr id="2" name="标题 1">
             <a:extLst>
               <a:ext uri="{FF2B5EF4-FFF2-40B4-BE49-F238E27FC236}">
-                <a16:creationId xmlns:a16="http://schemas.microsoft.com/office/drawing/2014/main" id="{D24EDEC0-C03E-422D-8B1E-533390A2B0A8}"/>
+                <a16:creationId xmlns:a16="http://schemas.microsoft.com/office/drawing/2014/main" id="{6B4C7D27-1223-4AD0-B30D-E35A22F92FBD}"/>
               </a:ext>
             </a:extLst>
           </p:cNvPr>
@@ -6068,125 +3514,2695 @@
             <a:spLocks noGrp="1"/>
           </p:cNvSpPr>
           <p:nvPr>
-            <p:ph type="title"/>
+            <p:ph type="ctrTitle"/>
           </p:nvPr>
         </p:nvSpPr>
-        <p:spPr/>
-        <p:txBody>
-          <a:bodyPr/>
+        <p:spPr>
+          <a:xfrm>
+            <a:off x="2844369" y="311761"/>
+            <a:ext cx="2672178" cy="470516"/>
+          </a:xfrm>
+        </p:spPr>
+        <p:txBody>
+          <a:bodyPr>
+            <a:normAutofit fontScale="90000"/>
+          </a:bodyPr>
           <a:lstStyle/>
           <a:p>
             <a:r>
-              <a:rPr lang="zh-CN" altLang="en-US" dirty="0"/>
-              <a:t>幼儿早教机器人</a:t>
-            </a:r>
-          </a:p>
-        </p:txBody>
-      </p:sp>
-      <p:sp>
-        <p:nvSpPr>
-          <p:cNvPr id="3" name="内容占位符 2">
-            <a:extLst>
-              <a:ext uri="{FF2B5EF4-FFF2-40B4-BE49-F238E27FC236}">
-                <a16:creationId xmlns:a16="http://schemas.microsoft.com/office/drawing/2014/main" id="{FCA3E3AA-A5F9-448F-9C5D-ED6E53C5F4D4}"/>
-              </a:ext>
-            </a:extLst>
-          </p:cNvPr>
-          <p:cNvSpPr>
-            <a:spLocks noGrp="1"/>
-          </p:cNvSpPr>
-          <p:nvPr>
-            <p:ph idx="1"/>
-          </p:nvPr>
-        </p:nvSpPr>
-        <p:spPr/>
-        <p:txBody>
-          <a:bodyPr/>
-          <a:lstStyle/>
-          <a:p>
-            <a:pPr>
-              <a:buFontTx/>
-              <a:buChar char="-"/>
-            </a:pPr>
-            <a:r>
-              <a:rPr lang="zh-CN" altLang="en-US" dirty="0"/>
-              <a:t>文字识别：识字认字、读儿歌、故事</a:t>
-            </a:r>
-            <a:endParaRPr lang="en-US" altLang="zh-CN" dirty="0"/>
-          </a:p>
-          <a:p>
-            <a:pPr>
-              <a:buFontTx/>
-              <a:buChar char="-"/>
-            </a:pPr>
-            <a:r>
-              <a:rPr lang="zh-CN" altLang="en-US" dirty="0"/>
-              <a:t>物体识别：认识动物或其他常见物体</a:t>
-            </a:r>
-            <a:endParaRPr lang="en-US" altLang="zh-CN" dirty="0"/>
-          </a:p>
-          <a:p>
-            <a:pPr>
-              <a:buFontTx/>
-              <a:buChar char="-"/>
-            </a:pPr>
-            <a:r>
-              <a:rPr lang="zh-CN" altLang="en-US" dirty="0"/>
-              <a:t>翻译：中译英、英译中，学习英语</a:t>
-            </a:r>
-            <a:r>
-              <a:rPr lang="en-US" altLang="zh-CN" dirty="0"/>
+              <a:rPr lang="zh-CN" altLang="en-US" sz="4000" dirty="0">
+                <a:solidFill>
+                  <a:srgbClr val="0070C0"/>
+                </a:solidFill>
+                <a:latin typeface="宋体" panose="02010600030101010101" pitchFamily="2" charset="-122"/>
+                <a:ea typeface="宋体" panose="02010600030101010101" pitchFamily="2" charset="-122"/>
+              </a:rPr>
+              <a:t>交互模式</a:t>
+            </a:r>
+          </a:p>
+        </p:txBody>
+      </p:sp>
+      <p:sp>
+        <p:nvSpPr>
+          <p:cNvPr id="4" name="标题 1">
+            <a:extLst>
+              <a:ext uri="{FF2B5EF4-FFF2-40B4-BE49-F238E27FC236}">
+                <a16:creationId xmlns:a16="http://schemas.microsoft.com/office/drawing/2014/main" id="{4D68A7E0-3A12-4BF6-B270-8E07FC8145C8}"/>
+              </a:ext>
+            </a:extLst>
+          </p:cNvPr>
+          <p:cNvSpPr txBox="1">
+            <a:spLocks/>
+          </p:cNvSpPr>
+          <p:nvPr/>
+        </p:nvSpPr>
+        <p:spPr>
+          <a:xfrm>
+            <a:off x="93204" y="1988598"/>
+            <a:ext cx="2672178" cy="470516"/>
+          </a:xfrm>
+          <a:prstGeom prst="rect">
+            <a:avLst/>
+          </a:prstGeom>
+        </p:spPr>
+        <p:txBody>
+          <a:bodyPr vert="horz" lIns="91440" tIns="45720" rIns="91440" bIns="45720" rtlCol="0" anchor="b">
+            <a:normAutofit fontScale="82500" lnSpcReduction="20000"/>
+          </a:bodyPr>
+          <a:lstStyle>
+            <a:lvl1pPr algn="ctr" defTabSz="914400" rtl="0" eaLnBrk="1" latinLnBrk="0" hangingPunct="1">
+              <a:lnSpc>
+                <a:spcPct val="90000"/>
+              </a:lnSpc>
+              <a:spcBef>
+                <a:spcPct val="0"/>
+              </a:spcBef>
+              <a:buNone/>
+              <a:defRPr sz="6000" kern="1200">
+                <a:solidFill>
+                  <a:schemeClr val="tx1"/>
+                </a:solidFill>
+                <a:latin typeface="+mj-lt"/>
+                <a:ea typeface="+mj-ea"/>
+                <a:cs typeface="+mj-cs"/>
+              </a:defRPr>
+            </a:lvl1pPr>
+          </a:lstStyle>
+          <a:p>
+            <a:r>
+              <a:rPr lang="zh-CN" altLang="en-US" sz="4000" dirty="0">
+                <a:solidFill>
+                  <a:srgbClr val="0070C0"/>
+                </a:solidFill>
+                <a:latin typeface="宋体" panose="02010600030101010101" pitchFamily="2" charset="-122"/>
+                <a:ea typeface="宋体" panose="02010600030101010101" pitchFamily="2" charset="-122"/>
+              </a:rPr>
+              <a:t>音乐模式</a:t>
+            </a:r>
+          </a:p>
+        </p:txBody>
+      </p:sp>
+      <p:sp>
+        <p:nvSpPr>
+          <p:cNvPr id="5" name="标题 1">
+            <a:extLst>
+              <a:ext uri="{FF2B5EF4-FFF2-40B4-BE49-F238E27FC236}">
+                <a16:creationId xmlns:a16="http://schemas.microsoft.com/office/drawing/2014/main" id="{0758AFC0-B593-4A9E-AC57-3BFC4C745103}"/>
+              </a:ext>
+            </a:extLst>
+          </p:cNvPr>
+          <p:cNvSpPr txBox="1">
+            <a:spLocks/>
+          </p:cNvSpPr>
+          <p:nvPr/>
+        </p:nvSpPr>
+        <p:spPr>
+          <a:xfrm>
+            <a:off x="3002114" y="1774849"/>
+            <a:ext cx="2672178" cy="470516"/>
+          </a:xfrm>
+          <a:prstGeom prst="rect">
+            <a:avLst/>
+          </a:prstGeom>
+        </p:spPr>
+        <p:txBody>
+          <a:bodyPr vert="horz" lIns="91440" tIns="45720" rIns="91440" bIns="45720" rtlCol="0" anchor="b">
+            <a:normAutofit fontScale="82500" lnSpcReduction="20000"/>
+          </a:bodyPr>
+          <a:lstStyle>
+            <a:lvl1pPr algn="ctr" defTabSz="914400" rtl="0" eaLnBrk="1" latinLnBrk="0" hangingPunct="1">
+              <a:lnSpc>
+                <a:spcPct val="90000"/>
+              </a:lnSpc>
+              <a:spcBef>
+                <a:spcPct val="0"/>
+              </a:spcBef>
+              <a:buNone/>
+              <a:defRPr sz="6000" kern="1200">
+                <a:solidFill>
+                  <a:schemeClr val="tx1"/>
+                </a:solidFill>
+                <a:latin typeface="+mj-lt"/>
+                <a:ea typeface="+mj-ea"/>
+                <a:cs typeface="+mj-cs"/>
+              </a:defRPr>
+            </a:lvl1pPr>
+          </a:lstStyle>
+          <a:p>
+            <a:r>
+              <a:rPr lang="zh-CN" altLang="en-US" sz="4000" dirty="0">
+                <a:solidFill>
+                  <a:srgbClr val="0070C0"/>
+                </a:solidFill>
+                <a:latin typeface="宋体" panose="02010600030101010101" pitchFamily="2" charset="-122"/>
+                <a:ea typeface="宋体" panose="02010600030101010101" pitchFamily="2" charset="-122"/>
+              </a:rPr>
+              <a:t>翻译模式</a:t>
+            </a:r>
+          </a:p>
+        </p:txBody>
+      </p:sp>
+      <p:sp>
+        <p:nvSpPr>
+          <p:cNvPr id="6" name="标题 1">
+            <a:extLst>
+              <a:ext uri="{FF2B5EF4-FFF2-40B4-BE49-F238E27FC236}">
+                <a16:creationId xmlns:a16="http://schemas.microsoft.com/office/drawing/2014/main" id="{95F1AAAC-8614-41F7-A6A8-BA5B319353E5}"/>
+              </a:ext>
+            </a:extLst>
+          </p:cNvPr>
+          <p:cNvSpPr txBox="1">
+            <a:spLocks/>
+          </p:cNvSpPr>
+          <p:nvPr/>
+        </p:nvSpPr>
+        <p:spPr>
+          <a:xfrm>
+            <a:off x="5177879" y="1753467"/>
+            <a:ext cx="2672178" cy="470516"/>
+          </a:xfrm>
+          <a:prstGeom prst="rect">
+            <a:avLst/>
+          </a:prstGeom>
+        </p:spPr>
+        <p:txBody>
+          <a:bodyPr vert="horz" lIns="91440" tIns="45720" rIns="91440" bIns="45720" rtlCol="0" anchor="b">
+            <a:normAutofit fontScale="82500" lnSpcReduction="20000"/>
+          </a:bodyPr>
+          <a:lstStyle>
+            <a:lvl1pPr algn="ctr" defTabSz="914400" rtl="0" eaLnBrk="1" latinLnBrk="0" hangingPunct="1">
+              <a:lnSpc>
+                <a:spcPct val="90000"/>
+              </a:lnSpc>
+              <a:spcBef>
+                <a:spcPct val="0"/>
+              </a:spcBef>
+              <a:buNone/>
+              <a:defRPr sz="6000" kern="1200">
+                <a:solidFill>
+                  <a:schemeClr val="tx1"/>
+                </a:solidFill>
+                <a:latin typeface="+mj-lt"/>
+                <a:ea typeface="+mj-ea"/>
+                <a:cs typeface="+mj-cs"/>
+              </a:defRPr>
+            </a:lvl1pPr>
+          </a:lstStyle>
+          <a:p>
+            <a:r>
+              <a:rPr lang="zh-CN" altLang="en-US" sz="4000" dirty="0">
+                <a:solidFill>
+                  <a:srgbClr val="0070C0"/>
+                </a:solidFill>
+                <a:latin typeface="宋体" panose="02010600030101010101" pitchFamily="2" charset="-122"/>
+                <a:ea typeface="宋体" panose="02010600030101010101" pitchFamily="2" charset="-122"/>
+              </a:rPr>
+              <a:t>微信模式</a:t>
+            </a:r>
+          </a:p>
+        </p:txBody>
+      </p:sp>
+      <p:cxnSp>
+        <p:nvCxnSpPr>
+          <p:cNvPr id="8" name="直接箭头连接符 7">
+            <a:extLst>
+              <a:ext uri="{FF2B5EF4-FFF2-40B4-BE49-F238E27FC236}">
+                <a16:creationId xmlns:a16="http://schemas.microsoft.com/office/drawing/2014/main" id="{B686EFC0-D993-4C5B-A201-1246C40F94D1}"/>
+              </a:ext>
+            </a:extLst>
+          </p:cNvPr>
+          <p:cNvCxnSpPr/>
+          <p:nvPr/>
+        </p:nvCxnSpPr>
+        <p:spPr>
+          <a:xfrm flipH="1">
+            <a:off x="1748249" y="1012870"/>
+            <a:ext cx="1376039" cy="710214"/>
+          </a:xfrm>
+          <a:prstGeom prst="straightConnector1">
+            <a:avLst/>
+          </a:prstGeom>
+          <a:ln>
+            <a:tailEnd type="triangle"/>
+          </a:ln>
+        </p:spPr>
+        <p:style>
+          <a:lnRef idx="1">
+            <a:schemeClr val="accent1"/>
+          </a:lnRef>
+          <a:fillRef idx="0">
+            <a:schemeClr val="accent1"/>
+          </a:fillRef>
+          <a:effectRef idx="0">
+            <a:schemeClr val="accent1"/>
+          </a:effectRef>
+          <a:fontRef idx="minor">
+            <a:schemeClr val="tx1"/>
+          </a:fontRef>
+        </p:style>
+      </p:cxnSp>
+      <p:cxnSp>
+        <p:nvCxnSpPr>
+          <p:cNvPr id="10" name="直接箭头连接符 9">
+            <a:extLst>
+              <a:ext uri="{FF2B5EF4-FFF2-40B4-BE49-F238E27FC236}">
+                <a16:creationId xmlns:a16="http://schemas.microsoft.com/office/drawing/2014/main" id="{52A8BA96-046C-46EE-BC5F-7E2DAB4611FD}"/>
+              </a:ext>
+            </a:extLst>
+          </p:cNvPr>
+          <p:cNvCxnSpPr/>
+          <p:nvPr/>
+        </p:nvCxnSpPr>
+        <p:spPr>
+          <a:xfrm>
+            <a:off x="4660402" y="1011285"/>
+            <a:ext cx="0" cy="629499"/>
+          </a:xfrm>
+          <a:prstGeom prst="straightConnector1">
+            <a:avLst/>
+          </a:prstGeom>
+          <a:ln>
+            <a:tailEnd type="triangle"/>
+          </a:ln>
+        </p:spPr>
+        <p:style>
+          <a:lnRef idx="1">
+            <a:schemeClr val="accent1"/>
+          </a:lnRef>
+          <a:fillRef idx="0">
+            <a:schemeClr val="accent1"/>
+          </a:fillRef>
+          <a:effectRef idx="0">
+            <a:schemeClr val="accent1"/>
+          </a:effectRef>
+          <a:fontRef idx="minor">
+            <a:schemeClr val="tx1"/>
+          </a:fontRef>
+        </p:style>
+      </p:cxnSp>
+      <p:cxnSp>
+        <p:nvCxnSpPr>
+          <p:cNvPr id="12" name="直接箭头连接符 11">
+            <a:extLst>
+              <a:ext uri="{FF2B5EF4-FFF2-40B4-BE49-F238E27FC236}">
+                <a16:creationId xmlns:a16="http://schemas.microsoft.com/office/drawing/2014/main" id="{A531B911-30DB-4CE1-A68A-CAF4CC65BA08}"/>
+              </a:ext>
+            </a:extLst>
+          </p:cNvPr>
+          <p:cNvCxnSpPr/>
+          <p:nvPr/>
+        </p:nvCxnSpPr>
+        <p:spPr>
+          <a:xfrm>
+            <a:off x="5488967" y="935417"/>
+            <a:ext cx="1516603" cy="629499"/>
+          </a:xfrm>
+          <a:prstGeom prst="straightConnector1">
+            <a:avLst/>
+          </a:prstGeom>
+          <a:ln>
+            <a:tailEnd type="triangle"/>
+          </a:ln>
+        </p:spPr>
+        <p:style>
+          <a:lnRef idx="1">
+            <a:schemeClr val="accent1"/>
+          </a:lnRef>
+          <a:fillRef idx="0">
+            <a:schemeClr val="accent1"/>
+          </a:fillRef>
+          <a:effectRef idx="0">
+            <a:schemeClr val="accent1"/>
+          </a:effectRef>
+          <a:fontRef idx="minor">
+            <a:schemeClr val="tx1"/>
+          </a:fontRef>
+        </p:style>
+      </p:cxnSp>
+      <p:sp>
+        <p:nvSpPr>
+          <p:cNvPr id="13" name="标题 1">
+            <a:extLst>
+              <a:ext uri="{FF2B5EF4-FFF2-40B4-BE49-F238E27FC236}">
+                <a16:creationId xmlns:a16="http://schemas.microsoft.com/office/drawing/2014/main" id="{48EB8F6F-5D4E-4498-80A2-B972D92B953E}"/>
+              </a:ext>
+            </a:extLst>
+          </p:cNvPr>
+          <p:cNvSpPr txBox="1">
+            <a:spLocks/>
+          </p:cNvSpPr>
+          <p:nvPr/>
+        </p:nvSpPr>
+        <p:spPr>
+          <a:xfrm>
+            <a:off x="368407" y="866606"/>
+            <a:ext cx="2672178" cy="470516"/>
+          </a:xfrm>
+          <a:prstGeom prst="rect">
+            <a:avLst/>
+          </a:prstGeom>
+        </p:spPr>
+        <p:txBody>
+          <a:bodyPr vert="horz" lIns="91440" tIns="45720" rIns="91440" bIns="45720" rtlCol="0" anchor="b">
+            <a:normAutofit fontScale="97500"/>
+          </a:bodyPr>
+          <a:lstStyle>
+            <a:lvl1pPr algn="ctr" defTabSz="914400" rtl="0" eaLnBrk="1" latinLnBrk="0" hangingPunct="1">
+              <a:lnSpc>
+                <a:spcPct val="90000"/>
+              </a:lnSpc>
+              <a:spcBef>
+                <a:spcPct val="0"/>
+              </a:spcBef>
+              <a:buNone/>
+              <a:defRPr sz="6000" kern="1200">
+                <a:solidFill>
+                  <a:schemeClr val="tx1"/>
+                </a:solidFill>
+                <a:latin typeface="+mj-lt"/>
+                <a:ea typeface="+mj-ea"/>
+                <a:cs typeface="+mj-cs"/>
+              </a:defRPr>
+            </a:lvl1pPr>
+          </a:lstStyle>
+          <a:p>
+            <a:r>
+              <a:rPr lang="zh-CN" altLang="en-US" sz="2800" dirty="0">
+                <a:solidFill>
+                  <a:srgbClr val="FF0000"/>
+                </a:solidFill>
+                <a:latin typeface="宋体" panose="02010600030101010101" pitchFamily="2" charset="-122"/>
+                <a:ea typeface="宋体" panose="02010600030101010101" pitchFamily="2" charset="-122"/>
+              </a:rPr>
+              <a:t>点歌</a:t>
+            </a:r>
+          </a:p>
+        </p:txBody>
+      </p:sp>
+      <p:sp>
+        <p:nvSpPr>
+          <p:cNvPr id="14" name="标题 1">
+            <a:extLst>
+              <a:ext uri="{FF2B5EF4-FFF2-40B4-BE49-F238E27FC236}">
+                <a16:creationId xmlns:a16="http://schemas.microsoft.com/office/drawing/2014/main" id="{34E0DC3B-600C-4D7A-AC6B-94E6451AD189}"/>
+              </a:ext>
+            </a:extLst>
+          </p:cNvPr>
+          <p:cNvSpPr txBox="1">
+            <a:spLocks/>
+          </p:cNvSpPr>
+          <p:nvPr/>
+        </p:nvSpPr>
+        <p:spPr>
+          <a:xfrm>
+            <a:off x="2863871" y="900249"/>
+            <a:ext cx="2672178" cy="470516"/>
+          </a:xfrm>
+          <a:prstGeom prst="rect">
+            <a:avLst/>
+          </a:prstGeom>
+        </p:spPr>
+        <p:txBody>
+          <a:bodyPr vert="horz" lIns="91440" tIns="45720" rIns="91440" bIns="45720" rtlCol="0" anchor="b">
+            <a:normAutofit fontScale="97500"/>
+          </a:bodyPr>
+          <a:lstStyle>
+            <a:lvl1pPr algn="ctr" defTabSz="914400" rtl="0" eaLnBrk="1" latinLnBrk="0" hangingPunct="1">
+              <a:lnSpc>
+                <a:spcPct val="90000"/>
+              </a:lnSpc>
+              <a:spcBef>
+                <a:spcPct val="0"/>
+              </a:spcBef>
+              <a:buNone/>
+              <a:defRPr sz="6000" kern="1200">
+                <a:solidFill>
+                  <a:schemeClr val="tx1"/>
+                </a:solidFill>
+                <a:latin typeface="+mj-lt"/>
+                <a:ea typeface="+mj-ea"/>
+                <a:cs typeface="+mj-cs"/>
+              </a:defRPr>
+            </a:lvl1pPr>
+          </a:lstStyle>
+          <a:p>
+            <a:r>
+              <a:rPr lang="zh-CN" altLang="en-US" sz="2800" dirty="0">
+                <a:solidFill>
+                  <a:srgbClr val="FF0000"/>
+                </a:solidFill>
+                <a:latin typeface="宋体" panose="02010600030101010101" pitchFamily="2" charset="-122"/>
+                <a:ea typeface="宋体" panose="02010600030101010101" pitchFamily="2" charset="-122"/>
+              </a:rPr>
+              <a:t>翻译</a:t>
+            </a:r>
+          </a:p>
+        </p:txBody>
+      </p:sp>
+      <p:sp>
+        <p:nvSpPr>
+          <p:cNvPr id="15" name="标题 1">
+            <a:extLst>
+              <a:ext uri="{FF2B5EF4-FFF2-40B4-BE49-F238E27FC236}">
+                <a16:creationId xmlns:a16="http://schemas.microsoft.com/office/drawing/2014/main" id="{4E9E398E-A2A6-43E5-82C8-76D0C144F74B}"/>
+              </a:ext>
+            </a:extLst>
+          </p:cNvPr>
+          <p:cNvSpPr txBox="1">
+            <a:spLocks/>
+          </p:cNvSpPr>
+          <p:nvPr/>
+        </p:nvSpPr>
+        <p:spPr>
+          <a:xfrm>
+            <a:off x="4933717" y="911554"/>
+            <a:ext cx="2672178" cy="470516"/>
+          </a:xfrm>
+          <a:prstGeom prst="rect">
+            <a:avLst/>
+          </a:prstGeom>
+        </p:spPr>
+        <p:txBody>
+          <a:bodyPr vert="horz" lIns="91440" tIns="45720" rIns="91440" bIns="45720" rtlCol="0" anchor="b">
+            <a:normAutofit fontScale="97500"/>
+          </a:bodyPr>
+          <a:lstStyle>
+            <a:lvl1pPr algn="ctr" defTabSz="914400" rtl="0" eaLnBrk="1" latinLnBrk="0" hangingPunct="1">
+              <a:lnSpc>
+                <a:spcPct val="90000"/>
+              </a:lnSpc>
+              <a:spcBef>
+                <a:spcPct val="0"/>
+              </a:spcBef>
+              <a:buNone/>
+              <a:defRPr sz="6000" kern="1200">
+                <a:solidFill>
+                  <a:schemeClr val="tx1"/>
+                </a:solidFill>
+                <a:latin typeface="+mj-lt"/>
+                <a:ea typeface="+mj-ea"/>
+                <a:cs typeface="+mj-cs"/>
+              </a:defRPr>
+            </a:lvl1pPr>
+          </a:lstStyle>
+          <a:p>
+            <a:r>
+              <a:rPr lang="zh-CN" altLang="en-US" sz="2800" dirty="0">
+                <a:solidFill>
+                  <a:srgbClr val="FF0000"/>
+                </a:solidFill>
+                <a:latin typeface="宋体" panose="02010600030101010101" pitchFamily="2" charset="-122"/>
+                <a:ea typeface="宋体" panose="02010600030101010101" pitchFamily="2" charset="-122"/>
+              </a:rPr>
+              <a:t>给</a:t>
+            </a:r>
+            <a:r>
+              <a:rPr lang="en-US" altLang="zh-CN" sz="2800" dirty="0">
+                <a:solidFill>
+                  <a:srgbClr val="FF0000"/>
+                </a:solidFill>
+                <a:latin typeface="宋体" panose="02010600030101010101" pitchFamily="2" charset="-122"/>
+                <a:ea typeface="宋体" panose="02010600030101010101" pitchFamily="2" charset="-122"/>
+              </a:rPr>
+              <a:t>XX</a:t>
+            </a:r>
+            <a:r>
+              <a:rPr lang="zh-CN" altLang="en-US" sz="2800" dirty="0">
+                <a:solidFill>
+                  <a:srgbClr val="FF0000"/>
+                </a:solidFill>
+                <a:latin typeface="宋体" panose="02010600030101010101" pitchFamily="2" charset="-122"/>
+                <a:ea typeface="宋体" panose="02010600030101010101" pitchFamily="2" charset="-122"/>
+              </a:rPr>
+              <a:t>发消息</a:t>
+            </a:r>
+          </a:p>
+        </p:txBody>
+      </p:sp>
+      <p:cxnSp>
+        <p:nvCxnSpPr>
+          <p:cNvPr id="17" name="直接箭头连接符 16">
+            <a:extLst>
+              <a:ext uri="{FF2B5EF4-FFF2-40B4-BE49-F238E27FC236}">
+                <a16:creationId xmlns:a16="http://schemas.microsoft.com/office/drawing/2014/main" id="{D17B943E-C4C2-4F38-B04E-35C1A415D6C5}"/>
+              </a:ext>
+            </a:extLst>
+          </p:cNvPr>
+          <p:cNvCxnSpPr>
+            <a:cxnSpLocks/>
+          </p:cNvCxnSpPr>
+          <p:nvPr/>
+        </p:nvCxnSpPr>
+        <p:spPr>
+          <a:xfrm>
+            <a:off x="1322773" y="2432406"/>
+            <a:ext cx="0" cy="817486"/>
+          </a:xfrm>
+          <a:prstGeom prst="straightConnector1">
+            <a:avLst/>
+          </a:prstGeom>
+          <a:ln>
+            <a:tailEnd type="triangle"/>
+          </a:ln>
+        </p:spPr>
+        <p:style>
+          <a:lnRef idx="1">
+            <a:schemeClr val="accent1"/>
+          </a:lnRef>
+          <a:fillRef idx="0">
+            <a:schemeClr val="accent1"/>
+          </a:fillRef>
+          <a:effectRef idx="0">
+            <a:schemeClr val="accent1"/>
+          </a:effectRef>
+          <a:fontRef idx="minor">
+            <a:schemeClr val="tx1"/>
+          </a:fontRef>
+        </p:style>
+      </p:cxnSp>
+      <p:sp>
+        <p:nvSpPr>
+          <p:cNvPr id="19" name="标题 1">
+            <a:extLst>
+              <a:ext uri="{FF2B5EF4-FFF2-40B4-BE49-F238E27FC236}">
+                <a16:creationId xmlns:a16="http://schemas.microsoft.com/office/drawing/2014/main" id="{79B97110-3F13-4D75-8A90-C57776B582BD}"/>
+              </a:ext>
+            </a:extLst>
+          </p:cNvPr>
+          <p:cNvSpPr txBox="1">
+            <a:spLocks/>
+          </p:cNvSpPr>
+          <p:nvPr/>
+        </p:nvSpPr>
+        <p:spPr>
+          <a:xfrm>
+            <a:off x="980983" y="2411180"/>
+            <a:ext cx="2672178" cy="470516"/>
+          </a:xfrm>
+          <a:prstGeom prst="rect">
+            <a:avLst/>
+          </a:prstGeom>
+        </p:spPr>
+        <p:txBody>
+          <a:bodyPr vert="horz" lIns="91440" tIns="45720" rIns="91440" bIns="45720" rtlCol="0" anchor="b">
+            <a:normAutofit fontScale="97500"/>
+          </a:bodyPr>
+          <a:lstStyle>
+            <a:lvl1pPr algn="ctr" defTabSz="914400" rtl="0" eaLnBrk="1" latinLnBrk="0" hangingPunct="1">
+              <a:lnSpc>
+                <a:spcPct val="90000"/>
+              </a:lnSpc>
+              <a:spcBef>
+                <a:spcPct val="0"/>
+              </a:spcBef>
+              <a:buNone/>
+              <a:defRPr sz="6000" kern="1200">
+                <a:solidFill>
+                  <a:schemeClr val="tx1"/>
+                </a:solidFill>
+                <a:latin typeface="+mj-lt"/>
+                <a:ea typeface="+mj-ea"/>
+                <a:cs typeface="+mj-cs"/>
+              </a:defRPr>
+            </a:lvl1pPr>
+          </a:lstStyle>
+          <a:p>
+            <a:r>
+              <a:rPr lang="zh-CN" altLang="en-US" sz="2800" dirty="0">
+                <a:solidFill>
+                  <a:srgbClr val="FF0000"/>
+                </a:solidFill>
+                <a:latin typeface="宋体" panose="02010600030101010101" pitchFamily="2" charset="-122"/>
+                <a:ea typeface="宋体" panose="02010600030101010101" pitchFamily="2" charset="-122"/>
+              </a:rPr>
+              <a:t>歌名</a:t>
+            </a:r>
+          </a:p>
+        </p:txBody>
+      </p:sp>
+      <p:sp>
+        <p:nvSpPr>
+          <p:cNvPr id="21" name="标题 1">
+            <a:extLst>
+              <a:ext uri="{FF2B5EF4-FFF2-40B4-BE49-F238E27FC236}">
+                <a16:creationId xmlns:a16="http://schemas.microsoft.com/office/drawing/2014/main" id="{6CE2CD9E-9A2E-4280-B9F4-A81EB54240E9}"/>
+              </a:ext>
+            </a:extLst>
+          </p:cNvPr>
+          <p:cNvSpPr txBox="1">
+            <a:spLocks/>
+          </p:cNvSpPr>
+          <p:nvPr/>
+        </p:nvSpPr>
+        <p:spPr>
+          <a:xfrm>
+            <a:off x="237778" y="3258434"/>
+            <a:ext cx="2672178" cy="470516"/>
+          </a:xfrm>
+          <a:prstGeom prst="rect">
+            <a:avLst/>
+          </a:prstGeom>
+        </p:spPr>
+        <p:txBody>
+          <a:bodyPr vert="horz" lIns="91440" tIns="45720" rIns="91440" bIns="45720" rtlCol="0" anchor="b">
+            <a:normAutofit fontScale="82500" lnSpcReduction="20000"/>
+          </a:bodyPr>
+          <a:lstStyle>
+            <a:lvl1pPr algn="ctr" defTabSz="914400" rtl="0" eaLnBrk="1" latinLnBrk="0" hangingPunct="1">
+              <a:lnSpc>
+                <a:spcPct val="90000"/>
+              </a:lnSpc>
+              <a:spcBef>
+                <a:spcPct val="0"/>
+              </a:spcBef>
+              <a:buNone/>
+              <a:defRPr sz="6000" kern="1200">
+                <a:solidFill>
+                  <a:schemeClr val="tx1"/>
+                </a:solidFill>
+                <a:latin typeface="+mj-lt"/>
+                <a:ea typeface="+mj-ea"/>
+                <a:cs typeface="+mj-cs"/>
+              </a:defRPr>
+            </a:lvl1pPr>
+          </a:lstStyle>
+          <a:p>
+            <a:r>
+              <a:rPr lang="zh-CN" altLang="en-US" sz="4000" dirty="0">
+                <a:latin typeface="宋体" panose="02010600030101010101" pitchFamily="2" charset="-122"/>
+                <a:ea typeface="宋体" panose="02010600030101010101" pitchFamily="2" charset="-122"/>
+              </a:rPr>
+              <a:t>播放音乐</a:t>
+            </a:r>
+          </a:p>
+        </p:txBody>
+      </p:sp>
+      <p:cxnSp>
+        <p:nvCxnSpPr>
+          <p:cNvPr id="22" name="直接箭头连接符 21">
+            <a:extLst>
+              <a:ext uri="{FF2B5EF4-FFF2-40B4-BE49-F238E27FC236}">
+                <a16:creationId xmlns:a16="http://schemas.microsoft.com/office/drawing/2014/main" id="{DFE6A6DD-3A91-4DC7-A4CF-A321CAC4CF5A}"/>
+              </a:ext>
+            </a:extLst>
+          </p:cNvPr>
+          <p:cNvCxnSpPr>
+            <a:cxnSpLocks/>
+          </p:cNvCxnSpPr>
+          <p:nvPr/>
+        </p:nvCxnSpPr>
+        <p:spPr>
+          <a:xfrm>
+            <a:off x="4418853" y="2428620"/>
+            <a:ext cx="0" cy="817486"/>
+          </a:xfrm>
+          <a:prstGeom prst="straightConnector1">
+            <a:avLst/>
+          </a:prstGeom>
+          <a:ln>
+            <a:tailEnd type="triangle"/>
+          </a:ln>
+        </p:spPr>
+        <p:style>
+          <a:lnRef idx="1">
+            <a:schemeClr val="accent1"/>
+          </a:lnRef>
+          <a:fillRef idx="0">
+            <a:schemeClr val="accent1"/>
+          </a:fillRef>
+          <a:effectRef idx="0">
+            <a:schemeClr val="accent1"/>
+          </a:effectRef>
+          <a:fontRef idx="minor">
+            <a:schemeClr val="tx1"/>
+          </a:fontRef>
+        </p:style>
+      </p:cxnSp>
+      <p:sp>
+        <p:nvSpPr>
+          <p:cNvPr id="23" name="标题 1">
+            <a:extLst>
+              <a:ext uri="{FF2B5EF4-FFF2-40B4-BE49-F238E27FC236}">
+                <a16:creationId xmlns:a16="http://schemas.microsoft.com/office/drawing/2014/main" id="{AA9602A7-FCCD-4B69-8645-7554EBFFDEBF}"/>
+              </a:ext>
+            </a:extLst>
+          </p:cNvPr>
+          <p:cNvSpPr txBox="1">
+            <a:spLocks/>
+          </p:cNvSpPr>
+          <p:nvPr/>
+        </p:nvSpPr>
+        <p:spPr>
+          <a:xfrm>
+            <a:off x="3386012" y="2556238"/>
+            <a:ext cx="2672178" cy="470516"/>
+          </a:xfrm>
+          <a:prstGeom prst="rect">
+            <a:avLst/>
+          </a:prstGeom>
+        </p:spPr>
+        <p:txBody>
+          <a:bodyPr vert="horz" lIns="91440" tIns="45720" rIns="91440" bIns="45720" rtlCol="0" anchor="b">
+            <a:normAutofit fontScale="52500" lnSpcReduction="20000"/>
+          </a:bodyPr>
+          <a:lstStyle>
+            <a:lvl1pPr algn="ctr" defTabSz="914400" rtl="0" eaLnBrk="1" latinLnBrk="0" hangingPunct="1">
+              <a:lnSpc>
+                <a:spcPct val="90000"/>
+              </a:lnSpc>
+              <a:spcBef>
+                <a:spcPct val="0"/>
+              </a:spcBef>
+              <a:buNone/>
+              <a:defRPr sz="6000" kern="1200">
+                <a:solidFill>
+                  <a:schemeClr val="tx1"/>
+                </a:solidFill>
+                <a:latin typeface="+mj-lt"/>
+                <a:ea typeface="+mj-ea"/>
+                <a:cs typeface="+mj-cs"/>
+              </a:defRPr>
+            </a:lvl1pPr>
+          </a:lstStyle>
+          <a:p>
+            <a:r>
+              <a:rPr lang="zh-CN" altLang="en-US" sz="4000" dirty="0">
+                <a:latin typeface="宋体" panose="02010600030101010101" pitchFamily="2" charset="-122"/>
+                <a:ea typeface="宋体" panose="02010600030101010101" pitchFamily="2" charset="-122"/>
+              </a:rPr>
+              <a:t>源语言  </a:t>
+            </a:r>
+            <a:r>
+              <a:rPr lang="en-US" altLang="zh-CN" sz="4000" dirty="0">
+                <a:latin typeface="宋体" panose="02010600030101010101" pitchFamily="2" charset="-122"/>
+                <a:ea typeface="宋体" panose="02010600030101010101" pitchFamily="2" charset="-122"/>
+              </a:rPr>
+              <a:t>(</a:t>
+            </a:r>
+            <a:r>
+              <a:rPr lang="zh-CN" altLang="en-US" sz="4000" dirty="0">
+                <a:solidFill>
+                  <a:srgbClr val="FF0000"/>
+                </a:solidFill>
+                <a:latin typeface="宋体" panose="02010600030101010101" pitchFamily="2" charset="-122"/>
+                <a:ea typeface="宋体" panose="02010600030101010101" pitchFamily="2" charset="-122"/>
+              </a:rPr>
+              <a:t>中文</a:t>
+            </a:r>
+            <a:r>
+              <a:rPr lang="en-US" altLang="zh-CN" sz="4000" dirty="0">
+                <a:solidFill>
+                  <a:srgbClr val="FF0000"/>
+                </a:solidFill>
+                <a:latin typeface="宋体" panose="02010600030101010101" pitchFamily="2" charset="-122"/>
+                <a:ea typeface="宋体" panose="02010600030101010101" pitchFamily="2" charset="-122"/>
+              </a:rPr>
               <a:t>/</a:t>
             </a:r>
             <a:r>
-              <a:rPr lang="zh-CN" altLang="en-US" dirty="0"/>
-              <a:t>联系口语</a:t>
-            </a:r>
-            <a:endParaRPr lang="en-US" altLang="zh-CN" dirty="0"/>
-          </a:p>
-          <a:p>
-            <a:pPr>
-              <a:buFontTx/>
-              <a:buChar char="-"/>
-            </a:pPr>
-            <a:r>
-              <a:rPr lang="zh-CN" altLang="en-US" dirty="0"/>
-              <a:t>点歌：学累了可以听歌</a:t>
-            </a:r>
-            <a:endParaRPr lang="en-US" altLang="zh-CN" dirty="0"/>
-          </a:p>
-          <a:p>
-            <a:pPr>
-              <a:buFontTx/>
-              <a:buChar char="-"/>
-            </a:pPr>
-            <a:r>
-              <a:rPr lang="zh-CN" altLang="en-US" dirty="0"/>
-              <a:t>发微信消息：联系父母，不需要智能手机</a:t>
-            </a:r>
-            <a:r>
-              <a:rPr lang="en-US" altLang="zh-CN" dirty="0"/>
-              <a:t>/</a:t>
-            </a:r>
-            <a:r>
-              <a:rPr lang="zh-CN" altLang="en-US" dirty="0"/>
-              <a:t>手表</a:t>
-            </a:r>
-            <a:endParaRPr lang="en-US" altLang="zh-CN" dirty="0"/>
-          </a:p>
-          <a:p>
-            <a:pPr>
-              <a:buFontTx/>
-              <a:buChar char="-"/>
-            </a:pPr>
-            <a:endParaRPr lang="zh-CN" altLang="en-US" dirty="0"/>
-          </a:p>
-        </p:txBody>
-      </p:sp>
+              <a:rPr lang="zh-CN" altLang="en-US" sz="4000" dirty="0">
+                <a:solidFill>
+                  <a:srgbClr val="FF0000"/>
+                </a:solidFill>
+                <a:latin typeface="宋体" panose="02010600030101010101" pitchFamily="2" charset="-122"/>
+                <a:ea typeface="宋体" panose="02010600030101010101" pitchFamily="2" charset="-122"/>
+              </a:rPr>
+              <a:t>英文</a:t>
+            </a:r>
+            <a:r>
+              <a:rPr lang="en-US" altLang="zh-CN" sz="4000" dirty="0">
+                <a:latin typeface="宋体" panose="02010600030101010101" pitchFamily="2" charset="-122"/>
+                <a:ea typeface="宋体" panose="02010600030101010101" pitchFamily="2" charset="-122"/>
+              </a:rPr>
+              <a:t>)</a:t>
+            </a:r>
+            <a:endParaRPr lang="zh-CN" altLang="en-US" sz="4000" dirty="0">
+              <a:latin typeface="宋体" panose="02010600030101010101" pitchFamily="2" charset="-122"/>
+              <a:ea typeface="宋体" panose="02010600030101010101" pitchFamily="2" charset="-122"/>
+            </a:endParaRPr>
+          </a:p>
+        </p:txBody>
+      </p:sp>
+      <p:sp>
+        <p:nvSpPr>
+          <p:cNvPr id="24" name="标题 1">
+            <a:extLst>
+              <a:ext uri="{FF2B5EF4-FFF2-40B4-BE49-F238E27FC236}">
+                <a16:creationId xmlns:a16="http://schemas.microsoft.com/office/drawing/2014/main" id="{D709605D-097A-4F13-A39D-07768D7B348C}"/>
+              </a:ext>
+            </a:extLst>
+          </p:cNvPr>
+          <p:cNvSpPr txBox="1">
+            <a:spLocks/>
+          </p:cNvSpPr>
+          <p:nvPr/>
+        </p:nvSpPr>
+        <p:spPr>
+          <a:xfrm>
+            <a:off x="3832193" y="3477512"/>
+            <a:ext cx="2672178" cy="470516"/>
+          </a:xfrm>
+          <a:prstGeom prst="rect">
+            <a:avLst/>
+          </a:prstGeom>
+        </p:spPr>
+        <p:txBody>
+          <a:bodyPr vert="horz" lIns="91440" tIns="45720" rIns="91440" bIns="45720" rtlCol="0" anchor="b">
+            <a:normAutofit fontScale="97500"/>
+          </a:bodyPr>
+          <a:lstStyle>
+            <a:lvl1pPr algn="ctr" defTabSz="914400" rtl="0" eaLnBrk="1" latinLnBrk="0" hangingPunct="1">
+              <a:lnSpc>
+                <a:spcPct val="90000"/>
+              </a:lnSpc>
+              <a:spcBef>
+                <a:spcPct val="0"/>
+              </a:spcBef>
+              <a:buNone/>
+              <a:defRPr sz="6000" kern="1200">
+                <a:solidFill>
+                  <a:schemeClr val="tx1"/>
+                </a:solidFill>
+                <a:latin typeface="+mj-lt"/>
+                <a:ea typeface="+mj-ea"/>
+                <a:cs typeface="+mj-cs"/>
+              </a:defRPr>
+            </a:lvl1pPr>
+          </a:lstStyle>
+          <a:p>
+            <a:r>
+              <a:rPr lang="zh-CN" altLang="en-US" sz="2800" dirty="0">
+                <a:solidFill>
+                  <a:srgbClr val="FF0000"/>
+                </a:solidFill>
+                <a:latin typeface="宋体" panose="02010600030101010101" pitchFamily="2" charset="-122"/>
+                <a:ea typeface="宋体" panose="02010600030101010101" pitchFamily="2" charset="-122"/>
+              </a:rPr>
+              <a:t>内容</a:t>
+            </a:r>
+          </a:p>
+        </p:txBody>
+      </p:sp>
+      <p:cxnSp>
+        <p:nvCxnSpPr>
+          <p:cNvPr id="25" name="直接箭头连接符 24">
+            <a:extLst>
+              <a:ext uri="{FF2B5EF4-FFF2-40B4-BE49-F238E27FC236}">
+                <a16:creationId xmlns:a16="http://schemas.microsoft.com/office/drawing/2014/main" id="{66DAF117-0D20-4AB0-9F57-CCD2E1ABD7E4}"/>
+              </a:ext>
+            </a:extLst>
+          </p:cNvPr>
+          <p:cNvCxnSpPr>
+            <a:cxnSpLocks/>
+          </p:cNvCxnSpPr>
+          <p:nvPr/>
+        </p:nvCxnSpPr>
+        <p:spPr>
+          <a:xfrm flipH="1">
+            <a:off x="4413673" y="3404310"/>
+            <a:ext cx="10360" cy="829541"/>
+          </a:xfrm>
+          <a:prstGeom prst="straightConnector1">
+            <a:avLst/>
+          </a:prstGeom>
+          <a:ln>
+            <a:tailEnd type="triangle"/>
+          </a:ln>
+        </p:spPr>
+        <p:style>
+          <a:lnRef idx="1">
+            <a:schemeClr val="accent1"/>
+          </a:lnRef>
+          <a:fillRef idx="0">
+            <a:schemeClr val="accent1"/>
+          </a:fillRef>
+          <a:effectRef idx="0">
+            <a:schemeClr val="accent1"/>
+          </a:effectRef>
+          <a:fontRef idx="minor">
+            <a:schemeClr val="tx1"/>
+          </a:fontRef>
+        </p:style>
+      </p:cxnSp>
+      <p:sp>
+        <p:nvSpPr>
+          <p:cNvPr id="26" name="标题 1">
+            <a:extLst>
+              <a:ext uri="{FF2B5EF4-FFF2-40B4-BE49-F238E27FC236}">
+                <a16:creationId xmlns:a16="http://schemas.microsoft.com/office/drawing/2014/main" id="{318F58A2-16B2-469A-8405-1E3618A27BE2}"/>
+              </a:ext>
+            </a:extLst>
+          </p:cNvPr>
+          <p:cNvSpPr txBox="1">
+            <a:spLocks/>
+          </p:cNvSpPr>
+          <p:nvPr/>
+        </p:nvSpPr>
+        <p:spPr>
+          <a:xfrm>
+            <a:off x="2800376" y="4343749"/>
+            <a:ext cx="2672178" cy="470516"/>
+          </a:xfrm>
+          <a:prstGeom prst="rect">
+            <a:avLst/>
+          </a:prstGeom>
+        </p:spPr>
+        <p:txBody>
+          <a:bodyPr vert="horz" lIns="91440" tIns="45720" rIns="91440" bIns="45720" rtlCol="0" anchor="b">
+            <a:normAutofit fontScale="82500" lnSpcReduction="20000"/>
+          </a:bodyPr>
+          <a:lstStyle>
+            <a:lvl1pPr algn="ctr" defTabSz="914400" rtl="0" eaLnBrk="1" latinLnBrk="0" hangingPunct="1">
+              <a:lnSpc>
+                <a:spcPct val="90000"/>
+              </a:lnSpc>
+              <a:spcBef>
+                <a:spcPct val="0"/>
+              </a:spcBef>
+              <a:buNone/>
+              <a:defRPr sz="6000" kern="1200">
+                <a:solidFill>
+                  <a:schemeClr val="tx1"/>
+                </a:solidFill>
+                <a:latin typeface="+mj-lt"/>
+                <a:ea typeface="+mj-ea"/>
+                <a:cs typeface="+mj-cs"/>
+              </a:defRPr>
+            </a:lvl1pPr>
+          </a:lstStyle>
+          <a:p>
+            <a:r>
+              <a:rPr lang="zh-CN" altLang="en-US" sz="4000" dirty="0">
+                <a:latin typeface="宋体" panose="02010600030101010101" pitchFamily="2" charset="-122"/>
+                <a:ea typeface="宋体" panose="02010600030101010101" pitchFamily="2" charset="-122"/>
+              </a:rPr>
+              <a:t>翻译</a:t>
+            </a:r>
+          </a:p>
+        </p:txBody>
+      </p:sp>
+      <p:sp>
+        <p:nvSpPr>
+          <p:cNvPr id="27" name="标题 1">
+            <a:extLst>
+              <a:ext uri="{FF2B5EF4-FFF2-40B4-BE49-F238E27FC236}">
+                <a16:creationId xmlns:a16="http://schemas.microsoft.com/office/drawing/2014/main" id="{B788E806-A486-47A6-B334-589C0864EB87}"/>
+              </a:ext>
+            </a:extLst>
+          </p:cNvPr>
+          <p:cNvSpPr txBox="1">
+            <a:spLocks/>
+          </p:cNvSpPr>
+          <p:nvPr/>
+        </p:nvSpPr>
+        <p:spPr>
+          <a:xfrm>
+            <a:off x="494593" y="4204643"/>
+            <a:ext cx="2672178" cy="470516"/>
+          </a:xfrm>
+          <a:prstGeom prst="rect">
+            <a:avLst/>
+          </a:prstGeom>
+        </p:spPr>
+        <p:txBody>
+          <a:bodyPr vert="horz" lIns="91440" tIns="45720" rIns="91440" bIns="45720" rtlCol="0" anchor="b">
+            <a:normAutofit fontScale="82500" lnSpcReduction="20000"/>
+          </a:bodyPr>
+          <a:lstStyle>
+            <a:lvl1pPr algn="ctr" defTabSz="914400" rtl="0" eaLnBrk="1" latinLnBrk="0" hangingPunct="1">
+              <a:lnSpc>
+                <a:spcPct val="90000"/>
+              </a:lnSpc>
+              <a:spcBef>
+                <a:spcPct val="0"/>
+              </a:spcBef>
+              <a:buNone/>
+              <a:defRPr sz="6000" kern="1200">
+                <a:solidFill>
+                  <a:schemeClr val="tx1"/>
+                </a:solidFill>
+                <a:latin typeface="+mj-lt"/>
+                <a:ea typeface="+mj-ea"/>
+                <a:cs typeface="+mj-cs"/>
+              </a:defRPr>
+            </a:lvl1pPr>
+          </a:lstStyle>
+          <a:p>
+            <a:r>
+              <a:rPr lang="zh-CN" altLang="en-US" sz="4000" dirty="0">
+                <a:solidFill>
+                  <a:srgbClr val="FF0000"/>
+                </a:solidFill>
+                <a:latin typeface="宋体" panose="02010600030101010101" pitchFamily="2" charset="-122"/>
+                <a:ea typeface="宋体" panose="02010600030101010101" pitchFamily="2" charset="-122"/>
+              </a:rPr>
+              <a:t>暂停</a:t>
+            </a:r>
+          </a:p>
+        </p:txBody>
+      </p:sp>
+      <p:sp>
+        <p:nvSpPr>
+          <p:cNvPr id="28" name="标题 1">
+            <a:extLst>
+              <a:ext uri="{FF2B5EF4-FFF2-40B4-BE49-F238E27FC236}">
+                <a16:creationId xmlns:a16="http://schemas.microsoft.com/office/drawing/2014/main" id="{DC95819A-2A02-4B25-BF13-CD3861F52E31}"/>
+              </a:ext>
+            </a:extLst>
+          </p:cNvPr>
+          <p:cNvSpPr txBox="1">
+            <a:spLocks/>
+          </p:cNvSpPr>
+          <p:nvPr/>
+        </p:nvSpPr>
+        <p:spPr>
+          <a:xfrm>
+            <a:off x="1481107" y="4141540"/>
+            <a:ext cx="2672178" cy="470516"/>
+          </a:xfrm>
+          <a:prstGeom prst="rect">
+            <a:avLst/>
+          </a:prstGeom>
+        </p:spPr>
+        <p:txBody>
+          <a:bodyPr vert="horz" lIns="91440" tIns="45720" rIns="91440" bIns="45720" rtlCol="0" anchor="b">
+            <a:normAutofit fontScale="82500" lnSpcReduction="20000"/>
+          </a:bodyPr>
+          <a:lstStyle>
+            <a:lvl1pPr algn="ctr" defTabSz="914400" rtl="0" eaLnBrk="1" latinLnBrk="0" hangingPunct="1">
+              <a:lnSpc>
+                <a:spcPct val="90000"/>
+              </a:lnSpc>
+              <a:spcBef>
+                <a:spcPct val="0"/>
+              </a:spcBef>
+              <a:buNone/>
+              <a:defRPr sz="6000" kern="1200">
+                <a:solidFill>
+                  <a:schemeClr val="tx1"/>
+                </a:solidFill>
+                <a:latin typeface="+mj-lt"/>
+                <a:ea typeface="+mj-ea"/>
+                <a:cs typeface="+mj-cs"/>
+              </a:defRPr>
+            </a:lvl1pPr>
+          </a:lstStyle>
+          <a:p>
+            <a:r>
+              <a:rPr lang="zh-CN" altLang="en-US" sz="4000" dirty="0">
+                <a:solidFill>
+                  <a:srgbClr val="FF0000"/>
+                </a:solidFill>
+                <a:latin typeface="宋体" panose="02010600030101010101" pitchFamily="2" charset="-122"/>
+                <a:ea typeface="宋体" panose="02010600030101010101" pitchFamily="2" charset="-122"/>
+              </a:rPr>
+              <a:t>继续</a:t>
+            </a:r>
+          </a:p>
+        </p:txBody>
+      </p:sp>
+      <p:cxnSp>
+        <p:nvCxnSpPr>
+          <p:cNvPr id="30" name="直接箭头连接符 29">
+            <a:extLst>
+              <a:ext uri="{FF2B5EF4-FFF2-40B4-BE49-F238E27FC236}">
+                <a16:creationId xmlns:a16="http://schemas.microsoft.com/office/drawing/2014/main" id="{0CDDCD46-FB62-4753-A2F7-01EE08366933}"/>
+              </a:ext>
+            </a:extLst>
+          </p:cNvPr>
+          <p:cNvCxnSpPr>
+            <a:cxnSpLocks/>
+          </p:cNvCxnSpPr>
+          <p:nvPr/>
+        </p:nvCxnSpPr>
+        <p:spPr>
+          <a:xfrm flipH="1">
+            <a:off x="794923" y="3757418"/>
+            <a:ext cx="659167" cy="332874"/>
+          </a:xfrm>
+          <a:prstGeom prst="straightConnector1">
+            <a:avLst/>
+          </a:prstGeom>
+          <a:ln>
+            <a:tailEnd type="triangle"/>
+          </a:ln>
+        </p:spPr>
+        <p:style>
+          <a:lnRef idx="1">
+            <a:schemeClr val="accent1"/>
+          </a:lnRef>
+          <a:fillRef idx="0">
+            <a:schemeClr val="accent1"/>
+          </a:fillRef>
+          <a:effectRef idx="0">
+            <a:schemeClr val="accent1"/>
+          </a:effectRef>
+          <a:fontRef idx="minor">
+            <a:schemeClr val="tx1"/>
+          </a:fontRef>
+        </p:style>
+      </p:cxnSp>
+      <p:cxnSp>
+        <p:nvCxnSpPr>
+          <p:cNvPr id="32" name="直接箭头连接符 31">
+            <a:extLst>
+              <a:ext uri="{FF2B5EF4-FFF2-40B4-BE49-F238E27FC236}">
+                <a16:creationId xmlns:a16="http://schemas.microsoft.com/office/drawing/2014/main" id="{4A592F82-70CA-4D34-B7D6-6B9521294BD8}"/>
+              </a:ext>
+            </a:extLst>
+          </p:cNvPr>
+          <p:cNvCxnSpPr/>
+          <p:nvPr/>
+        </p:nvCxnSpPr>
+        <p:spPr>
+          <a:xfrm>
+            <a:off x="2362177" y="3735017"/>
+            <a:ext cx="270768" cy="254428"/>
+          </a:xfrm>
+          <a:prstGeom prst="straightConnector1">
+            <a:avLst/>
+          </a:prstGeom>
+          <a:ln>
+            <a:tailEnd type="triangle"/>
+          </a:ln>
+        </p:spPr>
+        <p:style>
+          <a:lnRef idx="1">
+            <a:schemeClr val="accent1"/>
+          </a:lnRef>
+          <a:fillRef idx="0">
+            <a:schemeClr val="accent1"/>
+          </a:fillRef>
+          <a:effectRef idx="0">
+            <a:schemeClr val="accent1"/>
+          </a:effectRef>
+          <a:fontRef idx="minor">
+            <a:schemeClr val="tx1"/>
+          </a:fontRef>
+        </p:style>
+      </p:cxnSp>
+      <p:cxnSp>
+        <p:nvCxnSpPr>
+          <p:cNvPr id="34" name="直接箭头连接符 33">
+            <a:extLst>
+              <a:ext uri="{FF2B5EF4-FFF2-40B4-BE49-F238E27FC236}">
+                <a16:creationId xmlns:a16="http://schemas.microsoft.com/office/drawing/2014/main" id="{9F2DB745-CCFA-43C8-A41A-B662393EBF14}"/>
+              </a:ext>
+            </a:extLst>
+          </p:cNvPr>
+          <p:cNvCxnSpPr>
+            <a:cxnSpLocks/>
+            <a:stCxn id="6" idx="2"/>
+          </p:cNvCxnSpPr>
+          <p:nvPr/>
+        </p:nvCxnSpPr>
+        <p:spPr>
+          <a:xfrm flipH="1">
+            <a:off x="5814500" y="2223983"/>
+            <a:ext cx="699468" cy="791153"/>
+          </a:xfrm>
+          <a:prstGeom prst="straightConnector1">
+            <a:avLst/>
+          </a:prstGeom>
+          <a:ln>
+            <a:tailEnd type="triangle"/>
+          </a:ln>
+        </p:spPr>
+        <p:style>
+          <a:lnRef idx="1">
+            <a:schemeClr val="accent1"/>
+          </a:lnRef>
+          <a:fillRef idx="0">
+            <a:schemeClr val="accent1"/>
+          </a:fillRef>
+          <a:effectRef idx="0">
+            <a:schemeClr val="accent1"/>
+          </a:effectRef>
+          <a:fontRef idx="minor">
+            <a:schemeClr val="tx1"/>
+          </a:fontRef>
+        </p:style>
+      </p:cxnSp>
+      <p:sp>
+        <p:nvSpPr>
+          <p:cNvPr id="35" name="标题 1">
+            <a:extLst>
+              <a:ext uri="{FF2B5EF4-FFF2-40B4-BE49-F238E27FC236}">
+                <a16:creationId xmlns:a16="http://schemas.microsoft.com/office/drawing/2014/main" id="{56B128E2-1727-4AD7-A390-CB6355DFAA1B}"/>
+              </a:ext>
+            </a:extLst>
+          </p:cNvPr>
+          <p:cNvSpPr txBox="1">
+            <a:spLocks/>
+          </p:cNvSpPr>
+          <p:nvPr/>
+        </p:nvSpPr>
+        <p:spPr>
+          <a:xfrm>
+            <a:off x="4937447" y="2129312"/>
+            <a:ext cx="2672178" cy="470516"/>
+          </a:xfrm>
+          <a:prstGeom prst="rect">
+            <a:avLst/>
+          </a:prstGeom>
+        </p:spPr>
+        <p:txBody>
+          <a:bodyPr vert="horz" lIns="91440" tIns="45720" rIns="91440" bIns="45720" rtlCol="0" anchor="b">
+            <a:normAutofit fontScale="97500"/>
+          </a:bodyPr>
+          <a:lstStyle>
+            <a:lvl1pPr algn="ctr" defTabSz="914400" rtl="0" eaLnBrk="1" latinLnBrk="0" hangingPunct="1">
+              <a:lnSpc>
+                <a:spcPct val="90000"/>
+              </a:lnSpc>
+              <a:spcBef>
+                <a:spcPct val="0"/>
+              </a:spcBef>
+              <a:buNone/>
+              <a:defRPr sz="6000" kern="1200">
+                <a:solidFill>
+                  <a:schemeClr val="tx1"/>
+                </a:solidFill>
+                <a:latin typeface="+mj-lt"/>
+                <a:ea typeface="+mj-ea"/>
+                <a:cs typeface="+mj-cs"/>
+              </a:defRPr>
+            </a:lvl1pPr>
+          </a:lstStyle>
+          <a:p>
+            <a:r>
+              <a:rPr lang="zh-CN" altLang="en-US" sz="2400" dirty="0">
+                <a:latin typeface="宋体" panose="02010600030101010101" pitchFamily="2" charset="-122"/>
+                <a:ea typeface="宋体" panose="02010600030101010101" pitchFamily="2" charset="-122"/>
+              </a:rPr>
+              <a:t>未登录</a:t>
+            </a:r>
+          </a:p>
+        </p:txBody>
+      </p:sp>
+      <p:sp>
+        <p:nvSpPr>
+          <p:cNvPr id="36" name="标题 1">
+            <a:extLst>
+              <a:ext uri="{FF2B5EF4-FFF2-40B4-BE49-F238E27FC236}">
+                <a16:creationId xmlns:a16="http://schemas.microsoft.com/office/drawing/2014/main" id="{0AA4D79A-B161-440A-839D-AB21A1BD8B08}"/>
+              </a:ext>
+            </a:extLst>
+          </p:cNvPr>
+          <p:cNvSpPr txBox="1">
+            <a:spLocks/>
+          </p:cNvSpPr>
+          <p:nvPr/>
+        </p:nvSpPr>
+        <p:spPr>
+          <a:xfrm>
+            <a:off x="5502863" y="4544710"/>
+            <a:ext cx="2672178" cy="470516"/>
+          </a:xfrm>
+          <a:prstGeom prst="rect">
+            <a:avLst/>
+          </a:prstGeom>
+        </p:spPr>
+        <p:txBody>
+          <a:bodyPr vert="horz" lIns="91440" tIns="45720" rIns="91440" bIns="45720" rtlCol="0" anchor="b">
+            <a:normAutofit fontScale="82500" lnSpcReduction="20000"/>
+          </a:bodyPr>
+          <a:lstStyle>
+            <a:lvl1pPr algn="ctr" defTabSz="914400" rtl="0" eaLnBrk="1" latinLnBrk="0" hangingPunct="1">
+              <a:lnSpc>
+                <a:spcPct val="90000"/>
+              </a:lnSpc>
+              <a:spcBef>
+                <a:spcPct val="0"/>
+              </a:spcBef>
+              <a:buNone/>
+              <a:defRPr sz="6000" kern="1200">
+                <a:solidFill>
+                  <a:schemeClr val="tx1"/>
+                </a:solidFill>
+                <a:latin typeface="+mj-lt"/>
+                <a:ea typeface="+mj-ea"/>
+                <a:cs typeface="+mj-cs"/>
+              </a:defRPr>
+            </a:lvl1pPr>
+          </a:lstStyle>
+          <a:p>
+            <a:r>
+              <a:rPr lang="zh-CN" altLang="en-US" sz="4000" dirty="0">
+                <a:latin typeface="宋体" panose="02010600030101010101" pitchFamily="2" charset="-122"/>
+                <a:ea typeface="宋体" panose="02010600030101010101" pitchFamily="2" charset="-122"/>
+              </a:rPr>
+              <a:t>发送消息</a:t>
+            </a:r>
+          </a:p>
+        </p:txBody>
+      </p:sp>
+      <p:sp>
+        <p:nvSpPr>
+          <p:cNvPr id="38" name="标题 1">
+            <a:extLst>
+              <a:ext uri="{FF2B5EF4-FFF2-40B4-BE49-F238E27FC236}">
+                <a16:creationId xmlns:a16="http://schemas.microsoft.com/office/drawing/2014/main" id="{F8AFCB9A-E7F1-4A08-A46C-713EBBAF016A}"/>
+              </a:ext>
+            </a:extLst>
+          </p:cNvPr>
+          <p:cNvSpPr txBox="1">
+            <a:spLocks/>
+          </p:cNvSpPr>
+          <p:nvPr/>
+        </p:nvSpPr>
+        <p:spPr>
+          <a:xfrm>
+            <a:off x="4759911" y="2971019"/>
+            <a:ext cx="2672178" cy="470516"/>
+          </a:xfrm>
+          <a:prstGeom prst="rect">
+            <a:avLst/>
+          </a:prstGeom>
+        </p:spPr>
+        <p:txBody>
+          <a:bodyPr vert="horz" lIns="91440" tIns="45720" rIns="91440" bIns="45720" rtlCol="0" anchor="b">
+            <a:normAutofit fontScale="90000" lnSpcReduction="10000"/>
+          </a:bodyPr>
+          <a:lstStyle>
+            <a:lvl1pPr algn="ctr" defTabSz="914400" rtl="0" eaLnBrk="1" latinLnBrk="0" hangingPunct="1">
+              <a:lnSpc>
+                <a:spcPct val="90000"/>
+              </a:lnSpc>
+              <a:spcBef>
+                <a:spcPct val="0"/>
+              </a:spcBef>
+              <a:buNone/>
+              <a:defRPr sz="6000" kern="1200">
+                <a:solidFill>
+                  <a:schemeClr val="tx1"/>
+                </a:solidFill>
+                <a:latin typeface="+mj-lt"/>
+                <a:ea typeface="+mj-ea"/>
+                <a:cs typeface="+mj-cs"/>
+              </a:defRPr>
+            </a:lvl1pPr>
+          </a:lstStyle>
+          <a:p>
+            <a:r>
+              <a:rPr lang="zh-CN" altLang="en-US" sz="3200" dirty="0">
+                <a:latin typeface="宋体" panose="02010600030101010101" pitchFamily="2" charset="-122"/>
+                <a:ea typeface="宋体" panose="02010600030101010101" pitchFamily="2" charset="-122"/>
+              </a:rPr>
+              <a:t>扫码登录</a:t>
+            </a:r>
+          </a:p>
+        </p:txBody>
+      </p:sp>
+      <p:cxnSp>
+        <p:nvCxnSpPr>
+          <p:cNvPr id="40" name="直接箭头连接符 39">
+            <a:extLst>
+              <a:ext uri="{FF2B5EF4-FFF2-40B4-BE49-F238E27FC236}">
+                <a16:creationId xmlns:a16="http://schemas.microsoft.com/office/drawing/2014/main" id="{3931D85F-332E-4D9F-B8E5-6343B558D585}"/>
+              </a:ext>
+            </a:extLst>
+          </p:cNvPr>
+          <p:cNvCxnSpPr>
+            <a:cxnSpLocks/>
+          </p:cNvCxnSpPr>
+          <p:nvPr/>
+        </p:nvCxnSpPr>
+        <p:spPr>
+          <a:xfrm>
+            <a:off x="7130592" y="2270940"/>
+            <a:ext cx="0" cy="2228846"/>
+          </a:xfrm>
+          <a:prstGeom prst="straightConnector1">
+            <a:avLst/>
+          </a:prstGeom>
+          <a:ln>
+            <a:tailEnd type="triangle"/>
+          </a:ln>
+        </p:spPr>
+        <p:style>
+          <a:lnRef idx="1">
+            <a:schemeClr val="accent1"/>
+          </a:lnRef>
+          <a:fillRef idx="0">
+            <a:schemeClr val="accent1"/>
+          </a:fillRef>
+          <a:effectRef idx="0">
+            <a:schemeClr val="accent1"/>
+          </a:effectRef>
+          <a:fontRef idx="minor">
+            <a:schemeClr val="tx1"/>
+          </a:fontRef>
+        </p:style>
+      </p:cxnSp>
+      <p:cxnSp>
+        <p:nvCxnSpPr>
+          <p:cNvPr id="42" name="直接箭头连接符 41">
+            <a:extLst>
+              <a:ext uri="{FF2B5EF4-FFF2-40B4-BE49-F238E27FC236}">
+                <a16:creationId xmlns:a16="http://schemas.microsoft.com/office/drawing/2014/main" id="{2F7BD5BE-4D47-4443-BEDD-32E9958BAD43}"/>
+              </a:ext>
+            </a:extLst>
+          </p:cNvPr>
+          <p:cNvCxnSpPr>
+            <a:cxnSpLocks/>
+            <a:endCxn id="36" idx="0"/>
+          </p:cNvCxnSpPr>
+          <p:nvPr/>
+        </p:nvCxnSpPr>
+        <p:spPr>
+          <a:xfrm>
+            <a:off x="5983738" y="3433605"/>
+            <a:ext cx="855214" cy="1111105"/>
+          </a:xfrm>
+          <a:prstGeom prst="straightConnector1">
+            <a:avLst/>
+          </a:prstGeom>
+          <a:ln>
+            <a:tailEnd type="triangle"/>
+          </a:ln>
+        </p:spPr>
+        <p:style>
+          <a:lnRef idx="1">
+            <a:schemeClr val="accent1"/>
+          </a:lnRef>
+          <a:fillRef idx="0">
+            <a:schemeClr val="accent1"/>
+          </a:fillRef>
+          <a:effectRef idx="0">
+            <a:schemeClr val="accent1"/>
+          </a:effectRef>
+          <a:fontRef idx="minor">
+            <a:schemeClr val="tx1"/>
+          </a:fontRef>
+        </p:style>
+      </p:cxnSp>
+      <p:sp>
+        <p:nvSpPr>
+          <p:cNvPr id="43" name="标题 1">
+            <a:extLst>
+              <a:ext uri="{FF2B5EF4-FFF2-40B4-BE49-F238E27FC236}">
+                <a16:creationId xmlns:a16="http://schemas.microsoft.com/office/drawing/2014/main" id="{7E821F99-1F08-4B4A-8BB2-CE9553067768}"/>
+              </a:ext>
+            </a:extLst>
+          </p:cNvPr>
+          <p:cNvSpPr txBox="1">
+            <a:spLocks/>
+          </p:cNvSpPr>
+          <p:nvPr/>
+        </p:nvSpPr>
+        <p:spPr>
+          <a:xfrm>
+            <a:off x="6139806" y="3026754"/>
+            <a:ext cx="2672178" cy="470516"/>
+          </a:xfrm>
+          <a:prstGeom prst="rect">
+            <a:avLst/>
+          </a:prstGeom>
+        </p:spPr>
+        <p:txBody>
+          <a:bodyPr vert="horz" lIns="91440" tIns="45720" rIns="91440" bIns="45720" rtlCol="0" anchor="b">
+            <a:normAutofit fontScale="97500"/>
+          </a:bodyPr>
+          <a:lstStyle>
+            <a:lvl1pPr algn="ctr" defTabSz="914400" rtl="0" eaLnBrk="1" latinLnBrk="0" hangingPunct="1">
+              <a:lnSpc>
+                <a:spcPct val="90000"/>
+              </a:lnSpc>
+              <a:spcBef>
+                <a:spcPct val="0"/>
+              </a:spcBef>
+              <a:buNone/>
+              <a:defRPr sz="6000" kern="1200">
+                <a:solidFill>
+                  <a:schemeClr val="tx1"/>
+                </a:solidFill>
+                <a:latin typeface="+mj-lt"/>
+                <a:ea typeface="+mj-ea"/>
+                <a:cs typeface="+mj-cs"/>
+              </a:defRPr>
+            </a:lvl1pPr>
+          </a:lstStyle>
+          <a:p>
+            <a:r>
+              <a:rPr lang="zh-CN" altLang="en-US" sz="2400" dirty="0">
+                <a:solidFill>
+                  <a:srgbClr val="FF0000"/>
+                </a:solidFill>
+                <a:latin typeface="宋体" panose="02010600030101010101" pitchFamily="2" charset="-122"/>
+                <a:ea typeface="宋体" panose="02010600030101010101" pitchFamily="2" charset="-122"/>
+              </a:rPr>
+              <a:t>内容</a:t>
+            </a:r>
+          </a:p>
+        </p:txBody>
+      </p:sp>
+      <p:cxnSp>
+        <p:nvCxnSpPr>
+          <p:cNvPr id="48" name="连接符: 曲线 47">
+            <a:extLst>
+              <a:ext uri="{FF2B5EF4-FFF2-40B4-BE49-F238E27FC236}">
+                <a16:creationId xmlns:a16="http://schemas.microsoft.com/office/drawing/2014/main" id="{5959AF0C-1920-43AC-A50F-5197E395BA0A}"/>
+              </a:ext>
+            </a:extLst>
+          </p:cNvPr>
+          <p:cNvCxnSpPr>
+            <a:endCxn id="19" idx="1"/>
+          </p:cNvCxnSpPr>
+          <p:nvPr/>
+        </p:nvCxnSpPr>
+        <p:spPr>
+          <a:xfrm rot="5400000" flipH="1" flipV="1">
+            <a:off x="-163939" y="2982381"/>
+            <a:ext cx="1480864" cy="808979"/>
+          </a:xfrm>
+          <a:prstGeom prst="curvedConnector2">
+            <a:avLst/>
+          </a:prstGeom>
+          <a:ln>
+            <a:tailEnd type="triangle"/>
+          </a:ln>
+        </p:spPr>
+        <p:style>
+          <a:lnRef idx="1">
+            <a:schemeClr val="accent1"/>
+          </a:lnRef>
+          <a:fillRef idx="0">
+            <a:schemeClr val="accent1"/>
+          </a:fillRef>
+          <a:effectRef idx="0">
+            <a:schemeClr val="accent1"/>
+          </a:effectRef>
+          <a:fontRef idx="minor">
+            <a:schemeClr val="tx1"/>
+          </a:fontRef>
+        </p:style>
+      </p:cxnSp>
+      <p:sp>
+        <p:nvSpPr>
+          <p:cNvPr id="49" name="标题 1">
+            <a:extLst>
+              <a:ext uri="{FF2B5EF4-FFF2-40B4-BE49-F238E27FC236}">
+                <a16:creationId xmlns:a16="http://schemas.microsoft.com/office/drawing/2014/main" id="{80713020-A6FE-475E-8B2E-5CBBD3C60278}"/>
+              </a:ext>
+            </a:extLst>
+          </p:cNvPr>
+          <p:cNvSpPr txBox="1">
+            <a:spLocks/>
+          </p:cNvSpPr>
+          <p:nvPr/>
+        </p:nvSpPr>
+        <p:spPr>
+          <a:xfrm>
+            <a:off x="-677661" y="4179167"/>
+            <a:ext cx="2672178" cy="470516"/>
+          </a:xfrm>
+          <a:prstGeom prst="rect">
+            <a:avLst/>
+          </a:prstGeom>
+        </p:spPr>
+        <p:txBody>
+          <a:bodyPr vert="horz" lIns="91440" tIns="45720" rIns="91440" bIns="45720" rtlCol="0" anchor="b">
+            <a:normAutofit fontScale="82500" lnSpcReduction="20000"/>
+          </a:bodyPr>
+          <a:lstStyle>
+            <a:lvl1pPr algn="ctr" defTabSz="914400" rtl="0" eaLnBrk="1" latinLnBrk="0" hangingPunct="1">
+              <a:lnSpc>
+                <a:spcPct val="90000"/>
+              </a:lnSpc>
+              <a:spcBef>
+                <a:spcPct val="0"/>
+              </a:spcBef>
+              <a:buNone/>
+              <a:defRPr sz="6000" kern="1200">
+                <a:solidFill>
+                  <a:schemeClr val="tx1"/>
+                </a:solidFill>
+                <a:latin typeface="+mj-lt"/>
+                <a:ea typeface="+mj-ea"/>
+                <a:cs typeface="+mj-cs"/>
+              </a:defRPr>
+            </a:lvl1pPr>
+          </a:lstStyle>
+          <a:p>
+            <a:r>
+              <a:rPr lang="zh-CN" altLang="en-US" sz="4000" dirty="0">
+                <a:solidFill>
+                  <a:srgbClr val="FF0000"/>
+                </a:solidFill>
+                <a:latin typeface="宋体" panose="02010600030101010101" pitchFamily="2" charset="-122"/>
+                <a:ea typeface="宋体" panose="02010600030101010101" pitchFamily="2" charset="-122"/>
+              </a:rPr>
+              <a:t>换一首</a:t>
+            </a:r>
+          </a:p>
+        </p:txBody>
+      </p:sp>
+      <p:cxnSp>
+        <p:nvCxnSpPr>
+          <p:cNvPr id="52" name="直接箭头连接符 51">
+            <a:extLst>
+              <a:ext uri="{FF2B5EF4-FFF2-40B4-BE49-F238E27FC236}">
+                <a16:creationId xmlns:a16="http://schemas.microsoft.com/office/drawing/2014/main" id="{B4E88D0D-45A9-49B8-9EAE-2C7D838016F9}"/>
+              </a:ext>
+            </a:extLst>
+          </p:cNvPr>
+          <p:cNvCxnSpPr>
+            <a:stCxn id="21" idx="2"/>
+          </p:cNvCxnSpPr>
+          <p:nvPr/>
+        </p:nvCxnSpPr>
+        <p:spPr>
+          <a:xfrm flipH="1">
+            <a:off x="1566838" y="3728950"/>
+            <a:ext cx="7029" cy="406895"/>
+          </a:xfrm>
+          <a:prstGeom prst="straightConnector1">
+            <a:avLst/>
+          </a:prstGeom>
+          <a:ln>
+            <a:tailEnd type="triangle"/>
+          </a:ln>
+        </p:spPr>
+        <p:style>
+          <a:lnRef idx="1">
+            <a:schemeClr val="accent1"/>
+          </a:lnRef>
+          <a:fillRef idx="0">
+            <a:schemeClr val="accent1"/>
+          </a:fillRef>
+          <a:effectRef idx="0">
+            <a:schemeClr val="accent1"/>
+          </a:effectRef>
+          <a:fontRef idx="minor">
+            <a:schemeClr val="tx1"/>
+          </a:fontRef>
+        </p:style>
+      </p:cxnSp>
+      <p:cxnSp>
+        <p:nvCxnSpPr>
+          <p:cNvPr id="55" name="连接符: 曲线 54">
+            <a:extLst>
+              <a:ext uri="{FF2B5EF4-FFF2-40B4-BE49-F238E27FC236}">
+                <a16:creationId xmlns:a16="http://schemas.microsoft.com/office/drawing/2014/main" id="{90D21BB7-70B4-47C8-BE9C-AD7FF4CC74A9}"/>
+              </a:ext>
+            </a:extLst>
+          </p:cNvPr>
+          <p:cNvCxnSpPr>
+            <a:cxnSpLocks/>
+          </p:cNvCxnSpPr>
+          <p:nvPr/>
+        </p:nvCxnSpPr>
+        <p:spPr>
+          <a:xfrm rot="16200000" flipV="1">
+            <a:off x="3937345" y="2215085"/>
+            <a:ext cx="4174498" cy="1693429"/>
+          </a:xfrm>
+          <a:prstGeom prst="curvedConnector3">
+            <a:avLst>
+              <a:gd name="adj1" fmla="val -11247"/>
+            </a:avLst>
+          </a:prstGeom>
+          <a:ln>
+            <a:tailEnd type="triangle"/>
+          </a:ln>
+        </p:spPr>
+        <p:style>
+          <a:lnRef idx="1">
+            <a:schemeClr val="accent1"/>
+          </a:lnRef>
+          <a:fillRef idx="0">
+            <a:schemeClr val="accent1"/>
+          </a:fillRef>
+          <a:effectRef idx="0">
+            <a:schemeClr val="accent1"/>
+          </a:effectRef>
+          <a:fontRef idx="minor">
+            <a:schemeClr val="tx1"/>
+          </a:fontRef>
+        </p:style>
+      </p:cxnSp>
+      <p:cxnSp>
+        <p:nvCxnSpPr>
+          <p:cNvPr id="61" name="连接符: 曲线 60">
+            <a:extLst>
+              <a:ext uri="{FF2B5EF4-FFF2-40B4-BE49-F238E27FC236}">
+                <a16:creationId xmlns:a16="http://schemas.microsoft.com/office/drawing/2014/main" id="{CBD8E6F0-4CC3-461A-975C-41AE0BB74B36}"/>
+              </a:ext>
+            </a:extLst>
+          </p:cNvPr>
+          <p:cNvCxnSpPr>
+            <a:cxnSpLocks/>
+          </p:cNvCxnSpPr>
+          <p:nvPr/>
+        </p:nvCxnSpPr>
+        <p:spPr>
+          <a:xfrm rot="5400000" flipH="1" flipV="1">
+            <a:off x="4180274" y="4141141"/>
+            <a:ext cx="920897" cy="578162"/>
+          </a:xfrm>
+          <a:prstGeom prst="curvedConnector3">
+            <a:avLst>
+              <a:gd name="adj1" fmla="val -2057"/>
+            </a:avLst>
+          </a:prstGeom>
+          <a:ln>
+            <a:tailEnd type="triangle"/>
+          </a:ln>
+        </p:spPr>
+        <p:style>
+          <a:lnRef idx="1">
+            <a:schemeClr val="accent1"/>
+          </a:lnRef>
+          <a:fillRef idx="0">
+            <a:schemeClr val="accent1"/>
+          </a:fillRef>
+          <a:effectRef idx="0">
+            <a:schemeClr val="accent1"/>
+          </a:effectRef>
+          <a:fontRef idx="minor">
+            <a:schemeClr val="tx1"/>
+          </a:fontRef>
+        </p:style>
+      </p:cxnSp>
+      <p:cxnSp>
+        <p:nvCxnSpPr>
+          <p:cNvPr id="65" name="直接箭头连接符 64">
+            <a:extLst>
+              <a:ext uri="{FF2B5EF4-FFF2-40B4-BE49-F238E27FC236}">
+                <a16:creationId xmlns:a16="http://schemas.microsoft.com/office/drawing/2014/main" id="{F66E781C-467F-41B3-A623-2B38092A2074}"/>
+              </a:ext>
+            </a:extLst>
+          </p:cNvPr>
+          <p:cNvCxnSpPr>
+            <a:cxnSpLocks/>
+          </p:cNvCxnSpPr>
+          <p:nvPr/>
+        </p:nvCxnSpPr>
+        <p:spPr>
+          <a:xfrm>
+            <a:off x="2041027" y="4980373"/>
+            <a:ext cx="1583662" cy="1112400"/>
+          </a:xfrm>
+          <a:prstGeom prst="straightConnector1">
+            <a:avLst/>
+          </a:prstGeom>
+          <a:ln>
+            <a:tailEnd type="triangle"/>
+          </a:ln>
+        </p:spPr>
+        <p:style>
+          <a:lnRef idx="1">
+            <a:schemeClr val="accent1"/>
+          </a:lnRef>
+          <a:fillRef idx="0">
+            <a:schemeClr val="accent1"/>
+          </a:fillRef>
+          <a:effectRef idx="0">
+            <a:schemeClr val="accent1"/>
+          </a:effectRef>
+          <a:fontRef idx="minor">
+            <a:schemeClr val="tx1"/>
+          </a:fontRef>
+        </p:style>
+      </p:cxnSp>
+      <p:cxnSp>
+        <p:nvCxnSpPr>
+          <p:cNvPr id="67" name="直接箭头连接符 66">
+            <a:extLst>
+              <a:ext uri="{FF2B5EF4-FFF2-40B4-BE49-F238E27FC236}">
+                <a16:creationId xmlns:a16="http://schemas.microsoft.com/office/drawing/2014/main" id="{838367F2-D889-4802-82B0-335218A307FF}"/>
+              </a:ext>
+            </a:extLst>
+          </p:cNvPr>
+          <p:cNvCxnSpPr>
+            <a:cxnSpLocks/>
+          </p:cNvCxnSpPr>
+          <p:nvPr/>
+        </p:nvCxnSpPr>
+        <p:spPr>
+          <a:xfrm>
+            <a:off x="4029072" y="4854219"/>
+            <a:ext cx="377931" cy="820123"/>
+          </a:xfrm>
+          <a:prstGeom prst="straightConnector1">
+            <a:avLst/>
+          </a:prstGeom>
+          <a:ln>
+            <a:tailEnd type="triangle"/>
+          </a:ln>
+        </p:spPr>
+        <p:style>
+          <a:lnRef idx="1">
+            <a:schemeClr val="accent1"/>
+          </a:lnRef>
+          <a:fillRef idx="0">
+            <a:schemeClr val="accent1"/>
+          </a:fillRef>
+          <a:effectRef idx="0">
+            <a:schemeClr val="accent1"/>
+          </a:effectRef>
+          <a:fontRef idx="minor">
+            <a:schemeClr val="tx1"/>
+          </a:fontRef>
+        </p:style>
+      </p:cxnSp>
+      <p:sp>
+        <p:nvSpPr>
+          <p:cNvPr id="68" name="标题 1">
+            <a:extLst>
+              <a:ext uri="{FF2B5EF4-FFF2-40B4-BE49-F238E27FC236}">
+                <a16:creationId xmlns:a16="http://schemas.microsoft.com/office/drawing/2014/main" id="{5DCCAF36-695B-412E-938B-6CC3CC69BFCC}"/>
+              </a:ext>
+            </a:extLst>
+          </p:cNvPr>
+          <p:cNvSpPr txBox="1">
+            <a:spLocks/>
+          </p:cNvSpPr>
+          <p:nvPr/>
+        </p:nvSpPr>
+        <p:spPr>
+          <a:xfrm>
+            <a:off x="2844369" y="5857515"/>
+            <a:ext cx="2672178" cy="470516"/>
+          </a:xfrm>
+          <a:prstGeom prst="rect">
+            <a:avLst/>
+          </a:prstGeom>
+        </p:spPr>
+        <p:txBody>
+          <a:bodyPr vert="horz" lIns="91440" tIns="45720" rIns="91440" bIns="45720" rtlCol="0" anchor="b">
+            <a:normAutofit fontScale="82500" lnSpcReduction="20000"/>
+          </a:bodyPr>
+          <a:lstStyle>
+            <a:lvl1pPr algn="ctr" defTabSz="914400" rtl="0" eaLnBrk="1" latinLnBrk="0" hangingPunct="1">
+              <a:lnSpc>
+                <a:spcPct val="90000"/>
+              </a:lnSpc>
+              <a:spcBef>
+                <a:spcPct val="0"/>
+              </a:spcBef>
+              <a:buNone/>
+              <a:defRPr sz="6000" kern="1200">
+                <a:solidFill>
+                  <a:schemeClr val="tx1"/>
+                </a:solidFill>
+                <a:latin typeface="+mj-lt"/>
+                <a:ea typeface="+mj-ea"/>
+                <a:cs typeface="+mj-cs"/>
+              </a:defRPr>
+            </a:lvl1pPr>
+          </a:lstStyle>
+          <a:p>
+            <a:r>
+              <a:rPr lang="zh-CN" altLang="en-US" sz="4000" dirty="0">
+                <a:solidFill>
+                  <a:srgbClr val="FF0000"/>
+                </a:solidFill>
+                <a:latin typeface="宋体" panose="02010600030101010101" pitchFamily="2" charset="-122"/>
+                <a:ea typeface="宋体" panose="02010600030101010101" pitchFamily="2" charset="-122"/>
+              </a:rPr>
+              <a:t>返回</a:t>
+            </a:r>
+          </a:p>
+        </p:txBody>
+      </p:sp>
+      <p:cxnSp>
+        <p:nvCxnSpPr>
+          <p:cNvPr id="73" name="直接箭头连接符 72">
+            <a:extLst>
+              <a:ext uri="{FF2B5EF4-FFF2-40B4-BE49-F238E27FC236}">
+                <a16:creationId xmlns:a16="http://schemas.microsoft.com/office/drawing/2014/main" id="{5D7C6FE0-5D6B-411A-98AF-7701B48E9A5F}"/>
+              </a:ext>
+            </a:extLst>
+          </p:cNvPr>
+          <p:cNvCxnSpPr>
+            <a:cxnSpLocks/>
+          </p:cNvCxnSpPr>
+          <p:nvPr/>
+        </p:nvCxnSpPr>
+        <p:spPr>
+          <a:xfrm flipV="1">
+            <a:off x="3417186" y="1071581"/>
+            <a:ext cx="11169" cy="4627564"/>
+          </a:xfrm>
+          <a:prstGeom prst="straightConnector1">
+            <a:avLst/>
+          </a:prstGeom>
+          <a:ln>
+            <a:tailEnd type="triangle"/>
+          </a:ln>
+        </p:spPr>
+        <p:style>
+          <a:lnRef idx="1">
+            <a:schemeClr val="accent1"/>
+          </a:lnRef>
+          <a:fillRef idx="0">
+            <a:schemeClr val="accent1"/>
+          </a:fillRef>
+          <a:effectRef idx="0">
+            <a:schemeClr val="accent1"/>
+          </a:effectRef>
+          <a:fontRef idx="minor">
+            <a:schemeClr val="tx1"/>
+          </a:fontRef>
+        </p:style>
+      </p:cxnSp>
+      <p:sp>
+        <p:nvSpPr>
+          <p:cNvPr id="50" name="标题 1">
+            <a:extLst>
+              <a:ext uri="{FF2B5EF4-FFF2-40B4-BE49-F238E27FC236}">
+                <a16:creationId xmlns:a16="http://schemas.microsoft.com/office/drawing/2014/main" id="{9F5DF600-E8F1-4933-80E2-FC9D7F7DEB06}"/>
+              </a:ext>
+            </a:extLst>
+          </p:cNvPr>
+          <p:cNvSpPr txBox="1">
+            <a:spLocks/>
+          </p:cNvSpPr>
+          <p:nvPr/>
+        </p:nvSpPr>
+        <p:spPr>
+          <a:xfrm>
+            <a:off x="7292788" y="1727607"/>
+            <a:ext cx="2672178" cy="470516"/>
+          </a:xfrm>
+          <a:prstGeom prst="rect">
+            <a:avLst/>
+          </a:prstGeom>
+        </p:spPr>
+        <p:txBody>
+          <a:bodyPr vert="horz" lIns="91440" tIns="45720" rIns="91440" bIns="45720" rtlCol="0" anchor="b">
+            <a:normAutofit fontScale="75000" lnSpcReduction="20000"/>
+          </a:bodyPr>
+          <a:lstStyle>
+            <a:lvl1pPr algn="ctr" defTabSz="914400" rtl="0" eaLnBrk="1" latinLnBrk="0" hangingPunct="1">
+              <a:lnSpc>
+                <a:spcPct val="90000"/>
+              </a:lnSpc>
+              <a:spcBef>
+                <a:spcPct val="0"/>
+              </a:spcBef>
+              <a:buNone/>
+              <a:defRPr sz="6000" kern="1200">
+                <a:solidFill>
+                  <a:schemeClr val="tx1"/>
+                </a:solidFill>
+                <a:latin typeface="+mj-lt"/>
+                <a:ea typeface="+mj-ea"/>
+                <a:cs typeface="+mj-cs"/>
+              </a:defRPr>
+            </a:lvl1pPr>
+          </a:lstStyle>
+          <a:p>
+            <a:r>
+              <a:rPr lang="zh-CN" altLang="en-US" sz="4000" dirty="0">
+                <a:solidFill>
+                  <a:srgbClr val="0070C0"/>
+                </a:solidFill>
+                <a:latin typeface="宋体" panose="02010600030101010101" pitchFamily="2" charset="-122"/>
+                <a:ea typeface="宋体" panose="02010600030101010101" pitchFamily="2" charset="-122"/>
+              </a:rPr>
+              <a:t>文字识别模式</a:t>
+            </a:r>
+          </a:p>
+        </p:txBody>
+      </p:sp>
+      <p:sp>
+        <p:nvSpPr>
+          <p:cNvPr id="51" name="标题 1">
+            <a:extLst>
+              <a:ext uri="{FF2B5EF4-FFF2-40B4-BE49-F238E27FC236}">
+                <a16:creationId xmlns:a16="http://schemas.microsoft.com/office/drawing/2014/main" id="{E5253A34-14AD-41A6-AEFF-6E0E7164F839}"/>
+              </a:ext>
+            </a:extLst>
+          </p:cNvPr>
+          <p:cNvSpPr txBox="1">
+            <a:spLocks/>
+          </p:cNvSpPr>
+          <p:nvPr/>
+        </p:nvSpPr>
+        <p:spPr>
+          <a:xfrm>
+            <a:off x="6532825" y="626527"/>
+            <a:ext cx="2672178" cy="470516"/>
+          </a:xfrm>
+          <a:prstGeom prst="rect">
+            <a:avLst/>
+          </a:prstGeom>
+        </p:spPr>
+        <p:txBody>
+          <a:bodyPr vert="horz" lIns="91440" tIns="45720" rIns="91440" bIns="45720" rtlCol="0" anchor="b">
+            <a:normAutofit fontScale="97500"/>
+          </a:bodyPr>
+          <a:lstStyle>
+            <a:lvl1pPr algn="ctr" defTabSz="914400" rtl="0" eaLnBrk="1" latinLnBrk="0" hangingPunct="1">
+              <a:lnSpc>
+                <a:spcPct val="90000"/>
+              </a:lnSpc>
+              <a:spcBef>
+                <a:spcPct val="0"/>
+              </a:spcBef>
+              <a:buNone/>
+              <a:defRPr sz="6000" kern="1200">
+                <a:solidFill>
+                  <a:schemeClr val="tx1"/>
+                </a:solidFill>
+                <a:latin typeface="+mj-lt"/>
+                <a:ea typeface="+mj-ea"/>
+                <a:cs typeface="+mj-cs"/>
+              </a:defRPr>
+            </a:lvl1pPr>
+          </a:lstStyle>
+          <a:p>
+            <a:r>
+              <a:rPr lang="zh-CN" altLang="en-US" sz="2800" dirty="0">
+                <a:solidFill>
+                  <a:srgbClr val="FF0000"/>
+                </a:solidFill>
+                <a:latin typeface="宋体" panose="02010600030101010101" pitchFamily="2" charset="-122"/>
+                <a:ea typeface="宋体" panose="02010600030101010101" pitchFamily="2" charset="-122"/>
+              </a:rPr>
+              <a:t>文字识别</a:t>
+            </a:r>
+          </a:p>
+        </p:txBody>
+      </p:sp>
+      <p:cxnSp>
+        <p:nvCxnSpPr>
+          <p:cNvPr id="53" name="直接箭头连接符 52">
+            <a:extLst>
+              <a:ext uri="{FF2B5EF4-FFF2-40B4-BE49-F238E27FC236}">
+                <a16:creationId xmlns:a16="http://schemas.microsoft.com/office/drawing/2014/main" id="{71BC6A78-D1FD-47C6-A94C-B18FBB4FC29A}"/>
+              </a:ext>
+            </a:extLst>
+          </p:cNvPr>
+          <p:cNvCxnSpPr>
+            <a:cxnSpLocks/>
+          </p:cNvCxnSpPr>
+          <p:nvPr/>
+        </p:nvCxnSpPr>
+        <p:spPr>
+          <a:xfrm>
+            <a:off x="6379891" y="705871"/>
+            <a:ext cx="1959176" cy="968532"/>
+          </a:xfrm>
+          <a:prstGeom prst="straightConnector1">
+            <a:avLst/>
+          </a:prstGeom>
+          <a:ln>
+            <a:tailEnd type="triangle"/>
+          </a:ln>
+        </p:spPr>
+        <p:style>
+          <a:lnRef idx="1">
+            <a:schemeClr val="accent1"/>
+          </a:lnRef>
+          <a:fillRef idx="0">
+            <a:schemeClr val="accent1"/>
+          </a:fillRef>
+          <a:effectRef idx="0">
+            <a:schemeClr val="accent1"/>
+          </a:effectRef>
+          <a:fontRef idx="minor">
+            <a:schemeClr val="tx1"/>
+          </a:fontRef>
+        </p:style>
+      </p:cxnSp>
+      <p:cxnSp>
+        <p:nvCxnSpPr>
+          <p:cNvPr id="54" name="直接箭头连接符 53">
+            <a:extLst>
+              <a:ext uri="{FF2B5EF4-FFF2-40B4-BE49-F238E27FC236}">
+                <a16:creationId xmlns:a16="http://schemas.microsoft.com/office/drawing/2014/main" id="{2AFF1A5F-9FC7-4386-8541-87458BEF87D7}"/>
+              </a:ext>
+            </a:extLst>
+          </p:cNvPr>
+          <p:cNvCxnSpPr>
+            <a:cxnSpLocks/>
+          </p:cNvCxnSpPr>
+          <p:nvPr/>
+        </p:nvCxnSpPr>
+        <p:spPr>
+          <a:xfrm>
+            <a:off x="8887605" y="2327112"/>
+            <a:ext cx="0" cy="2228846"/>
+          </a:xfrm>
+          <a:prstGeom prst="straightConnector1">
+            <a:avLst/>
+          </a:prstGeom>
+          <a:ln>
+            <a:tailEnd type="triangle"/>
+          </a:ln>
+        </p:spPr>
+        <p:style>
+          <a:lnRef idx="1">
+            <a:schemeClr val="accent1"/>
+          </a:lnRef>
+          <a:fillRef idx="0">
+            <a:schemeClr val="accent1"/>
+          </a:fillRef>
+          <a:effectRef idx="0">
+            <a:schemeClr val="accent1"/>
+          </a:effectRef>
+          <a:fontRef idx="minor">
+            <a:schemeClr val="tx1"/>
+          </a:fontRef>
+        </p:style>
+      </p:cxnSp>
+      <p:sp>
+        <p:nvSpPr>
+          <p:cNvPr id="56" name="标题 1">
+            <a:extLst>
+              <a:ext uri="{FF2B5EF4-FFF2-40B4-BE49-F238E27FC236}">
+                <a16:creationId xmlns:a16="http://schemas.microsoft.com/office/drawing/2014/main" id="{1E53E6A0-9CD8-40AA-AEF7-1CA7248A4699}"/>
+              </a:ext>
+            </a:extLst>
+          </p:cNvPr>
+          <p:cNvSpPr txBox="1">
+            <a:spLocks/>
+          </p:cNvSpPr>
+          <p:nvPr/>
+        </p:nvSpPr>
+        <p:spPr>
+          <a:xfrm>
+            <a:off x="6955041" y="2461323"/>
+            <a:ext cx="2672178" cy="470516"/>
+          </a:xfrm>
+          <a:prstGeom prst="rect">
+            <a:avLst/>
+          </a:prstGeom>
+        </p:spPr>
+        <p:txBody>
+          <a:bodyPr vert="horz" lIns="91440" tIns="45720" rIns="91440" bIns="45720" rtlCol="0" anchor="b">
+            <a:normAutofit fontScale="97500"/>
+          </a:bodyPr>
+          <a:lstStyle>
+            <a:lvl1pPr algn="ctr" defTabSz="914400" rtl="0" eaLnBrk="1" latinLnBrk="0" hangingPunct="1">
+              <a:lnSpc>
+                <a:spcPct val="90000"/>
+              </a:lnSpc>
+              <a:spcBef>
+                <a:spcPct val="0"/>
+              </a:spcBef>
+              <a:buNone/>
+              <a:defRPr sz="6000" kern="1200">
+                <a:solidFill>
+                  <a:schemeClr val="tx1"/>
+                </a:solidFill>
+                <a:latin typeface="+mj-lt"/>
+                <a:ea typeface="+mj-ea"/>
+                <a:cs typeface="+mj-cs"/>
+              </a:defRPr>
+            </a:lvl1pPr>
+          </a:lstStyle>
+          <a:p>
+            <a:r>
+              <a:rPr lang="zh-CN" altLang="en-US" sz="2400" dirty="0">
+                <a:solidFill>
+                  <a:srgbClr val="FF0000"/>
+                </a:solidFill>
+                <a:latin typeface="宋体" panose="02010600030101010101" pitchFamily="2" charset="-122"/>
+                <a:ea typeface="宋体" panose="02010600030101010101" pitchFamily="2" charset="-122"/>
+              </a:rPr>
+              <a:t>这是什么</a:t>
+            </a:r>
+          </a:p>
+        </p:txBody>
+      </p:sp>
+      <p:sp>
+        <p:nvSpPr>
+          <p:cNvPr id="57" name="标题 1">
+            <a:extLst>
+              <a:ext uri="{FF2B5EF4-FFF2-40B4-BE49-F238E27FC236}">
+                <a16:creationId xmlns:a16="http://schemas.microsoft.com/office/drawing/2014/main" id="{09EB86B4-1C86-409D-B23C-DE9037AF839F}"/>
+              </a:ext>
+            </a:extLst>
+          </p:cNvPr>
+          <p:cNvSpPr txBox="1">
+            <a:spLocks/>
+          </p:cNvSpPr>
+          <p:nvPr/>
+        </p:nvSpPr>
+        <p:spPr>
+          <a:xfrm>
+            <a:off x="7566966" y="4499786"/>
+            <a:ext cx="2711107" cy="579892"/>
+          </a:xfrm>
+          <a:prstGeom prst="rect">
+            <a:avLst/>
+          </a:prstGeom>
+        </p:spPr>
+        <p:txBody>
+          <a:bodyPr vert="horz" lIns="91440" tIns="45720" rIns="91440" bIns="45720" rtlCol="0" anchor="b">
+            <a:normAutofit fontScale="52500" lnSpcReduction="20000"/>
+          </a:bodyPr>
+          <a:lstStyle>
+            <a:lvl1pPr algn="ctr" defTabSz="914400" rtl="0" eaLnBrk="1" latinLnBrk="0" hangingPunct="1">
+              <a:lnSpc>
+                <a:spcPct val="90000"/>
+              </a:lnSpc>
+              <a:spcBef>
+                <a:spcPct val="0"/>
+              </a:spcBef>
+              <a:buNone/>
+              <a:defRPr sz="6000" kern="1200">
+                <a:solidFill>
+                  <a:schemeClr val="tx1"/>
+                </a:solidFill>
+                <a:latin typeface="+mj-lt"/>
+                <a:ea typeface="+mj-ea"/>
+                <a:cs typeface="+mj-cs"/>
+              </a:defRPr>
+            </a:lvl1pPr>
+          </a:lstStyle>
+          <a:p>
+            <a:r>
+              <a:rPr lang="zh-CN" altLang="en-US" sz="4000" dirty="0">
+                <a:latin typeface="宋体" panose="02010600030101010101" pitchFamily="2" charset="-122"/>
+                <a:ea typeface="宋体" panose="02010600030101010101" pitchFamily="2" charset="-122"/>
+              </a:rPr>
+              <a:t>摄像头拍照进行</a:t>
+            </a:r>
+            <a:r>
+              <a:rPr lang="en-US" altLang="zh-CN" sz="4000" dirty="0">
+                <a:latin typeface="宋体" panose="02010600030101010101" pitchFamily="2" charset="-122"/>
+                <a:ea typeface="宋体" panose="02010600030101010101" pitchFamily="2" charset="-122"/>
+              </a:rPr>
+              <a:t>OCR</a:t>
+            </a:r>
+            <a:endParaRPr lang="zh-CN" altLang="en-US" sz="4000" dirty="0">
+              <a:latin typeface="宋体" panose="02010600030101010101" pitchFamily="2" charset="-122"/>
+              <a:ea typeface="宋体" panose="02010600030101010101" pitchFamily="2" charset="-122"/>
+            </a:endParaRPr>
+          </a:p>
+        </p:txBody>
+      </p:sp>
+      <p:cxnSp>
+        <p:nvCxnSpPr>
+          <p:cNvPr id="58" name="直接箭头连接符 57">
+            <a:extLst>
+              <a:ext uri="{FF2B5EF4-FFF2-40B4-BE49-F238E27FC236}">
+                <a16:creationId xmlns:a16="http://schemas.microsoft.com/office/drawing/2014/main" id="{E337C84F-2726-49A6-B21B-FFC81573F79B}"/>
+              </a:ext>
+            </a:extLst>
+          </p:cNvPr>
+          <p:cNvCxnSpPr>
+            <a:cxnSpLocks/>
+          </p:cNvCxnSpPr>
+          <p:nvPr/>
+        </p:nvCxnSpPr>
+        <p:spPr>
+          <a:xfrm flipH="1">
+            <a:off x="4870122" y="5164915"/>
+            <a:ext cx="3180442" cy="800879"/>
+          </a:xfrm>
+          <a:prstGeom prst="straightConnector1">
+            <a:avLst/>
+          </a:prstGeom>
+          <a:ln>
+            <a:tailEnd type="triangle"/>
+          </a:ln>
+        </p:spPr>
+        <p:style>
+          <a:lnRef idx="1">
+            <a:schemeClr val="accent1"/>
+          </a:lnRef>
+          <a:fillRef idx="0">
+            <a:schemeClr val="accent1"/>
+          </a:fillRef>
+          <a:effectRef idx="0">
+            <a:schemeClr val="accent1"/>
+          </a:effectRef>
+          <a:fontRef idx="minor">
+            <a:schemeClr val="tx1"/>
+          </a:fontRef>
+        </p:style>
+      </p:cxnSp>
+      <p:sp>
+        <p:nvSpPr>
+          <p:cNvPr id="47" name="标题 1">
+            <a:extLst>
+              <a:ext uri="{FF2B5EF4-FFF2-40B4-BE49-F238E27FC236}">
+                <a16:creationId xmlns:a16="http://schemas.microsoft.com/office/drawing/2014/main" id="{F0061A2D-8AFB-4D7B-86B7-67B0799E58D3}"/>
+              </a:ext>
+            </a:extLst>
+          </p:cNvPr>
+          <p:cNvSpPr txBox="1">
+            <a:spLocks/>
+          </p:cNvSpPr>
+          <p:nvPr/>
+        </p:nvSpPr>
+        <p:spPr>
+          <a:xfrm>
+            <a:off x="9627219" y="1673450"/>
+            <a:ext cx="2672178" cy="470516"/>
+          </a:xfrm>
+          <a:prstGeom prst="rect">
+            <a:avLst/>
+          </a:prstGeom>
+        </p:spPr>
+        <p:txBody>
+          <a:bodyPr vert="horz" lIns="91440" tIns="45720" rIns="91440" bIns="45720" rtlCol="0" anchor="b">
+            <a:normAutofit fontScale="75000" lnSpcReduction="20000"/>
+          </a:bodyPr>
+          <a:lstStyle>
+            <a:lvl1pPr algn="ctr" defTabSz="914400" rtl="0" eaLnBrk="1" latinLnBrk="0" hangingPunct="1">
+              <a:lnSpc>
+                <a:spcPct val="90000"/>
+              </a:lnSpc>
+              <a:spcBef>
+                <a:spcPct val="0"/>
+              </a:spcBef>
+              <a:buNone/>
+              <a:defRPr sz="6000" kern="1200">
+                <a:solidFill>
+                  <a:schemeClr val="tx1"/>
+                </a:solidFill>
+                <a:latin typeface="+mj-lt"/>
+                <a:ea typeface="+mj-ea"/>
+                <a:cs typeface="+mj-cs"/>
+              </a:defRPr>
+            </a:lvl1pPr>
+          </a:lstStyle>
+          <a:p>
+            <a:r>
+              <a:rPr lang="zh-CN" altLang="en-US" sz="4000" dirty="0">
+                <a:solidFill>
+                  <a:srgbClr val="0070C0"/>
+                </a:solidFill>
+                <a:latin typeface="宋体" panose="02010600030101010101" pitchFamily="2" charset="-122"/>
+                <a:ea typeface="宋体" panose="02010600030101010101" pitchFamily="2" charset="-122"/>
+              </a:rPr>
+              <a:t>物体识别模式</a:t>
+            </a:r>
+          </a:p>
+        </p:txBody>
+      </p:sp>
+      <p:sp>
+        <p:nvSpPr>
+          <p:cNvPr id="59" name="标题 1">
+            <a:extLst>
+              <a:ext uri="{FF2B5EF4-FFF2-40B4-BE49-F238E27FC236}">
+                <a16:creationId xmlns:a16="http://schemas.microsoft.com/office/drawing/2014/main" id="{1366A329-4872-4F53-A490-5F1AF9215807}"/>
+              </a:ext>
+            </a:extLst>
+          </p:cNvPr>
+          <p:cNvSpPr txBox="1">
+            <a:spLocks/>
+          </p:cNvSpPr>
+          <p:nvPr/>
+        </p:nvSpPr>
+        <p:spPr>
+          <a:xfrm>
+            <a:off x="8536805" y="553975"/>
+            <a:ext cx="2672178" cy="470516"/>
+          </a:xfrm>
+          <a:prstGeom prst="rect">
+            <a:avLst/>
+          </a:prstGeom>
+        </p:spPr>
+        <p:txBody>
+          <a:bodyPr vert="horz" lIns="91440" tIns="45720" rIns="91440" bIns="45720" rtlCol="0" anchor="b">
+            <a:normAutofit fontScale="97500"/>
+          </a:bodyPr>
+          <a:lstStyle>
+            <a:lvl1pPr algn="ctr" defTabSz="914400" rtl="0" eaLnBrk="1" latinLnBrk="0" hangingPunct="1">
+              <a:lnSpc>
+                <a:spcPct val="90000"/>
+              </a:lnSpc>
+              <a:spcBef>
+                <a:spcPct val="0"/>
+              </a:spcBef>
+              <a:buNone/>
+              <a:defRPr sz="6000" kern="1200">
+                <a:solidFill>
+                  <a:schemeClr val="tx1"/>
+                </a:solidFill>
+                <a:latin typeface="+mj-lt"/>
+                <a:ea typeface="+mj-ea"/>
+                <a:cs typeface="+mj-cs"/>
+              </a:defRPr>
+            </a:lvl1pPr>
+          </a:lstStyle>
+          <a:p>
+            <a:r>
+              <a:rPr lang="zh-CN" altLang="en-US" sz="2800" dirty="0">
+                <a:solidFill>
+                  <a:srgbClr val="FF0000"/>
+                </a:solidFill>
+                <a:latin typeface="宋体" panose="02010600030101010101" pitchFamily="2" charset="-122"/>
+                <a:ea typeface="宋体" panose="02010600030101010101" pitchFamily="2" charset="-122"/>
+              </a:rPr>
+              <a:t>物体识别</a:t>
+            </a:r>
+          </a:p>
+        </p:txBody>
+      </p:sp>
+      <p:cxnSp>
+        <p:nvCxnSpPr>
+          <p:cNvPr id="60" name="直接箭头连接符 59">
+            <a:extLst>
+              <a:ext uri="{FF2B5EF4-FFF2-40B4-BE49-F238E27FC236}">
+                <a16:creationId xmlns:a16="http://schemas.microsoft.com/office/drawing/2014/main" id="{9CAD7EFE-1070-405B-9688-F1A25F8BD1FE}"/>
+              </a:ext>
+            </a:extLst>
+          </p:cNvPr>
+          <p:cNvCxnSpPr>
+            <a:cxnSpLocks/>
+          </p:cNvCxnSpPr>
+          <p:nvPr/>
+        </p:nvCxnSpPr>
+        <p:spPr>
+          <a:xfrm>
+            <a:off x="8383871" y="633319"/>
+            <a:ext cx="1959176" cy="968532"/>
+          </a:xfrm>
+          <a:prstGeom prst="straightConnector1">
+            <a:avLst/>
+          </a:prstGeom>
+          <a:ln>
+            <a:tailEnd type="triangle"/>
+          </a:ln>
+        </p:spPr>
+        <p:style>
+          <a:lnRef idx="1">
+            <a:schemeClr val="accent1"/>
+          </a:lnRef>
+          <a:fillRef idx="0">
+            <a:schemeClr val="accent1"/>
+          </a:fillRef>
+          <a:effectRef idx="0">
+            <a:schemeClr val="accent1"/>
+          </a:effectRef>
+          <a:fontRef idx="minor">
+            <a:schemeClr val="tx1"/>
+          </a:fontRef>
+        </p:style>
+      </p:cxnSp>
+      <p:cxnSp>
+        <p:nvCxnSpPr>
+          <p:cNvPr id="62" name="直接箭头连接符 61">
+            <a:extLst>
+              <a:ext uri="{FF2B5EF4-FFF2-40B4-BE49-F238E27FC236}">
+                <a16:creationId xmlns:a16="http://schemas.microsoft.com/office/drawing/2014/main" id="{DFCBA879-131E-4191-BA39-7AB499EE941E}"/>
+              </a:ext>
+            </a:extLst>
+          </p:cNvPr>
+          <p:cNvCxnSpPr>
+            <a:cxnSpLocks/>
+          </p:cNvCxnSpPr>
+          <p:nvPr/>
+        </p:nvCxnSpPr>
+        <p:spPr>
+          <a:xfrm>
+            <a:off x="10800506" y="2613755"/>
+            <a:ext cx="0" cy="2228846"/>
+          </a:xfrm>
+          <a:prstGeom prst="straightConnector1">
+            <a:avLst/>
+          </a:prstGeom>
+          <a:ln>
+            <a:tailEnd type="triangle"/>
+          </a:ln>
+        </p:spPr>
+        <p:style>
+          <a:lnRef idx="1">
+            <a:schemeClr val="accent1"/>
+          </a:lnRef>
+          <a:fillRef idx="0">
+            <a:schemeClr val="accent1"/>
+          </a:fillRef>
+          <a:effectRef idx="0">
+            <a:schemeClr val="accent1"/>
+          </a:effectRef>
+          <a:fontRef idx="minor">
+            <a:schemeClr val="tx1"/>
+          </a:fontRef>
+        </p:style>
+      </p:cxnSp>
+      <p:sp>
+        <p:nvSpPr>
+          <p:cNvPr id="63" name="标题 1">
+            <a:extLst>
+              <a:ext uri="{FF2B5EF4-FFF2-40B4-BE49-F238E27FC236}">
+                <a16:creationId xmlns:a16="http://schemas.microsoft.com/office/drawing/2014/main" id="{3E3AF43C-8321-4D80-8AEE-853D03E2ABA8}"/>
+              </a:ext>
+            </a:extLst>
+          </p:cNvPr>
+          <p:cNvSpPr txBox="1">
+            <a:spLocks/>
+          </p:cNvSpPr>
+          <p:nvPr/>
+        </p:nvSpPr>
+        <p:spPr>
+          <a:xfrm>
+            <a:off x="8867942" y="2747966"/>
+            <a:ext cx="2672178" cy="470516"/>
+          </a:xfrm>
+          <a:prstGeom prst="rect">
+            <a:avLst/>
+          </a:prstGeom>
+        </p:spPr>
+        <p:txBody>
+          <a:bodyPr vert="horz" lIns="91440" tIns="45720" rIns="91440" bIns="45720" rtlCol="0" anchor="b">
+            <a:normAutofit fontScale="97500"/>
+          </a:bodyPr>
+          <a:lstStyle>
+            <a:lvl1pPr algn="ctr" defTabSz="914400" rtl="0" eaLnBrk="1" latinLnBrk="0" hangingPunct="1">
+              <a:lnSpc>
+                <a:spcPct val="90000"/>
+              </a:lnSpc>
+              <a:spcBef>
+                <a:spcPct val="0"/>
+              </a:spcBef>
+              <a:buNone/>
+              <a:defRPr sz="6000" kern="1200">
+                <a:solidFill>
+                  <a:schemeClr val="tx1"/>
+                </a:solidFill>
+                <a:latin typeface="+mj-lt"/>
+                <a:ea typeface="+mj-ea"/>
+                <a:cs typeface="+mj-cs"/>
+              </a:defRPr>
+            </a:lvl1pPr>
+          </a:lstStyle>
+          <a:p>
+            <a:r>
+              <a:rPr lang="zh-CN" altLang="en-US" sz="2400" dirty="0">
+                <a:solidFill>
+                  <a:srgbClr val="FF0000"/>
+                </a:solidFill>
+                <a:latin typeface="宋体" panose="02010600030101010101" pitchFamily="2" charset="-122"/>
+                <a:ea typeface="宋体" panose="02010600030101010101" pitchFamily="2" charset="-122"/>
+              </a:rPr>
+              <a:t>这是什么</a:t>
+            </a:r>
+          </a:p>
+        </p:txBody>
+      </p:sp>
+      <p:sp>
+        <p:nvSpPr>
+          <p:cNvPr id="64" name="标题 1">
+            <a:extLst>
+              <a:ext uri="{FF2B5EF4-FFF2-40B4-BE49-F238E27FC236}">
+                <a16:creationId xmlns:a16="http://schemas.microsoft.com/office/drawing/2014/main" id="{12F35267-0135-4993-B923-2220E6178207}"/>
+              </a:ext>
+            </a:extLst>
+          </p:cNvPr>
+          <p:cNvSpPr txBox="1">
+            <a:spLocks/>
+          </p:cNvSpPr>
+          <p:nvPr/>
+        </p:nvSpPr>
+        <p:spPr>
+          <a:xfrm>
+            <a:off x="8294475" y="4854219"/>
+            <a:ext cx="4097144" cy="691162"/>
+          </a:xfrm>
+          <a:prstGeom prst="rect">
+            <a:avLst/>
+          </a:prstGeom>
+        </p:spPr>
+        <p:txBody>
+          <a:bodyPr vert="horz" lIns="91440" tIns="45720" rIns="91440" bIns="45720" rtlCol="0" anchor="b">
+            <a:normAutofit fontScale="67500" lnSpcReduction="20000"/>
+          </a:bodyPr>
+          <a:lstStyle>
+            <a:lvl1pPr algn="ctr" defTabSz="914400" rtl="0" eaLnBrk="1" latinLnBrk="0" hangingPunct="1">
+              <a:lnSpc>
+                <a:spcPct val="90000"/>
+              </a:lnSpc>
+              <a:spcBef>
+                <a:spcPct val="0"/>
+              </a:spcBef>
+              <a:buNone/>
+              <a:defRPr sz="6000" kern="1200">
+                <a:solidFill>
+                  <a:schemeClr val="tx1"/>
+                </a:solidFill>
+                <a:latin typeface="+mj-lt"/>
+                <a:ea typeface="+mj-ea"/>
+                <a:cs typeface="+mj-cs"/>
+              </a:defRPr>
+            </a:lvl1pPr>
+          </a:lstStyle>
+          <a:p>
+            <a:r>
+              <a:rPr lang="zh-CN" altLang="en-US" sz="4000" dirty="0">
+                <a:latin typeface="宋体" panose="02010600030101010101" pitchFamily="2" charset="-122"/>
+                <a:ea typeface="宋体" panose="02010600030101010101" pitchFamily="2" charset="-122"/>
+              </a:rPr>
+              <a:t>摄像头拍照进行物体识别</a:t>
+            </a:r>
+          </a:p>
+        </p:txBody>
+      </p:sp>
+      <p:cxnSp>
+        <p:nvCxnSpPr>
+          <p:cNvPr id="66" name="直接箭头连接符 65">
+            <a:extLst>
+              <a:ext uri="{FF2B5EF4-FFF2-40B4-BE49-F238E27FC236}">
+                <a16:creationId xmlns:a16="http://schemas.microsoft.com/office/drawing/2014/main" id="{6869DD69-BA3B-46B8-94D3-B29E6971C478}"/>
+              </a:ext>
+            </a:extLst>
+          </p:cNvPr>
+          <p:cNvCxnSpPr>
+            <a:cxnSpLocks/>
+          </p:cNvCxnSpPr>
+          <p:nvPr/>
+        </p:nvCxnSpPr>
+        <p:spPr>
+          <a:xfrm flipH="1">
+            <a:off x="5022522" y="5607360"/>
+            <a:ext cx="4273475" cy="510834"/>
+          </a:xfrm>
+          <a:prstGeom prst="straightConnector1">
+            <a:avLst/>
+          </a:prstGeom>
+          <a:ln>
+            <a:tailEnd type="triangle"/>
+          </a:ln>
+        </p:spPr>
+        <p:style>
+          <a:lnRef idx="1">
+            <a:schemeClr val="accent1"/>
+          </a:lnRef>
+          <a:fillRef idx="0">
+            <a:schemeClr val="accent1"/>
+          </a:fillRef>
+          <a:effectRef idx="0">
+            <a:schemeClr val="accent1"/>
+          </a:effectRef>
+          <a:fontRef idx="minor">
+            <a:schemeClr val="tx1"/>
+          </a:fontRef>
+        </p:style>
+      </p:cxnSp>
     </p:spTree>
     <p:extLst>
       <p:ext uri="{BB962C8B-B14F-4D97-AF65-F5344CB8AC3E}">
-        <p14:creationId xmlns:p14="http://schemas.microsoft.com/office/powerpoint/2010/main" val="1834388034"/>
+        <p14:creationId xmlns:p14="http://schemas.microsoft.com/office/powerpoint/2010/main" val="3320735569"/>
       </p:ext>
     </p:extLst>
   </p:cSld>
